--- a/02 aadhttpclient.pptx
+++ b/02 aadhttpclient.pptx
@@ -274,7 +274,7 @@
               <a:rPr lang="en-US" smtClean="0">
                 <a:latin typeface="Segoe UI" pitchFamily="34" charset="0"/>
               </a:rPr>
-              <a:t>12/1/2019 6:49 PM</a:t>
+              <a:t>3/5/20 3:00 PM</a:t>
             </a:fld>
             <a:endParaRPr lang="en-US" dirty="0">
               <a:latin typeface="Segoe UI" pitchFamily="34" charset="0"/>
@@ -571,7 +571,7 @@
           <a:p>
             <a:fld id="{D18B56EA-E28F-4F92-9F16-7A6F2501B303}" type="datetime8">
               <a:rPr lang="en-US" smtClean="0"/>
-              <a:t>12/1/2019 6:33 PM</a:t>
+              <a:t>3/5/20 3:00 PM</a:t>
             </a:fld>
             <a:endParaRPr lang="en-US" dirty="0"/>
           </a:p>
@@ -954,7 +954,7 @@
           <a:p>
             <a:fld id="{D18B56EA-E28F-4F92-9F16-7A6F2501B303}" type="datetime8">
               <a:rPr lang="en-US" smtClean="0"/>
-              <a:t>12/1/2019 6:33 PM</a:t>
+              <a:t>3/5/20 3:00 PM</a:t>
             </a:fld>
             <a:endParaRPr lang="en-US" dirty="0"/>
           </a:p>
@@ -988,6 +988,1203 @@
     <p:extLst>
       <p:ext uri="{BB962C8B-B14F-4D97-AF65-F5344CB8AC3E}">
         <p14:creationId xmlns:p14="http://schemas.microsoft.com/office/powerpoint/2010/main" val="909857904"/>
+      </p:ext>
+    </p:extLst>
+  </p:cSld>
+  <p:clrMapOvr>
+    <a:masterClrMapping/>
+  </p:clrMapOvr>
+</p:notes>
+</file>
+
+<file path=ppt/notesSlides/notesSlide10.xml><?xml version="1.0" encoding="utf-8"?>
+<p:notes xmlns:a="http://schemas.openxmlformats.org/drawingml/2006/main" xmlns:r="http://schemas.openxmlformats.org/officeDocument/2006/relationships" xmlns:p="http://schemas.openxmlformats.org/presentationml/2006/main">
+  <p:cSld>
+    <p:spTree>
+      <p:nvGrpSpPr>
+        <p:cNvPr id="1" name=""/>
+        <p:cNvGrpSpPr/>
+        <p:nvPr/>
+      </p:nvGrpSpPr>
+      <p:grpSpPr>
+        <a:xfrm>
+          <a:off x="0" y="0"/>
+          <a:ext cx="0" cy="0"/>
+          <a:chOff x="0" y="0"/>
+          <a:chExt cx="0" cy="0"/>
+        </a:xfrm>
+      </p:grpSpPr>
+      <p:sp>
+        <p:nvSpPr>
+          <p:cNvPr id="2" name="Slide Image Placeholder 1"/>
+          <p:cNvSpPr>
+            <a:spLocks noGrp="1" noRot="1" noChangeAspect="1"/>
+          </p:cNvSpPr>
+          <p:nvPr>
+            <p:ph type="sldImg"/>
+          </p:nvPr>
+        </p:nvSpPr>
+        <p:spPr/>
+      </p:sp>
+      <p:sp>
+        <p:nvSpPr>
+          <p:cNvPr id="3" name="Notes Placeholder 2"/>
+          <p:cNvSpPr>
+            <a:spLocks noGrp="1"/>
+          </p:cNvSpPr>
+          <p:nvPr>
+            <p:ph type="body" idx="1"/>
+          </p:nvPr>
+        </p:nvSpPr>
+        <p:spPr/>
+        <p:txBody>
+          <a:bodyPr/>
+          <a:lstStyle/>
+          <a:p>
+            <a:r>
+              <a:rPr lang="en-US" dirty="0"/>
+              <a:t>The SharePoint Framework API simplifies the access token acquisition from SharePoint Online and Azure AD. The API uses the token to configure a special instance of the `</a:t>
+            </a:r>
+            <a:r>
+              <a:rPr lang="en-US" dirty="0" err="1"/>
+              <a:t>HttpClient</a:t>
+            </a:r>
+            <a:r>
+              <a:rPr lang="en-US" dirty="0"/>
+              <a:t>`, known as the `</a:t>
+            </a:r>
+            <a:r>
+              <a:rPr lang="en-US" dirty="0" err="1"/>
+              <a:t>AadHttpClient</a:t>
+            </a:r>
+            <a:r>
+              <a:rPr lang="en-US" dirty="0"/>
+              <a:t>`, you'll use to submit the request.</a:t>
+            </a:r>
+          </a:p>
+          <a:p>
+            <a:endParaRPr lang="en-US" dirty="0"/>
+          </a:p>
+          <a:p>
+            <a:r>
+              <a:rPr lang="en-US" dirty="0"/>
+              <a:t>To do this, start by importing the `</a:t>
+            </a:r>
+            <a:r>
+              <a:rPr lang="en-US" dirty="0" err="1"/>
+              <a:t>AadHttpClient</a:t>
+            </a:r>
+            <a:r>
+              <a:rPr lang="en-US" dirty="0"/>
+              <a:t>` object into your TypeScript file:</a:t>
+            </a:r>
+          </a:p>
+          <a:p>
+            <a:endParaRPr lang="en-US" dirty="0"/>
+          </a:p>
+          <a:p>
+            <a:r>
+              <a:rPr lang="en-US" dirty="0"/>
+              <a:t>Next, use the `</a:t>
+            </a:r>
+            <a:r>
+              <a:rPr lang="en-US" dirty="0" err="1"/>
+              <a:t>aadhttpClientFactory</a:t>
+            </a:r>
+            <a:r>
+              <a:rPr lang="en-US" dirty="0"/>
+              <a:t>` to request an HTTP client configured with the access token for the specified resource:</a:t>
+            </a:r>
+          </a:p>
+          <a:p>
+            <a:endParaRPr lang="en-US" dirty="0"/>
+          </a:p>
+          <a:p>
+            <a:r>
+              <a:rPr lang="en-US" dirty="0"/>
+              <a:t>Finally, use the configured client to call the secured REST API the same way you can use the `</a:t>
+            </a:r>
+            <a:r>
+              <a:rPr lang="en-US" dirty="0" err="1"/>
+              <a:t>HttpClient</a:t>
+            </a:r>
+            <a:r>
+              <a:rPr lang="en-US" dirty="0"/>
+              <a:t>`:</a:t>
+            </a:r>
+          </a:p>
+          <a:p>
+            <a:endParaRPr lang="en-US" dirty="0"/>
+          </a:p>
+        </p:txBody>
+      </p:sp>
+      <p:sp>
+        <p:nvSpPr>
+          <p:cNvPr id="4" name="Header Placeholder 3"/>
+          <p:cNvSpPr>
+            <a:spLocks noGrp="1"/>
+          </p:cNvSpPr>
+          <p:nvPr>
+            <p:ph type="hdr" sz="quarter"/>
+          </p:nvPr>
+        </p:nvSpPr>
+        <p:spPr/>
+        <p:txBody>
+          <a:bodyPr/>
+          <a:lstStyle/>
+          <a:p>
+            <a:r>
+              <a:rPr lang="en-US"/>
+              <a:t>SharePoint Framework</a:t>
+            </a:r>
+            <a:endParaRPr lang="en-US" dirty="0"/>
+          </a:p>
+        </p:txBody>
+      </p:sp>
+      <p:sp>
+        <p:nvSpPr>
+          <p:cNvPr id="5" name="Footer Placeholder 4"/>
+          <p:cNvSpPr>
+            <a:spLocks noGrp="1"/>
+          </p:cNvSpPr>
+          <p:nvPr>
+            <p:ph type="ftr" sz="quarter" idx="4"/>
+          </p:nvPr>
+        </p:nvSpPr>
+        <p:spPr/>
+        <p:txBody>
+          <a:bodyPr/>
+          <a:lstStyle/>
+          <a:p>
+            <a:pPr defTabSz="914099" eaLnBrk="0" hangingPunct="0"/>
+            <a:r>
+              <a:rPr lang="en-US" sz="400">
+                <a:gradFill>
+                  <a:gsLst>
+                    <a:gs pos="0">
+                      <a:prstClr val="black"/>
+                    </a:gs>
+                    <a:gs pos="100000">
+                      <a:prstClr val="black"/>
+                    </a:gs>
+                  </a:gsLst>
+                  <a:lin ang="5400000" scaled="0"/>
+                </a:gradFill>
+                <a:latin typeface="Segoe UI" pitchFamily="34" charset="0"/>
+                <a:ea typeface="Segoe UI" pitchFamily="34" charset="0"/>
+                <a:cs typeface="Segoe UI" pitchFamily="34" charset="0"/>
+              </a:rPr>
+              <a:t>© Microsoft Corporation. All rights reserved. MICROSOFT MAKES NO WARRANTIES, EXPRESS, IMPLIED OR STATUTORY, AS TO THE INFORMATION IN THIS PRESENTATION.</a:t>
+            </a:r>
+            <a:endParaRPr lang="en-US" sz="400" dirty="0">
+              <a:gradFill>
+                <a:gsLst>
+                  <a:gs pos="0">
+                    <a:prstClr val="black"/>
+                  </a:gs>
+                  <a:gs pos="100000">
+                    <a:prstClr val="black"/>
+                  </a:gs>
+                </a:gsLst>
+                <a:lin ang="5400000" scaled="0"/>
+              </a:gradFill>
+              <a:latin typeface="Segoe UI" pitchFamily="34" charset="0"/>
+              <a:ea typeface="Segoe UI" pitchFamily="34" charset="0"/>
+              <a:cs typeface="Segoe UI" pitchFamily="34" charset="0"/>
+            </a:endParaRPr>
+          </a:p>
+        </p:txBody>
+      </p:sp>
+      <p:sp>
+        <p:nvSpPr>
+          <p:cNvPr id="6" name="Date Placeholder 5"/>
+          <p:cNvSpPr>
+            <a:spLocks noGrp="1"/>
+          </p:cNvSpPr>
+          <p:nvPr>
+            <p:ph type="dt" idx="1"/>
+          </p:nvPr>
+        </p:nvSpPr>
+        <p:spPr/>
+        <p:txBody>
+          <a:bodyPr/>
+          <a:lstStyle/>
+          <a:p>
+            <a:fld id="{D18B56EA-E28F-4F92-9F16-7A6F2501B303}" type="datetime8">
+              <a:rPr lang="en-US" smtClean="0"/>
+              <a:t>3/6/20 7:13 AM</a:t>
+            </a:fld>
+            <a:endParaRPr lang="en-US" dirty="0"/>
+          </a:p>
+        </p:txBody>
+      </p:sp>
+      <p:sp>
+        <p:nvSpPr>
+          <p:cNvPr id="7" name="Slide Number Placeholder 6"/>
+          <p:cNvSpPr>
+            <a:spLocks noGrp="1"/>
+          </p:cNvSpPr>
+          <p:nvPr>
+            <p:ph type="sldNum" sz="quarter" idx="5"/>
+          </p:nvPr>
+        </p:nvSpPr>
+        <p:spPr/>
+        <p:txBody>
+          <a:bodyPr/>
+          <a:lstStyle/>
+          <a:p>
+            <a:fld id="{B4008EB6-D09E-4580-8CD6-DDB14511944F}" type="slidenum">
+              <a:rPr lang="en-US" smtClean="0"/>
+              <a:pPr/>
+              <a:t>10</a:t>
+            </a:fld>
+            <a:endParaRPr lang="en-US" dirty="0"/>
+          </a:p>
+        </p:txBody>
+      </p:sp>
+    </p:spTree>
+    <p:extLst>
+      <p:ext uri="{BB962C8B-B14F-4D97-AF65-F5344CB8AC3E}">
+        <p14:creationId xmlns:p14="http://schemas.microsoft.com/office/powerpoint/2010/main" val="2460019255"/>
+      </p:ext>
+    </p:extLst>
+  </p:cSld>
+  <p:clrMapOvr>
+    <a:masterClrMapping/>
+  </p:clrMapOvr>
+</p:notes>
+</file>
+
+<file path=ppt/notesSlides/notesSlide11.xml><?xml version="1.0" encoding="utf-8"?>
+<p:notes xmlns:a="http://schemas.openxmlformats.org/drawingml/2006/main" xmlns:r="http://schemas.openxmlformats.org/officeDocument/2006/relationships" xmlns:p="http://schemas.openxmlformats.org/presentationml/2006/main">
+  <p:cSld>
+    <p:spTree>
+      <p:nvGrpSpPr>
+        <p:cNvPr id="1" name=""/>
+        <p:cNvGrpSpPr/>
+        <p:nvPr/>
+      </p:nvGrpSpPr>
+      <p:grpSpPr>
+        <a:xfrm>
+          <a:off x="0" y="0"/>
+          <a:ext cx="0" cy="0"/>
+          <a:chOff x="0" y="0"/>
+          <a:chExt cx="0" cy="0"/>
+        </a:xfrm>
+      </p:grpSpPr>
+      <p:sp>
+        <p:nvSpPr>
+          <p:cNvPr id="2" name="Slide Image Placeholder 1"/>
+          <p:cNvSpPr>
+            <a:spLocks noGrp="1" noRot="1" noChangeAspect="1"/>
+          </p:cNvSpPr>
+          <p:nvPr>
+            <p:ph type="sldImg"/>
+          </p:nvPr>
+        </p:nvSpPr>
+        <p:spPr/>
+      </p:sp>
+      <p:sp>
+        <p:nvSpPr>
+          <p:cNvPr id="3" name="Notes Placeholder 2"/>
+          <p:cNvSpPr>
+            <a:spLocks noGrp="1"/>
+          </p:cNvSpPr>
+          <p:nvPr>
+            <p:ph type="body" idx="1"/>
+          </p:nvPr>
+        </p:nvSpPr>
+        <p:spPr/>
+        <p:txBody>
+          <a:bodyPr/>
+          <a:lstStyle/>
+          <a:p>
+            <a:r>
+              <a:rPr lang="en-US" dirty="0"/>
+              <a:t>When an administrator deploys the SharePoint Framework component to the tenant App Catalog, they're presented with an additional message in the trust dialog prompt:</a:t>
+            </a:r>
+          </a:p>
+          <a:p>
+            <a:endParaRPr lang="en-US" dirty="0"/>
+          </a:p>
+          <a:p>
+            <a:r>
+              <a:rPr lang="en-US" dirty="0"/>
+              <a:t>This message instructs the administrator this solution contains permission requests that should be reviewed and approved or rejected. Recall that permissions are not tied to the SharePoint Framework package. Approving or rejecting the permissions is a separate step that must be performed in order for the SharePoint Framework component to work.</a:t>
+            </a:r>
+          </a:p>
+          <a:p>
+            <a:endParaRPr lang="en-US" dirty="0"/>
+          </a:p>
+        </p:txBody>
+      </p:sp>
+      <p:sp>
+        <p:nvSpPr>
+          <p:cNvPr id="4" name="Header Placeholder 3"/>
+          <p:cNvSpPr>
+            <a:spLocks noGrp="1"/>
+          </p:cNvSpPr>
+          <p:nvPr>
+            <p:ph type="hdr" sz="quarter"/>
+          </p:nvPr>
+        </p:nvSpPr>
+        <p:spPr/>
+        <p:txBody>
+          <a:bodyPr/>
+          <a:lstStyle/>
+          <a:p>
+            <a:r>
+              <a:rPr lang="en-US"/>
+              <a:t>SharePoint Framework</a:t>
+            </a:r>
+            <a:endParaRPr lang="en-US" dirty="0"/>
+          </a:p>
+        </p:txBody>
+      </p:sp>
+      <p:sp>
+        <p:nvSpPr>
+          <p:cNvPr id="5" name="Footer Placeholder 4"/>
+          <p:cNvSpPr>
+            <a:spLocks noGrp="1"/>
+          </p:cNvSpPr>
+          <p:nvPr>
+            <p:ph type="ftr" sz="quarter" idx="4"/>
+          </p:nvPr>
+        </p:nvSpPr>
+        <p:spPr/>
+        <p:txBody>
+          <a:bodyPr/>
+          <a:lstStyle/>
+          <a:p>
+            <a:pPr defTabSz="914099" eaLnBrk="0" hangingPunct="0"/>
+            <a:r>
+              <a:rPr lang="en-US" sz="400">
+                <a:gradFill>
+                  <a:gsLst>
+                    <a:gs pos="0">
+                      <a:prstClr val="black"/>
+                    </a:gs>
+                    <a:gs pos="100000">
+                      <a:prstClr val="black"/>
+                    </a:gs>
+                  </a:gsLst>
+                  <a:lin ang="5400000" scaled="0"/>
+                </a:gradFill>
+                <a:latin typeface="Segoe UI" pitchFamily="34" charset="0"/>
+                <a:ea typeface="Segoe UI" pitchFamily="34" charset="0"/>
+                <a:cs typeface="Segoe UI" pitchFamily="34" charset="0"/>
+              </a:rPr>
+              <a:t>© Microsoft Corporation. All rights reserved. MICROSOFT MAKES NO WARRANTIES, EXPRESS, IMPLIED OR STATUTORY, AS TO THE INFORMATION IN THIS PRESENTATION.</a:t>
+            </a:r>
+            <a:endParaRPr lang="en-US" sz="400" dirty="0">
+              <a:gradFill>
+                <a:gsLst>
+                  <a:gs pos="0">
+                    <a:prstClr val="black"/>
+                  </a:gs>
+                  <a:gs pos="100000">
+                    <a:prstClr val="black"/>
+                  </a:gs>
+                </a:gsLst>
+                <a:lin ang="5400000" scaled="0"/>
+              </a:gradFill>
+              <a:latin typeface="Segoe UI" pitchFamily="34" charset="0"/>
+              <a:ea typeface="Segoe UI" pitchFamily="34" charset="0"/>
+              <a:cs typeface="Segoe UI" pitchFamily="34" charset="0"/>
+            </a:endParaRPr>
+          </a:p>
+        </p:txBody>
+      </p:sp>
+      <p:sp>
+        <p:nvSpPr>
+          <p:cNvPr id="6" name="Date Placeholder 5"/>
+          <p:cNvSpPr>
+            <a:spLocks noGrp="1"/>
+          </p:cNvSpPr>
+          <p:nvPr>
+            <p:ph type="dt" idx="1"/>
+          </p:nvPr>
+        </p:nvSpPr>
+        <p:spPr/>
+        <p:txBody>
+          <a:bodyPr/>
+          <a:lstStyle/>
+          <a:p>
+            <a:fld id="{D18B56EA-E28F-4F92-9F16-7A6F2501B303}" type="datetime8">
+              <a:rPr lang="en-US" smtClean="0"/>
+              <a:t>3/6/20 7:17 AM</a:t>
+            </a:fld>
+            <a:endParaRPr lang="en-US" dirty="0"/>
+          </a:p>
+        </p:txBody>
+      </p:sp>
+      <p:sp>
+        <p:nvSpPr>
+          <p:cNvPr id="7" name="Slide Number Placeholder 6"/>
+          <p:cNvSpPr>
+            <a:spLocks noGrp="1"/>
+          </p:cNvSpPr>
+          <p:nvPr>
+            <p:ph type="sldNum" sz="quarter" idx="5"/>
+          </p:nvPr>
+        </p:nvSpPr>
+        <p:spPr/>
+        <p:txBody>
+          <a:bodyPr/>
+          <a:lstStyle/>
+          <a:p>
+            <a:fld id="{B4008EB6-D09E-4580-8CD6-DDB14511944F}" type="slidenum">
+              <a:rPr lang="en-US" smtClean="0"/>
+              <a:pPr/>
+              <a:t>11</a:t>
+            </a:fld>
+            <a:endParaRPr lang="en-US" dirty="0"/>
+          </a:p>
+        </p:txBody>
+      </p:sp>
+    </p:spTree>
+    <p:extLst>
+      <p:ext uri="{BB962C8B-B14F-4D97-AF65-F5344CB8AC3E}">
+        <p14:creationId xmlns:p14="http://schemas.microsoft.com/office/powerpoint/2010/main" val="2904150330"/>
+      </p:ext>
+    </p:extLst>
+  </p:cSld>
+  <p:clrMapOvr>
+    <a:masterClrMapping/>
+  </p:clrMapOvr>
+</p:notes>
+</file>
+
+<file path=ppt/notesSlides/notesSlide12.xml><?xml version="1.0" encoding="utf-8"?>
+<p:notes xmlns:a="http://schemas.openxmlformats.org/drawingml/2006/main" xmlns:r="http://schemas.openxmlformats.org/officeDocument/2006/relationships" xmlns:p="http://schemas.openxmlformats.org/presentationml/2006/main">
+  <p:cSld>
+    <p:spTree>
+      <p:nvGrpSpPr>
+        <p:cNvPr id="1" name=""/>
+        <p:cNvGrpSpPr/>
+        <p:nvPr/>
+      </p:nvGrpSpPr>
+      <p:grpSpPr>
+        <a:xfrm>
+          <a:off x="0" y="0"/>
+          <a:ext cx="0" cy="0"/>
+          <a:chOff x="0" y="0"/>
+          <a:chExt cx="0" cy="0"/>
+        </a:xfrm>
+      </p:grpSpPr>
+      <p:sp>
+        <p:nvSpPr>
+          <p:cNvPr id="2" name="Slide Image Placeholder 1"/>
+          <p:cNvSpPr>
+            <a:spLocks noGrp="1" noRot="1" noChangeAspect="1"/>
+          </p:cNvSpPr>
+          <p:nvPr>
+            <p:ph type="sldImg"/>
+          </p:nvPr>
+        </p:nvSpPr>
+        <p:spPr/>
+      </p:sp>
+      <p:sp>
+        <p:nvSpPr>
+          <p:cNvPr id="3" name="Notes Placeholder 2"/>
+          <p:cNvSpPr>
+            <a:spLocks noGrp="1"/>
+          </p:cNvSpPr>
+          <p:nvPr>
+            <p:ph type="body" idx="1"/>
+          </p:nvPr>
+        </p:nvSpPr>
+        <p:spPr/>
+        <p:txBody>
+          <a:bodyPr/>
+          <a:lstStyle/>
+          <a:p>
+            <a:r>
+              <a:rPr lang="en-US" dirty="0"/>
+              <a:t>To approve or reject permission requests, navigate to the **API Management** page in the **SharePoint Admin Center**. Here you'll find a list of permission requests pending approval or rejection:</a:t>
+            </a:r>
+          </a:p>
+          <a:p>
+            <a:endParaRPr lang="en-US" dirty="0"/>
+          </a:p>
+          <a:p>
+            <a:r>
+              <a:rPr lang="en-US" dirty="0"/>
+              <a:t>Select the permission request to view it's details and use the buttons at the bottom of the panel to approve or reject the request:</a:t>
+            </a:r>
+          </a:p>
+          <a:p>
+            <a:endParaRPr lang="en-US" dirty="0"/>
+          </a:p>
+        </p:txBody>
+      </p:sp>
+      <p:sp>
+        <p:nvSpPr>
+          <p:cNvPr id="4" name="Header Placeholder 3"/>
+          <p:cNvSpPr>
+            <a:spLocks noGrp="1"/>
+          </p:cNvSpPr>
+          <p:nvPr>
+            <p:ph type="hdr" sz="quarter"/>
+          </p:nvPr>
+        </p:nvSpPr>
+        <p:spPr/>
+        <p:txBody>
+          <a:bodyPr/>
+          <a:lstStyle/>
+          <a:p>
+            <a:endParaRPr lang="en-US" dirty="0"/>
+          </a:p>
+        </p:txBody>
+      </p:sp>
+      <p:sp>
+        <p:nvSpPr>
+          <p:cNvPr id="5" name="Footer Placeholder 4"/>
+          <p:cNvSpPr>
+            <a:spLocks noGrp="1"/>
+          </p:cNvSpPr>
+          <p:nvPr>
+            <p:ph type="ftr" sz="quarter" idx="4"/>
+          </p:nvPr>
+        </p:nvSpPr>
+        <p:spPr/>
+        <p:txBody>
+          <a:bodyPr/>
+          <a:lstStyle/>
+          <a:p>
+            <a:pPr defTabSz="914099" eaLnBrk="0" hangingPunct="0"/>
+            <a:r>
+              <a:rPr lang="en-US" sz="400">
+                <a:gradFill>
+                  <a:gsLst>
+                    <a:gs pos="0">
+                      <a:prstClr val="black"/>
+                    </a:gs>
+                    <a:gs pos="100000">
+                      <a:prstClr val="black"/>
+                    </a:gs>
+                  </a:gsLst>
+                  <a:lin ang="5400000" scaled="0"/>
+                </a:gradFill>
+                <a:latin typeface="Segoe UI" pitchFamily="34" charset="0"/>
+                <a:ea typeface="Segoe UI" pitchFamily="34" charset="0"/>
+                <a:cs typeface="Segoe UI" pitchFamily="34" charset="0"/>
+              </a:rPr>
+              <a:t>© Microsoft Corporation. All rights reserved. MICROSOFT MAKES NO WARRANTIES, EXPRESS, IMPLIED OR STATUTORY, AS TO THE INFORMATION IN THIS PRESENTATION.</a:t>
+            </a:r>
+            <a:endParaRPr lang="en-US" sz="400" dirty="0">
+              <a:gradFill>
+                <a:gsLst>
+                  <a:gs pos="0">
+                    <a:prstClr val="black"/>
+                  </a:gs>
+                  <a:gs pos="100000">
+                    <a:prstClr val="black"/>
+                  </a:gs>
+                </a:gsLst>
+                <a:lin ang="5400000" scaled="0"/>
+              </a:gradFill>
+              <a:latin typeface="Segoe UI" pitchFamily="34" charset="0"/>
+              <a:ea typeface="Segoe UI" pitchFamily="34" charset="0"/>
+              <a:cs typeface="Segoe UI" pitchFamily="34" charset="0"/>
+            </a:endParaRPr>
+          </a:p>
+        </p:txBody>
+      </p:sp>
+      <p:sp>
+        <p:nvSpPr>
+          <p:cNvPr id="6" name="Date Placeholder 5"/>
+          <p:cNvSpPr>
+            <a:spLocks noGrp="1"/>
+          </p:cNvSpPr>
+          <p:nvPr>
+            <p:ph type="dt" idx="1"/>
+          </p:nvPr>
+        </p:nvSpPr>
+        <p:spPr/>
+        <p:txBody>
+          <a:bodyPr/>
+          <a:lstStyle/>
+          <a:p>
+            <a:fld id="{D18B56EA-E28F-4F92-9F16-7A6F2501B303}" type="datetime8">
+              <a:rPr lang="en-US" smtClean="0"/>
+              <a:t>3/6/20 7:19 AM</a:t>
+            </a:fld>
+            <a:endParaRPr lang="en-US" dirty="0"/>
+          </a:p>
+        </p:txBody>
+      </p:sp>
+      <p:sp>
+        <p:nvSpPr>
+          <p:cNvPr id="7" name="Slide Number Placeholder 6"/>
+          <p:cNvSpPr>
+            <a:spLocks noGrp="1"/>
+          </p:cNvSpPr>
+          <p:nvPr>
+            <p:ph type="sldNum" sz="quarter" idx="5"/>
+          </p:nvPr>
+        </p:nvSpPr>
+        <p:spPr/>
+        <p:txBody>
+          <a:bodyPr/>
+          <a:lstStyle/>
+          <a:p>
+            <a:fld id="{B4008EB6-D09E-4580-8CD6-DDB14511944F}" type="slidenum">
+              <a:rPr lang="en-US" smtClean="0"/>
+              <a:pPr/>
+              <a:t>12</a:t>
+            </a:fld>
+            <a:endParaRPr lang="en-US" dirty="0"/>
+          </a:p>
+        </p:txBody>
+      </p:sp>
+    </p:spTree>
+    <p:extLst>
+      <p:ext uri="{BB962C8B-B14F-4D97-AF65-F5344CB8AC3E}">
+        <p14:creationId xmlns:p14="http://schemas.microsoft.com/office/powerpoint/2010/main" val="1784564579"/>
+      </p:ext>
+    </p:extLst>
+  </p:cSld>
+  <p:clrMapOvr>
+    <a:masterClrMapping/>
+  </p:clrMapOvr>
+</p:notes>
+</file>
+
+<file path=ppt/notesSlides/notesSlide13.xml><?xml version="1.0" encoding="utf-8"?>
+<p:notes xmlns:a="http://schemas.openxmlformats.org/drawingml/2006/main" xmlns:r="http://schemas.openxmlformats.org/officeDocument/2006/relationships" xmlns:p="http://schemas.openxmlformats.org/presentationml/2006/main">
+  <p:cSld>
+    <p:spTree>
+      <p:nvGrpSpPr>
+        <p:cNvPr id="1" name=""/>
+        <p:cNvGrpSpPr/>
+        <p:nvPr/>
+      </p:nvGrpSpPr>
+      <p:grpSpPr>
+        <a:xfrm>
+          <a:off x="0" y="0"/>
+          <a:ext cx="0" cy="0"/>
+          <a:chOff x="0" y="0"/>
+          <a:chExt cx="0" cy="0"/>
+        </a:xfrm>
+      </p:grpSpPr>
+      <p:sp>
+        <p:nvSpPr>
+          <p:cNvPr id="2" name="Slide Image Placeholder 1"/>
+          <p:cNvSpPr>
+            <a:spLocks noGrp="1" noRot="1" noChangeAspect="1"/>
+          </p:cNvSpPr>
+          <p:nvPr>
+            <p:ph type="sldImg"/>
+          </p:nvPr>
+        </p:nvSpPr>
+        <p:spPr/>
+      </p:sp>
+      <p:sp>
+        <p:nvSpPr>
+          <p:cNvPr id="3" name="Notes Placeholder 2"/>
+          <p:cNvSpPr>
+            <a:spLocks noGrp="1"/>
+          </p:cNvSpPr>
+          <p:nvPr>
+            <p:ph type="body" idx="1"/>
+          </p:nvPr>
+        </p:nvSpPr>
+        <p:spPr/>
+        <p:txBody>
+          <a:bodyPr/>
+          <a:lstStyle/>
+          <a:p>
+            <a:endParaRPr lang="en-US" dirty="0"/>
+          </a:p>
+        </p:txBody>
+      </p:sp>
+      <p:sp>
+        <p:nvSpPr>
+          <p:cNvPr id="4" name="Header Placeholder 3"/>
+          <p:cNvSpPr>
+            <a:spLocks noGrp="1"/>
+          </p:cNvSpPr>
+          <p:nvPr>
+            <p:ph type="hdr" sz="quarter" idx="10"/>
+          </p:nvPr>
+        </p:nvSpPr>
+        <p:spPr/>
+        <p:txBody>
+          <a:bodyPr/>
+          <a:lstStyle/>
+          <a:p>
+            <a:endParaRPr lang="en-US" dirty="0"/>
+          </a:p>
+        </p:txBody>
+      </p:sp>
+      <p:sp>
+        <p:nvSpPr>
+          <p:cNvPr id="5" name="Footer Placeholder 4"/>
+          <p:cNvSpPr>
+            <a:spLocks noGrp="1"/>
+          </p:cNvSpPr>
+          <p:nvPr>
+            <p:ph type="ftr" sz="quarter" idx="11"/>
+          </p:nvPr>
+        </p:nvSpPr>
+        <p:spPr/>
+        <p:txBody>
+          <a:bodyPr/>
+          <a:lstStyle/>
+          <a:p>
+            <a:pPr defTabSz="914099" eaLnBrk="0" hangingPunct="0"/>
+            <a:r>
+              <a:rPr lang="en-US" sz="400">
+                <a:gradFill>
+                  <a:gsLst>
+                    <a:gs pos="0">
+                      <a:prstClr val="black"/>
+                    </a:gs>
+                    <a:gs pos="100000">
+                      <a:prstClr val="black"/>
+                    </a:gs>
+                  </a:gsLst>
+                  <a:lin ang="5400000" scaled="0"/>
+                </a:gradFill>
+                <a:latin typeface="Segoe UI" pitchFamily="34" charset="0"/>
+                <a:ea typeface="Segoe UI" pitchFamily="34" charset="0"/>
+                <a:cs typeface="Segoe UI" pitchFamily="34" charset="0"/>
+              </a:rPr>
+              <a:t>© Microsoft Corporation. All rights reserved. MICROSOFT MAKES NO WARRANTIES, EXPRESS, IMPLIED OR STATUTORY, AS TO THE INFORMATION IN THIS PRESENTATION.</a:t>
+            </a:r>
+            <a:endParaRPr lang="en-US" sz="400" dirty="0">
+              <a:gradFill>
+                <a:gsLst>
+                  <a:gs pos="0">
+                    <a:prstClr val="black"/>
+                  </a:gs>
+                  <a:gs pos="100000">
+                    <a:prstClr val="black"/>
+                  </a:gs>
+                </a:gsLst>
+                <a:lin ang="5400000" scaled="0"/>
+              </a:gradFill>
+              <a:latin typeface="Segoe UI" pitchFamily="34" charset="0"/>
+              <a:ea typeface="Segoe UI" pitchFamily="34" charset="0"/>
+              <a:cs typeface="Segoe UI" pitchFamily="34" charset="0"/>
+            </a:endParaRPr>
+          </a:p>
+        </p:txBody>
+      </p:sp>
+      <p:sp>
+        <p:nvSpPr>
+          <p:cNvPr id="6" name="Date Placeholder 5"/>
+          <p:cNvSpPr>
+            <a:spLocks noGrp="1"/>
+          </p:cNvSpPr>
+          <p:nvPr>
+            <p:ph type="dt" idx="12"/>
+          </p:nvPr>
+        </p:nvSpPr>
+        <p:spPr/>
+        <p:txBody>
+          <a:bodyPr/>
+          <a:lstStyle/>
+          <a:p>
+            <a:fld id="{D18B56EA-E28F-4F92-9F16-7A6F2501B303}" type="datetime8">
+              <a:rPr lang="en-US" smtClean="0"/>
+              <a:t>3/5/20 3:00 PM</a:t>
+            </a:fld>
+            <a:endParaRPr lang="en-US" dirty="0"/>
+          </a:p>
+        </p:txBody>
+      </p:sp>
+      <p:sp>
+        <p:nvSpPr>
+          <p:cNvPr id="7" name="Slide Number Placeholder 6"/>
+          <p:cNvSpPr>
+            <a:spLocks noGrp="1"/>
+          </p:cNvSpPr>
+          <p:nvPr>
+            <p:ph type="sldNum" sz="quarter" idx="13"/>
+          </p:nvPr>
+        </p:nvSpPr>
+        <p:spPr/>
+        <p:txBody>
+          <a:bodyPr/>
+          <a:lstStyle/>
+          <a:p>
+            <a:fld id="{B4008EB6-D09E-4580-8CD6-DDB14511944F}" type="slidenum">
+              <a:rPr lang="en-US" smtClean="0"/>
+              <a:pPr/>
+              <a:t>13</a:t>
+            </a:fld>
+            <a:endParaRPr lang="en-US" dirty="0"/>
+          </a:p>
+        </p:txBody>
+      </p:sp>
+    </p:spTree>
+    <p:extLst>
+      <p:ext uri="{BB962C8B-B14F-4D97-AF65-F5344CB8AC3E}">
+        <p14:creationId xmlns:p14="http://schemas.microsoft.com/office/powerpoint/2010/main" val="1390539867"/>
+      </p:ext>
+    </p:extLst>
+  </p:cSld>
+  <p:clrMapOvr>
+    <a:masterClrMapping/>
+  </p:clrMapOvr>
+</p:notes>
+</file>
+
+<file path=ppt/notesSlides/notesSlide14.xml><?xml version="1.0" encoding="utf-8"?>
+<p:notes xmlns:a="http://schemas.openxmlformats.org/drawingml/2006/main" xmlns:r="http://schemas.openxmlformats.org/officeDocument/2006/relationships" xmlns:p="http://schemas.openxmlformats.org/presentationml/2006/main">
+  <p:cSld>
+    <p:spTree>
+      <p:nvGrpSpPr>
+        <p:cNvPr id="1" name=""/>
+        <p:cNvGrpSpPr/>
+        <p:nvPr/>
+      </p:nvGrpSpPr>
+      <p:grpSpPr>
+        <a:xfrm>
+          <a:off x="0" y="0"/>
+          <a:ext cx="0" cy="0"/>
+          <a:chOff x="0" y="0"/>
+          <a:chExt cx="0" cy="0"/>
+        </a:xfrm>
+      </p:grpSpPr>
+      <p:sp>
+        <p:nvSpPr>
+          <p:cNvPr id="2" name="Slide Image Placeholder 1"/>
+          <p:cNvSpPr>
+            <a:spLocks noGrp="1" noRot="1" noChangeAspect="1"/>
+          </p:cNvSpPr>
+          <p:nvPr>
+            <p:ph type="sldImg"/>
+          </p:nvPr>
+        </p:nvSpPr>
+        <p:spPr/>
+      </p:sp>
+      <p:sp>
+        <p:nvSpPr>
+          <p:cNvPr id="3" name="Notes Placeholder 2"/>
+          <p:cNvSpPr>
+            <a:spLocks noGrp="1"/>
+          </p:cNvSpPr>
+          <p:nvPr>
+            <p:ph type="body" idx="1"/>
+          </p:nvPr>
+        </p:nvSpPr>
+        <p:spPr/>
+        <p:txBody>
+          <a:bodyPr/>
+          <a:lstStyle/>
+          <a:p>
+            <a:endParaRPr lang="en-US" dirty="0"/>
+          </a:p>
+        </p:txBody>
+      </p:sp>
+      <p:sp>
+        <p:nvSpPr>
+          <p:cNvPr id="4" name="Header Placeholder 3"/>
+          <p:cNvSpPr>
+            <a:spLocks noGrp="1"/>
+          </p:cNvSpPr>
+          <p:nvPr>
+            <p:ph type="hdr" sz="quarter" idx="10"/>
+          </p:nvPr>
+        </p:nvSpPr>
+        <p:spPr/>
+        <p:txBody>
+          <a:bodyPr/>
+          <a:lstStyle/>
+          <a:p>
+            <a:endParaRPr lang="en-US" dirty="0"/>
+          </a:p>
+        </p:txBody>
+      </p:sp>
+      <p:sp>
+        <p:nvSpPr>
+          <p:cNvPr id="5" name="Footer Placeholder 4"/>
+          <p:cNvSpPr>
+            <a:spLocks noGrp="1"/>
+          </p:cNvSpPr>
+          <p:nvPr>
+            <p:ph type="ftr" sz="quarter" idx="11"/>
+          </p:nvPr>
+        </p:nvSpPr>
+        <p:spPr/>
+        <p:txBody>
+          <a:bodyPr/>
+          <a:lstStyle/>
+          <a:p>
+            <a:pPr defTabSz="914099" eaLnBrk="0" hangingPunct="0"/>
+            <a:r>
+              <a:rPr lang="en-US" sz="400">
+                <a:gradFill>
+                  <a:gsLst>
+                    <a:gs pos="0">
+                      <a:prstClr val="black"/>
+                    </a:gs>
+                    <a:gs pos="100000">
+                      <a:prstClr val="black"/>
+                    </a:gs>
+                  </a:gsLst>
+                  <a:lin ang="5400000" scaled="0"/>
+                </a:gradFill>
+                <a:latin typeface="Segoe UI" pitchFamily="34" charset="0"/>
+                <a:ea typeface="Segoe UI" pitchFamily="34" charset="0"/>
+                <a:cs typeface="Segoe UI" pitchFamily="34" charset="0"/>
+              </a:rPr>
+              <a:t>© Microsoft Corporation. All rights reserved. MICROSOFT MAKES NO WARRANTIES, EXPRESS, IMPLIED OR STATUTORY, AS TO THE INFORMATION IN THIS PRESENTATION.</a:t>
+            </a:r>
+            <a:endParaRPr lang="en-US" sz="400" dirty="0">
+              <a:gradFill>
+                <a:gsLst>
+                  <a:gs pos="0">
+                    <a:prstClr val="black"/>
+                  </a:gs>
+                  <a:gs pos="100000">
+                    <a:prstClr val="black"/>
+                  </a:gs>
+                </a:gsLst>
+                <a:lin ang="5400000" scaled="0"/>
+              </a:gradFill>
+              <a:latin typeface="Segoe UI" pitchFamily="34" charset="0"/>
+              <a:ea typeface="Segoe UI" pitchFamily="34" charset="0"/>
+              <a:cs typeface="Segoe UI" pitchFamily="34" charset="0"/>
+            </a:endParaRPr>
+          </a:p>
+        </p:txBody>
+      </p:sp>
+      <p:sp>
+        <p:nvSpPr>
+          <p:cNvPr id="6" name="Date Placeholder 5"/>
+          <p:cNvSpPr>
+            <a:spLocks noGrp="1"/>
+          </p:cNvSpPr>
+          <p:nvPr>
+            <p:ph type="dt" idx="12"/>
+          </p:nvPr>
+        </p:nvSpPr>
+        <p:spPr/>
+        <p:txBody>
+          <a:bodyPr/>
+          <a:lstStyle/>
+          <a:p>
+            <a:fld id="{D18B56EA-E28F-4F92-9F16-7A6F2501B303}" type="datetime8">
+              <a:rPr lang="en-US" smtClean="0"/>
+              <a:t>3/5/20 3:00 PM</a:t>
+            </a:fld>
+            <a:endParaRPr lang="en-US" dirty="0"/>
+          </a:p>
+        </p:txBody>
+      </p:sp>
+      <p:sp>
+        <p:nvSpPr>
+          <p:cNvPr id="7" name="Slide Number Placeholder 6"/>
+          <p:cNvSpPr>
+            <a:spLocks noGrp="1"/>
+          </p:cNvSpPr>
+          <p:nvPr>
+            <p:ph type="sldNum" sz="quarter" idx="13"/>
+          </p:nvPr>
+        </p:nvSpPr>
+        <p:spPr/>
+        <p:txBody>
+          <a:bodyPr/>
+          <a:lstStyle/>
+          <a:p>
+            <a:fld id="{B4008EB6-D09E-4580-8CD6-DDB14511944F}" type="slidenum">
+              <a:rPr lang="en-US" smtClean="0"/>
+              <a:pPr/>
+              <a:t>15</a:t>
+            </a:fld>
+            <a:endParaRPr lang="en-US" dirty="0"/>
+          </a:p>
+        </p:txBody>
+      </p:sp>
+    </p:spTree>
+    <p:extLst>
+      <p:ext uri="{BB962C8B-B14F-4D97-AF65-F5344CB8AC3E}">
+        <p14:creationId xmlns:p14="http://schemas.microsoft.com/office/powerpoint/2010/main" val="3282806226"/>
+      </p:ext>
+    </p:extLst>
+  </p:cSld>
+  <p:clrMapOvr>
+    <a:masterClrMapping/>
+  </p:clrMapOvr>
+</p:notes>
+</file>
+
+<file path=ppt/notesSlides/notesSlide15.xml><?xml version="1.0" encoding="utf-8"?>
+<p:notes xmlns:a="http://schemas.openxmlformats.org/drawingml/2006/main" xmlns:r="http://schemas.openxmlformats.org/officeDocument/2006/relationships" xmlns:p="http://schemas.openxmlformats.org/presentationml/2006/main">
+  <p:cSld>
+    <p:spTree>
+      <p:nvGrpSpPr>
+        <p:cNvPr id="1" name=""/>
+        <p:cNvGrpSpPr/>
+        <p:nvPr/>
+      </p:nvGrpSpPr>
+      <p:grpSpPr>
+        <a:xfrm>
+          <a:off x="0" y="0"/>
+          <a:ext cx="0" cy="0"/>
+          <a:chOff x="0" y="0"/>
+          <a:chExt cx="0" cy="0"/>
+        </a:xfrm>
+      </p:grpSpPr>
+      <p:sp>
+        <p:nvSpPr>
+          <p:cNvPr id="2" name="Slide Image Placeholder 1"/>
+          <p:cNvSpPr>
+            <a:spLocks noGrp="1" noRot="1" noChangeAspect="1"/>
+          </p:cNvSpPr>
+          <p:nvPr>
+            <p:ph type="sldImg"/>
+          </p:nvPr>
+        </p:nvSpPr>
+        <p:spPr/>
+      </p:sp>
+      <p:sp>
+        <p:nvSpPr>
+          <p:cNvPr id="3" name="Notes Placeholder 2"/>
+          <p:cNvSpPr>
+            <a:spLocks noGrp="1"/>
+          </p:cNvSpPr>
+          <p:nvPr>
+            <p:ph type="body" idx="1"/>
+          </p:nvPr>
+        </p:nvSpPr>
+        <p:spPr/>
+        <p:txBody>
+          <a:bodyPr/>
+          <a:lstStyle/>
+          <a:p>
+            <a:endParaRPr lang="en-US"/>
+          </a:p>
+        </p:txBody>
+      </p:sp>
+      <p:sp>
+        <p:nvSpPr>
+          <p:cNvPr id="4" name="Header Placeholder 3"/>
+          <p:cNvSpPr>
+            <a:spLocks noGrp="1"/>
+          </p:cNvSpPr>
+          <p:nvPr>
+            <p:ph type="hdr" sz="quarter" idx="10"/>
+          </p:nvPr>
+        </p:nvSpPr>
+        <p:spPr/>
+        <p:txBody>
+          <a:bodyPr/>
+          <a:lstStyle/>
+          <a:p>
+            <a:endParaRPr lang="en-US" dirty="0"/>
+          </a:p>
+        </p:txBody>
+      </p:sp>
+      <p:sp>
+        <p:nvSpPr>
+          <p:cNvPr id="5" name="Footer Placeholder 4"/>
+          <p:cNvSpPr>
+            <a:spLocks noGrp="1"/>
+          </p:cNvSpPr>
+          <p:nvPr>
+            <p:ph type="ftr" sz="quarter" idx="11"/>
+          </p:nvPr>
+        </p:nvSpPr>
+        <p:spPr/>
+        <p:txBody>
+          <a:bodyPr/>
+          <a:lstStyle/>
+          <a:p>
+            <a:pPr defTabSz="914099" eaLnBrk="0" hangingPunct="0"/>
+            <a:r>
+              <a:rPr lang="en-US" sz="400">
+                <a:gradFill>
+                  <a:gsLst>
+                    <a:gs pos="0">
+                      <a:prstClr val="black"/>
+                    </a:gs>
+                    <a:gs pos="100000">
+                      <a:prstClr val="black"/>
+                    </a:gs>
+                  </a:gsLst>
+                  <a:lin ang="5400000" scaled="0"/>
+                </a:gradFill>
+                <a:latin typeface="Segoe UI" pitchFamily="34" charset="0"/>
+                <a:ea typeface="Segoe UI" pitchFamily="34" charset="0"/>
+                <a:cs typeface="Segoe UI" pitchFamily="34" charset="0"/>
+              </a:rPr>
+              <a:t>© Microsoft Corporation. All rights reserved. MICROSOFT MAKES NO WARRANTIES, EXPRESS, IMPLIED OR STATUTORY, AS TO THE INFORMATION IN THIS PRESENTATION.</a:t>
+            </a:r>
+            <a:endParaRPr lang="en-US" sz="400" dirty="0">
+              <a:gradFill>
+                <a:gsLst>
+                  <a:gs pos="0">
+                    <a:prstClr val="black"/>
+                  </a:gs>
+                  <a:gs pos="100000">
+                    <a:prstClr val="black"/>
+                  </a:gs>
+                </a:gsLst>
+                <a:lin ang="5400000" scaled="0"/>
+              </a:gradFill>
+              <a:latin typeface="Segoe UI" pitchFamily="34" charset="0"/>
+              <a:ea typeface="Segoe UI" pitchFamily="34" charset="0"/>
+              <a:cs typeface="Segoe UI" pitchFamily="34" charset="0"/>
+            </a:endParaRPr>
+          </a:p>
+        </p:txBody>
+      </p:sp>
+      <p:sp>
+        <p:nvSpPr>
+          <p:cNvPr id="6" name="Date Placeholder 5"/>
+          <p:cNvSpPr>
+            <a:spLocks noGrp="1"/>
+          </p:cNvSpPr>
+          <p:nvPr>
+            <p:ph type="dt" idx="12"/>
+          </p:nvPr>
+        </p:nvSpPr>
+        <p:spPr/>
+        <p:txBody>
+          <a:bodyPr/>
+          <a:lstStyle/>
+          <a:p>
+            <a:fld id="{D18B56EA-E28F-4F92-9F16-7A6F2501B303}" type="datetime8">
+              <a:rPr lang="en-US" smtClean="0"/>
+              <a:t>3/5/20 3:00 PM</a:t>
+            </a:fld>
+            <a:endParaRPr lang="en-US" dirty="0"/>
+          </a:p>
+        </p:txBody>
+      </p:sp>
+      <p:sp>
+        <p:nvSpPr>
+          <p:cNvPr id="7" name="Slide Number Placeholder 6"/>
+          <p:cNvSpPr>
+            <a:spLocks noGrp="1"/>
+          </p:cNvSpPr>
+          <p:nvPr>
+            <p:ph type="sldNum" sz="quarter" idx="13"/>
+          </p:nvPr>
+        </p:nvSpPr>
+        <p:spPr/>
+        <p:txBody>
+          <a:bodyPr/>
+          <a:lstStyle/>
+          <a:p>
+            <a:fld id="{B4008EB6-D09E-4580-8CD6-DDB14511944F}" type="slidenum">
+              <a:rPr lang="en-US" smtClean="0"/>
+              <a:pPr/>
+              <a:t>16</a:t>
+            </a:fld>
+            <a:endParaRPr lang="en-US" dirty="0"/>
+          </a:p>
+        </p:txBody>
+      </p:sp>
+    </p:spTree>
+    <p:extLst>
+      <p:ext uri="{BB962C8B-B14F-4D97-AF65-F5344CB8AC3E}">
+        <p14:creationId xmlns:p14="http://schemas.microsoft.com/office/powerpoint/2010/main" val="2510823477"/>
       </p:ext>
     </p:extLst>
   </p:cSld>
@@ -1041,7 +2238,10 @@
           <a:bodyPr/>
           <a:lstStyle/>
           <a:p>
-            <a:endParaRPr lang="en-US" dirty="0"/>
+            <a:r>
+              <a:rPr lang="en-US" dirty="0"/>
+              <a:t>In this unit, you'll learn how to use the SharePoint Framework API to call REST APIs that are secured with Azure AD.</a:t>
+            </a:r>
           </a:p>
         </p:txBody>
       </p:sp>
@@ -1135,7 +2335,7 @@
           <a:p>
             <a:fld id="{D18B56EA-E28F-4F92-9F16-7A6F2501B303}" type="datetime8">
               <a:rPr lang="en-US" smtClean="0"/>
-              <a:t>12/1/2019 6:33 PM</a:t>
+              <a:t>3/6/20 6:22 AM</a:t>
             </a:fld>
             <a:endParaRPr lang="en-US" dirty="0"/>
           </a:p>
@@ -1222,6 +2422,30 @@
           <a:bodyPr/>
           <a:lstStyle/>
           <a:p>
+            <a:r>
+              <a:rPr lang="en-US" dirty="0"/>
+              <a:t>Resources in Microsoft Azure can be secured with Azure AD. Azure AD can be used to secure REST APIs that are hosted in Microsoft Azure and API hosted in other cloud platforms. Microsoft Azure hosted resources are usually easier to secure as the Azure Management Portal provides a simplified configuration experience.</a:t>
+            </a:r>
+          </a:p>
+          <a:p>
+            <a:endParaRPr lang="en-US" dirty="0"/>
+          </a:p>
+          <a:p>
+            <a:r>
+              <a:rPr lang="en-US" dirty="0"/>
+              <a:t>Azure AD secured REST APIs require all requests to be authorized. To authorize a request, you'll include an OAuth 2.0 access token in the `authorization` HTTP request header. This access token must be obtained from Azure AD using one of the supported OAuth flows.</a:t>
+            </a:r>
+          </a:p>
+          <a:p>
+            <a:endParaRPr lang="en-US" dirty="0"/>
+          </a:p>
+          <a:p>
+            <a:r>
+              <a:rPr lang="en-US" dirty="0"/>
+              <a:t>All available Microsoft REST APIs that don't support anonymous requests are secured with Azure AD. This includes APIs including the SharePoint REST API, Microsoft Graph, Azure Management REST API and  many more.</a:t>
+            </a:r>
+          </a:p>
+          <a:p>
             <a:endParaRPr lang="en-US" dirty="0"/>
           </a:p>
         </p:txBody>
@@ -1316,7 +2540,7 @@
           <a:p>
             <a:fld id="{D18B56EA-E28F-4F92-9F16-7A6F2501B303}" type="datetime8">
               <a:rPr lang="en-US" smtClean="0"/>
-              <a:t>12/1/2019 6:33 PM</a:t>
+              <a:t>3/6/20 6:29 AM</a:t>
             </a:fld>
             <a:endParaRPr lang="en-US" dirty="0"/>
           </a:p>
@@ -1403,6 +2627,12 @@
           <a:bodyPr/>
           <a:lstStyle/>
           <a:p>
+            <a:r>
+              <a:rPr lang="en-US" dirty="0"/>
+              <a:t>A common approach to implementing a REST API is to use Azure Functions. Securing an Azure Function with Azure AD is simple. From the Azure Function app's **Platform features** page, select the **Authentication / Authorization** menu item:</a:t>
+            </a:r>
+          </a:p>
+          <a:p>
             <a:endParaRPr lang="en-US" dirty="0"/>
           </a:p>
         </p:txBody>
@@ -1422,6 +2652,10 @@
           <a:bodyPr/>
           <a:lstStyle/>
           <a:p>
+            <a:r>
+              <a:rPr lang="en-US"/>
+              <a:t>SharePoint Framework</a:t>
+            </a:r>
             <a:endParaRPr lang="en-US" dirty="0"/>
           </a:p>
         </p:txBody>
@@ -1497,7 +2731,7 @@
           <a:p>
             <a:fld id="{D18B56EA-E28F-4F92-9F16-7A6F2501B303}" type="datetime8">
               <a:rPr lang="en-US" smtClean="0"/>
-              <a:t>12/1/2019 6:33 PM</a:t>
+              <a:t>3/6/20 6:32 AM</a:t>
             </a:fld>
             <a:endParaRPr lang="en-US" dirty="0"/>
           </a:p>
@@ -1521,7 +2755,7 @@
             <a:fld id="{B4008EB6-D09E-4580-8CD6-DDB14511944F}" type="slidenum">
               <a:rPr lang="en-US" smtClean="0"/>
               <a:pPr/>
-              <a:t>5</a:t>
+              <a:t>4</a:t>
             </a:fld>
             <a:endParaRPr lang="en-US" dirty="0"/>
           </a:p>
@@ -1530,7 +2764,7 @@
     </p:spTree>
     <p:extLst>
       <p:ext uri="{BB962C8B-B14F-4D97-AF65-F5344CB8AC3E}">
-        <p14:creationId xmlns:p14="http://schemas.microsoft.com/office/powerpoint/2010/main" val="1227278982"/>
+        <p14:creationId xmlns:p14="http://schemas.microsoft.com/office/powerpoint/2010/main" val="837518238"/>
       </p:ext>
     </p:extLst>
   </p:cSld>
@@ -1584,6 +2818,30 @@
           <a:bodyPr/>
           <a:lstStyle/>
           <a:p>
+            <a:r>
+              <a:rPr lang="en-US" dirty="0"/>
+              <a:t>The **Authentication / Authorization** blade supports authentication using different OAuth 2.0 providers, including Azure AD, Microsoft Accounts, Facebook, and Google.</a:t>
+            </a:r>
+          </a:p>
+          <a:p>
+            <a:endParaRPr lang="en-US" dirty="0"/>
+          </a:p>
+          <a:p>
+            <a:r>
+              <a:rPr lang="en-US" dirty="0"/>
+              <a:t>After enabling authentication and selecting **Azure AD**, you will then either create a new Azure AD app or associate the Azure Function app with an existing Azure AD app.</a:t>
+            </a:r>
+          </a:p>
+          <a:p>
+            <a:endParaRPr lang="en-US" dirty="0"/>
+          </a:p>
+          <a:p>
+            <a:r>
+              <a:rPr lang="en-US" dirty="0"/>
+              <a:t>By enabling Azure AD authentication and authentication on an Azure Function, Microsoft Azure will automatically check for a valid access token in the `authorization` HTTP request header in every request received. If the access token isn't present or not valid, the request is rejected. This verification check is done without you having to write any special code in your Azure Function.</a:t>
+            </a:r>
+          </a:p>
+          <a:p>
             <a:endParaRPr lang="en-US" dirty="0"/>
           </a:p>
         </p:txBody>
@@ -1678,7 +2936,7 @@
           <a:p>
             <a:fld id="{D18B56EA-E28F-4F92-9F16-7A6F2501B303}" type="datetime8">
               <a:rPr lang="en-US" smtClean="0"/>
-              <a:t>12/1/2019 6:33 PM</a:t>
+              <a:t>3/6/20 6:39 AM</a:t>
             </a:fld>
             <a:endParaRPr lang="en-US" dirty="0"/>
           </a:p>
@@ -1702,7 +2960,7 @@
             <a:fld id="{B4008EB6-D09E-4580-8CD6-DDB14511944F}" type="slidenum">
               <a:rPr lang="en-US" smtClean="0"/>
               <a:pPr/>
-              <a:t>8</a:t>
+              <a:t>5</a:t>
             </a:fld>
             <a:endParaRPr lang="en-US" dirty="0"/>
           </a:p>
@@ -1711,7 +2969,7 @@
     </p:spTree>
     <p:extLst>
       <p:ext uri="{BB962C8B-B14F-4D97-AF65-F5344CB8AC3E}">
-        <p14:creationId xmlns:p14="http://schemas.microsoft.com/office/powerpoint/2010/main" val="2636172898"/>
+        <p14:creationId xmlns:p14="http://schemas.microsoft.com/office/powerpoint/2010/main" val="1227278982"/>
       </p:ext>
     </p:extLst>
   </p:cSld>
@@ -1765,6 +3023,30 @@
           <a:bodyPr/>
           <a:lstStyle/>
           <a:p>
+            <a:r>
+              <a:rPr lang="en-US" dirty="0"/>
+              <a:t>Let's look at how requests to Azure AD secured resources are handled by the SharePoint Framework. </a:t>
+            </a:r>
+          </a:p>
+          <a:p>
+            <a:endParaRPr lang="en-US" dirty="0"/>
+          </a:p>
+          <a:p>
+            <a:r>
+              <a:rPr lang="en-US" dirty="0"/>
+              <a:t>Permission requests to REST APIs, also known as *resources*, are granted to a Azure AD app provisioned in every SharePoint Online tenant: **SharePoint Online Client Extensibility Web Application Principal**.</a:t>
+            </a:r>
+          </a:p>
+          <a:p>
+            <a:endParaRPr lang="en-US" dirty="0"/>
+          </a:p>
+          <a:p>
+            <a:r>
+              <a:rPr lang="en-US" dirty="0"/>
+              <a:t>When you grant a permission request for a specific resource, such as Microsoft Graph, to the **SharePoint Online Client Extensibility Web Application Principal** app, you are granting that entire SharePoint Online tenant the permission. Its important to understand that this permission grant isn't unique to the site or to the SharePoint Framework component; the permission grant applies to the *entire SharePoint Online tenant*.</a:t>
+            </a:r>
+          </a:p>
+          <a:p>
             <a:endParaRPr lang="en-US" dirty="0"/>
           </a:p>
         </p:txBody>
@@ -1784,6 +3066,10 @@
           <a:bodyPr/>
           <a:lstStyle/>
           <a:p>
+            <a:r>
+              <a:rPr lang="en-US"/>
+              <a:t>SharePoint Framework</a:t>
+            </a:r>
             <a:endParaRPr lang="en-US" dirty="0"/>
           </a:p>
         </p:txBody>
@@ -1859,7 +3145,7 @@
           <a:p>
             <a:fld id="{D18B56EA-E28F-4F92-9F16-7A6F2501B303}" type="datetime8">
               <a:rPr lang="en-US" smtClean="0"/>
-              <a:t>12/1/2019 6:33 PM</a:t>
+              <a:t>3/6/20 6:46 AM</a:t>
             </a:fld>
             <a:endParaRPr lang="en-US" dirty="0"/>
           </a:p>
@@ -1883,7 +3169,7 @@
             <a:fld id="{B4008EB6-D09E-4580-8CD6-DDB14511944F}" type="slidenum">
               <a:rPr lang="en-US" smtClean="0"/>
               <a:pPr/>
-              <a:t>12</a:t>
+              <a:t>6</a:t>
             </a:fld>
             <a:endParaRPr lang="en-US" dirty="0"/>
           </a:p>
@@ -1892,7 +3178,7 @@
     </p:spTree>
     <p:extLst>
       <p:ext uri="{BB962C8B-B14F-4D97-AF65-F5344CB8AC3E}">
-        <p14:creationId xmlns:p14="http://schemas.microsoft.com/office/powerpoint/2010/main" val="1784564579"/>
+        <p14:creationId xmlns:p14="http://schemas.microsoft.com/office/powerpoint/2010/main" val="557063046"/>
       </p:ext>
     </p:extLst>
   </p:cSld>
@@ -1946,8 +3232,35 @@
           <a:bodyPr/>
           <a:lstStyle/>
           <a:p>
+            <a:r>
+              <a:rPr lang="en-US" dirty="0"/>
+              <a:t>There are three ways you can request and grant permissions to a SharePoint Online tenant:</a:t>
+            </a:r>
+          </a:p>
+          <a:p>
             <a:endParaRPr lang="en-US" dirty="0"/>
           </a:p>
+          <a:p>
+            <a:r>
+              <a:rPr lang="en-US" dirty="0"/>
+              <a:t>- **Defined with the SharePoint Framework package solution manifest**: In this option, you'll define the permission requests for the resources that your solution needs in order to run. When the solution is deployed to the App Catalog site, the administrator is notified that they will need to approve or reject the permission request.</a:t>
+            </a:r>
+          </a:p>
+          <a:p>
+            <a:r>
+              <a:rPr lang="en-US" dirty="0"/>
+              <a:t>- **PowerShell**: PowerShell can be used to submit a permission request, and approve or reject permission requests. You can also use PowerShell to create the permission grant, bypassing the request process.</a:t>
+            </a:r>
+          </a:p>
+          <a:p>
+            <a:r>
+              <a:rPr lang="en-US" dirty="0"/>
+              <a:t>- **Office 365 CLI**: You can also use the cross-platform Office 365 CLI to request, approve, reject, grant and revoke permission requests the same way you can with PowerShell.</a:t>
+            </a:r>
+          </a:p>
+          <a:p>
+            <a:endParaRPr lang="en-US" dirty="0"/>
+          </a:p>
         </p:txBody>
       </p:sp>
       <p:sp>
@@ -1957,7 +3270,7 @@
             <a:spLocks noGrp="1"/>
           </p:cNvSpPr>
           <p:nvPr>
-            <p:ph type="hdr" sz="quarter" idx="10"/>
+            <p:ph type="hdr" sz="quarter"/>
           </p:nvPr>
         </p:nvSpPr>
         <p:spPr/>
@@ -1965,6 +3278,10 @@
           <a:bodyPr/>
           <a:lstStyle/>
           <a:p>
+            <a:r>
+              <a:rPr lang="en-US"/>
+              <a:t>SharePoint Framework</a:t>
+            </a:r>
             <a:endParaRPr lang="en-US" dirty="0"/>
           </a:p>
         </p:txBody>
@@ -1976,7 +3293,7 @@
             <a:spLocks noGrp="1"/>
           </p:cNvSpPr>
           <p:nvPr>
-            <p:ph type="ftr" sz="quarter" idx="11"/>
+            <p:ph type="ftr" sz="quarter" idx="4"/>
           </p:nvPr>
         </p:nvSpPr>
         <p:spPr/>
@@ -2030,7 +3347,7 @@
             <a:spLocks noGrp="1"/>
           </p:cNvSpPr>
           <p:nvPr>
-            <p:ph type="dt" idx="12"/>
+            <p:ph type="dt" idx="1"/>
           </p:nvPr>
         </p:nvSpPr>
         <p:spPr/>
@@ -2040,7 +3357,7 @@
           <a:p>
             <a:fld id="{D18B56EA-E28F-4F92-9F16-7A6F2501B303}" type="datetime8">
               <a:rPr lang="en-US" smtClean="0"/>
-              <a:t>12/1/2019 6:33 PM</a:t>
+              <a:t>3/6/20 6:52 AM</a:t>
             </a:fld>
             <a:endParaRPr lang="en-US" dirty="0"/>
           </a:p>
@@ -2053,7 +3370,7 @@
             <a:spLocks noGrp="1"/>
           </p:cNvSpPr>
           <p:nvPr>
-            <p:ph type="sldNum" sz="quarter" idx="13"/>
+            <p:ph type="sldNum" sz="quarter" idx="5"/>
           </p:nvPr>
         </p:nvSpPr>
         <p:spPr/>
@@ -2064,7 +3381,7 @@
             <a:fld id="{B4008EB6-D09E-4580-8CD6-DDB14511944F}" type="slidenum">
               <a:rPr lang="en-US" smtClean="0"/>
               <a:pPr/>
-              <a:t>13</a:t>
+              <a:t>7</a:t>
             </a:fld>
             <a:endParaRPr lang="en-US" dirty="0"/>
           </a:p>
@@ -2073,7 +3390,7 @@
     </p:spTree>
     <p:extLst>
       <p:ext uri="{BB962C8B-B14F-4D97-AF65-F5344CB8AC3E}">
-        <p14:creationId xmlns:p14="http://schemas.microsoft.com/office/powerpoint/2010/main" val="1390539867"/>
+        <p14:creationId xmlns:p14="http://schemas.microsoft.com/office/powerpoint/2010/main" val="2267344709"/>
       </p:ext>
     </p:extLst>
   </p:cSld>
@@ -2127,8 +3444,39 @@
           <a:bodyPr/>
           <a:lstStyle/>
           <a:p>
+            <a:r>
+              <a:rPr lang="en-US" dirty="0"/>
+              <a:t>To request a permission when a SharePoint Framework package is deployed to the App Catalog, add it to the `</a:t>
+            </a:r>
+            <a:r>
+              <a:rPr lang="en-US" dirty="0" err="1"/>
+              <a:t>webApiPermissionRequests</a:t>
+            </a:r>
+            <a:r>
+              <a:rPr lang="en-US" dirty="0"/>
+              <a:t>` array in the **package-</a:t>
+            </a:r>
+            <a:r>
+              <a:rPr lang="en-US" dirty="0" err="1"/>
+              <a:t>solution.json</a:t>
+            </a:r>
+            <a:r>
+              <a:rPr lang="en-US" dirty="0"/>
+              <a:t>** configuration file in a project.</a:t>
+            </a:r>
+          </a:p>
+          <a:p>
             <a:endParaRPr lang="en-US" dirty="0"/>
           </a:p>
+          <a:p>
+            <a:r>
+              <a:rPr lang="en-US" dirty="0"/>
+              <a:t>Each request must include the name of the REST API (`resource`) and the permission (`scope`) requested:</a:t>
+            </a:r>
+          </a:p>
+          <a:p>
+            <a:endParaRPr lang="en-US" dirty="0"/>
+          </a:p>
         </p:txBody>
       </p:sp>
       <p:sp>
@@ -2138,7 +3486,7 @@
             <a:spLocks noGrp="1"/>
           </p:cNvSpPr>
           <p:nvPr>
-            <p:ph type="hdr" sz="quarter" idx="10"/>
+            <p:ph type="hdr" sz="quarter"/>
           </p:nvPr>
         </p:nvSpPr>
         <p:spPr/>
@@ -2157,7 +3505,7 @@
             <a:spLocks noGrp="1"/>
           </p:cNvSpPr>
           <p:nvPr>
-            <p:ph type="ftr" sz="quarter" idx="11"/>
+            <p:ph type="ftr" sz="quarter" idx="4"/>
           </p:nvPr>
         </p:nvSpPr>
         <p:spPr/>
@@ -2211,7 +3559,7 @@
             <a:spLocks noGrp="1"/>
           </p:cNvSpPr>
           <p:nvPr>
-            <p:ph type="dt" idx="12"/>
+            <p:ph type="dt" idx="1"/>
           </p:nvPr>
         </p:nvSpPr>
         <p:spPr/>
@@ -2221,7 +3569,7 @@
           <a:p>
             <a:fld id="{D18B56EA-E28F-4F92-9F16-7A6F2501B303}" type="datetime8">
               <a:rPr lang="en-US" smtClean="0"/>
-              <a:t>12/1/2019 6:33 PM</a:t>
+              <a:t>3/6/20 6:54 AM</a:t>
             </a:fld>
             <a:endParaRPr lang="en-US" dirty="0"/>
           </a:p>
@@ -2234,7 +3582,7 @@
             <a:spLocks noGrp="1"/>
           </p:cNvSpPr>
           <p:nvPr>
-            <p:ph type="sldNum" sz="quarter" idx="13"/>
+            <p:ph type="sldNum" sz="quarter" idx="5"/>
           </p:nvPr>
         </p:nvSpPr>
         <p:spPr/>
@@ -2245,7 +3593,7 @@
             <a:fld id="{B4008EB6-D09E-4580-8CD6-DDB14511944F}" type="slidenum">
               <a:rPr lang="en-US" smtClean="0"/>
               <a:pPr/>
-              <a:t>15</a:t>
+              <a:t>8</a:t>
             </a:fld>
             <a:endParaRPr lang="en-US" dirty="0"/>
           </a:p>
@@ -2254,7 +3602,7 @@
     </p:spTree>
     <p:extLst>
       <p:ext uri="{BB962C8B-B14F-4D97-AF65-F5344CB8AC3E}">
-        <p14:creationId xmlns:p14="http://schemas.microsoft.com/office/powerpoint/2010/main" val="3282806226"/>
+        <p14:creationId xmlns:p14="http://schemas.microsoft.com/office/powerpoint/2010/main" val="2636172898"/>
       </p:ext>
     </p:extLst>
   </p:cSld>
@@ -2308,7 +3656,40 @@
           <a:bodyPr/>
           <a:lstStyle/>
           <a:p>
-            <a:endParaRPr lang="en-US"/>
+            <a:r>
+              <a:rPr lang="en-US" dirty="0"/>
+              <a:t>After SharePoint Framework package has been added to the App Catalog, let's look the process for granting permissions and how the SharePoint Framework ultimately submits requests to the Azure AD secured REST API.</a:t>
+            </a:r>
+          </a:p>
+          <a:p>
+            <a:endParaRPr lang="en-US" dirty="0"/>
+          </a:p>
+          <a:p>
+            <a:r>
+              <a:rPr lang="en-US" dirty="0"/>
+              <a:t>At the bottom of the figure above, the tenant administrator grants the permissions (also known as *scopes*), to the SharePoint Online tenant. This is done from the API Management page in the SharePoint Admin Center.</a:t>
+            </a:r>
+          </a:p>
+          <a:p>
+            <a:endParaRPr lang="en-US" dirty="0"/>
+          </a:p>
+          <a:p>
+            <a:r>
+              <a:rPr lang="en-US" dirty="0"/>
+              <a:t>Once the permission request is granted, the SharePoint Framework component will ask SharePoint Online for an access token for the specified resource. The SharePoint Online, in conjunction with Azure AD, will validate the permission for the specified resource has been granted to that SharePoint Online tenant and return an access token. The SharePoint Framework will then submit a request to the REST API and include the access token in the `authorization` HTTP request header.</a:t>
+            </a:r>
+          </a:p>
+          <a:p>
+            <a:endParaRPr lang="en-US" dirty="0"/>
+          </a:p>
+          <a:p>
+            <a:r>
+              <a:rPr lang="en-US" dirty="0"/>
+              <a:t>The Azure AD secured resource will verify the `authorization` HTTP request header before passing to the REST API. From this point, the HTTP request continues like normal, processing the request and sending the response back to the SharePoint Framework component.</a:t>
+            </a:r>
+          </a:p>
+          <a:p>
+            <a:endParaRPr lang="en-US" dirty="0"/>
           </a:p>
         </p:txBody>
       </p:sp>
@@ -2319,7 +3700,7 @@
             <a:spLocks noGrp="1"/>
           </p:cNvSpPr>
           <p:nvPr>
-            <p:ph type="hdr" sz="quarter" idx="10"/>
+            <p:ph type="hdr" sz="quarter"/>
           </p:nvPr>
         </p:nvSpPr>
         <p:spPr/>
@@ -2327,6 +3708,10 @@
           <a:bodyPr/>
           <a:lstStyle/>
           <a:p>
+            <a:r>
+              <a:rPr lang="en-US"/>
+              <a:t>SharePoint Framework</a:t>
+            </a:r>
             <a:endParaRPr lang="en-US" dirty="0"/>
           </a:p>
         </p:txBody>
@@ -2338,7 +3723,7 @@
             <a:spLocks noGrp="1"/>
           </p:cNvSpPr>
           <p:nvPr>
-            <p:ph type="ftr" sz="quarter" idx="11"/>
+            <p:ph type="ftr" sz="quarter" idx="4"/>
           </p:nvPr>
         </p:nvSpPr>
         <p:spPr/>
@@ -2392,7 +3777,7 @@
             <a:spLocks noGrp="1"/>
           </p:cNvSpPr>
           <p:nvPr>
-            <p:ph type="dt" idx="12"/>
+            <p:ph type="dt" idx="1"/>
           </p:nvPr>
         </p:nvSpPr>
         <p:spPr/>
@@ -2402,7 +3787,7 @@
           <a:p>
             <a:fld id="{D18B56EA-E28F-4F92-9F16-7A6F2501B303}" type="datetime8">
               <a:rPr lang="en-US" smtClean="0"/>
-              <a:t>12/1/2019 6:33 PM</a:t>
+              <a:t>3/6/20 7:04 AM</a:t>
             </a:fld>
             <a:endParaRPr lang="en-US" dirty="0"/>
           </a:p>
@@ -2415,7 +3800,7 @@
             <a:spLocks noGrp="1"/>
           </p:cNvSpPr>
           <p:nvPr>
-            <p:ph type="sldNum" sz="quarter" idx="13"/>
+            <p:ph type="sldNum" sz="quarter" idx="5"/>
           </p:nvPr>
         </p:nvSpPr>
         <p:spPr/>
@@ -2426,7 +3811,7 @@
             <a:fld id="{B4008EB6-D09E-4580-8CD6-DDB14511944F}" type="slidenum">
               <a:rPr lang="en-US" smtClean="0"/>
               <a:pPr/>
-              <a:t>16</a:t>
+              <a:t>9</a:t>
             </a:fld>
             <a:endParaRPr lang="en-US" dirty="0"/>
           </a:p>
@@ -2435,7 +3820,7 @@
     </p:spTree>
     <p:extLst>
       <p:ext uri="{BB962C8B-B14F-4D97-AF65-F5344CB8AC3E}">
-        <p14:creationId xmlns:p14="http://schemas.microsoft.com/office/powerpoint/2010/main" val="2510823477"/>
+        <p14:creationId xmlns:p14="http://schemas.microsoft.com/office/powerpoint/2010/main" val="1181696355"/>
       </p:ext>
     </p:extLst>
   </p:cSld>
@@ -14970,7 +16355,7 @@
       </a:lvl9pPr>
     </p:otherStyle>
   </p:txStyles>
-  <p:extLst mod="1">
+  <p:extLst>
     <p:ext uri="{27BBF7A9-308A-43DC-89C8-2F10F3537804}">
       <p15:sldGuideLst xmlns:p15="http://schemas.microsoft.com/office/powerpoint/2012/main">
         <p15:guide id="3" pos="1381" userDrawn="1">
@@ -15250,7 +16635,7 @@
         <p:spPr>
           <a:xfrm>
             <a:off x="464400" y="1178952"/>
-            <a:ext cx="11575200" cy="5432256"/>
+            <a:ext cx="11575200" cy="5078313"/>
           </a:xfrm>
         </p:spPr>
         <p:txBody>
@@ -15347,7 +16732,23 @@
                   <a:schemeClr val="accent1"/>
                 </a:solidFill>
               </a:rPr>
-              <a:t>([name / URI of target resource])</a:t>
+              <a:t>(“https://your-endpoint-</a:t>
+            </a:r>
+            <a:r>
+              <a:rPr lang="en-US" sz="2000" dirty="0" err="1">
+                <a:solidFill>
+                  <a:schemeClr val="accent1"/>
+                </a:solidFill>
+              </a:rPr>
+              <a:t>uri</a:t>
+            </a:r>
+            <a:r>
+              <a:rPr lang="en-US" sz="2000" dirty="0">
+                <a:solidFill>
+                  <a:schemeClr val="accent1"/>
+                </a:solidFill>
+              </a:rPr>
+              <a:t>”)</a:t>
             </a:r>
           </a:p>
           <a:p>
@@ -15387,15 +16788,23 @@
           <a:p>
             <a:r>
               <a:rPr lang="en-US" sz="2000" dirty="0"/>
-              <a:t>    </a:t>
+              <a:t>    const endpoint: string = “https://your-endpoint-</a:t>
             </a:r>
             <a:r>
               <a:rPr lang="en-US" sz="2000" dirty="0" err="1"/>
-              <a:t>const</a:t>
+              <a:t>uri</a:t>
             </a:r>
             <a:r>
               <a:rPr lang="en-US" sz="2000" dirty="0"/>
-              <a:t> endpoint: string = 'https://secured endpoint'</a:t>
+              <a:t>/</a:t>
+            </a:r>
+            <a:r>
+              <a:rPr lang="en-US" sz="2000" dirty="0" err="1"/>
+              <a:t>api</a:t>
+            </a:r>
+            <a:r>
+              <a:rPr lang="en-US" sz="2000" dirty="0"/>
+              <a:t>”;</a:t>
             </a:r>
           </a:p>
           <a:p>
@@ -15496,12 +16905,6 @@
             <a:r>
               <a:rPr lang="en-US" sz="2000" dirty="0"/>
               <a:t>  });</a:t>
-            </a:r>
-          </a:p>
-          <a:p>
-            <a:r>
-              <a:rPr lang="en-US" sz="2000" dirty="0"/>
-              <a:t>});</a:t>
             </a:r>
           </a:p>
         </p:txBody>
@@ -15655,7 +17058,7 @@
           <p:nvPr/>
         </p:nvPicPr>
         <p:blipFill>
-          <a:blip r:embed="rId2"/>
+          <a:blip r:embed="rId3"/>
           <a:stretch>
             <a:fillRect/>
           </a:stretch>
@@ -17296,7 +18699,7 @@
           <p:nvPr/>
         </p:nvPicPr>
         <p:blipFill>
-          <a:blip r:embed="rId2"/>
+          <a:blip r:embed="rId3"/>
           <a:stretch>
             <a:fillRect/>
           </a:stretch>
@@ -17718,7 +19121,7 @@
             </a:r>
             <a:r>
               <a:rPr lang="en-US" dirty="0">
-                <a:hlinkClick r:id="rId2"/>
+                <a:hlinkClick r:id="rId3"/>
               </a:rPr>
               <a:t>https://docs.microsoft.com/sharepoint/dev/spfx/use-aadhttpclient</a:t>
             </a:r>
@@ -18169,7 +19572,7 @@
           <p:nvPr/>
         </p:nvPicPr>
         <p:blipFill>
-          <a:blip r:embed="rId2"/>
+          <a:blip r:embed="rId3"/>
           <a:stretch>
             <a:fillRect/>
           </a:stretch>

--- a/02 aadhttpclient.pptx
+++ b/02 aadhttpclient.pptx
@@ -15,14 +15,14 @@
     <p:sldId id="1576" r:id="rId4"/>
     <p:sldId id="1707" r:id="rId5"/>
     <p:sldId id="1708" r:id="rId6"/>
-    <p:sldId id="1709" r:id="rId7"/>
-    <p:sldId id="1710" r:id="rId8"/>
-    <p:sldId id="1712" r:id="rId9"/>
-    <p:sldId id="1702" r:id="rId10"/>
-    <p:sldId id="1711" r:id="rId11"/>
-    <p:sldId id="1706" r:id="rId12"/>
-    <p:sldId id="1703" r:id="rId13"/>
-    <p:sldId id="1704" r:id="rId14"/>
+    <p:sldId id="1710" r:id="rId7"/>
+    <p:sldId id="1712" r:id="rId8"/>
+    <p:sldId id="1702" r:id="rId9"/>
+    <p:sldId id="1711" r:id="rId10"/>
+    <p:sldId id="1706" r:id="rId11"/>
+    <p:sldId id="1703" r:id="rId12"/>
+    <p:sldId id="1704" r:id="rId13"/>
+    <p:sldId id="1717" r:id="rId14"/>
     <p:sldId id="1713" r:id="rId15"/>
     <p:sldId id="1714" r:id="rId16"/>
     <p:sldId id="1715" r:id="rId17"/>
@@ -138,7 +138,6 @@
           <p14:sldIdLst>
             <p14:sldId id="1707"/>
             <p14:sldId id="1708"/>
-            <p14:sldId id="1709"/>
             <p14:sldId id="1710"/>
             <p14:sldId id="1712"/>
             <p14:sldId id="1702"/>
@@ -146,6 +145,7 @@
             <p14:sldId id="1706"/>
             <p14:sldId id="1703"/>
             <p14:sldId id="1704"/>
+            <p14:sldId id="1717"/>
             <p14:sldId id="1713"/>
           </p14:sldIdLst>
         </p14:section>
@@ -274,7 +274,7 @@
               <a:rPr lang="en-US" smtClean="0">
                 <a:latin typeface="Segoe UI" pitchFamily="34" charset="0"/>
               </a:rPr>
-              <a:t>3/5/20 3:00 PM</a:t>
+              <a:t>8/29/2020 2:44 PM</a:t>
             </a:fld>
             <a:endParaRPr lang="en-US" dirty="0">
               <a:latin typeface="Segoe UI" pitchFamily="34" charset="0"/>
@@ -571,7 +571,7 @@
           <a:p>
             <a:fld id="{D18B56EA-E28F-4F92-9F16-7A6F2501B303}" type="datetime8">
               <a:rPr lang="en-US" smtClean="0"/>
-              <a:t>3/5/20 3:00 PM</a:t>
+              <a:t>8/29/2020 2:44 PM</a:t>
             </a:fld>
             <a:endParaRPr lang="en-US" dirty="0"/>
           </a:p>
@@ -954,7 +954,7 @@
           <a:p>
             <a:fld id="{D18B56EA-E28F-4F92-9F16-7A6F2501B303}" type="datetime8">
               <a:rPr lang="en-US" smtClean="0"/>
-              <a:t>3/5/20 3:00 PM</a:t>
+              <a:t>8/29/2020 2:44 PM</a:t>
             </a:fld>
             <a:endParaRPr lang="en-US" dirty="0"/>
           </a:p>
@@ -1043,23 +1043,7 @@
           <a:p>
             <a:r>
               <a:rPr lang="en-US" dirty="0"/>
-              <a:t>The SharePoint Framework API simplifies the access token acquisition from SharePoint Online and Azure AD. The API uses the token to configure a special instance of the `</a:t>
-            </a:r>
-            <a:r>
-              <a:rPr lang="en-US" dirty="0" err="1"/>
-              <a:t>HttpClient</a:t>
-            </a:r>
-            <a:r>
-              <a:rPr lang="en-US" dirty="0"/>
-              <a:t>`, known as the `</a:t>
-            </a:r>
-            <a:r>
-              <a:rPr lang="en-US" dirty="0" err="1"/>
-              <a:t>AadHttpClient</a:t>
-            </a:r>
-            <a:r>
-              <a:rPr lang="en-US" dirty="0"/>
-              <a:t>`, you'll use to submit the request.</a:t>
+              <a:t>When an administrator deploys the SharePoint Framework component to the tenant App Catalog, they're presented with an additional message in the trust dialog prompt:</a:t>
             </a:r>
           </a:p>
           <a:p>
@@ -1068,49 +1052,7 @@
           <a:p>
             <a:r>
               <a:rPr lang="en-US" dirty="0"/>
-              <a:t>To do this, start by importing the `</a:t>
-            </a:r>
-            <a:r>
-              <a:rPr lang="en-US" dirty="0" err="1"/>
-              <a:t>AadHttpClient</a:t>
-            </a:r>
-            <a:r>
-              <a:rPr lang="en-US" dirty="0"/>
-              <a:t>` object into your TypeScript file:</a:t>
-            </a:r>
-          </a:p>
-          <a:p>
-            <a:endParaRPr lang="en-US" dirty="0"/>
-          </a:p>
-          <a:p>
-            <a:r>
-              <a:rPr lang="en-US" dirty="0"/>
-              <a:t>Next, use the `</a:t>
-            </a:r>
-            <a:r>
-              <a:rPr lang="en-US" dirty="0" err="1"/>
-              <a:t>aadhttpClientFactory</a:t>
-            </a:r>
-            <a:r>
-              <a:rPr lang="en-US" dirty="0"/>
-              <a:t>` to request an HTTP client configured with the access token for the specified resource:</a:t>
-            </a:r>
-          </a:p>
-          <a:p>
-            <a:endParaRPr lang="en-US" dirty="0"/>
-          </a:p>
-          <a:p>
-            <a:r>
-              <a:rPr lang="en-US" dirty="0"/>
-              <a:t>Finally, use the configured client to call the secured REST API the same way you can use the `</a:t>
-            </a:r>
-            <a:r>
-              <a:rPr lang="en-US" dirty="0" err="1"/>
-              <a:t>HttpClient</a:t>
-            </a:r>
-            <a:r>
-              <a:rPr lang="en-US" dirty="0"/>
-              <a:t>`:</a:t>
+              <a:t>This message instructs the administrator this solution contains permission requests that should be reviewed and approved or rejected. Recall that permissions are not tied to the SharePoint Framework package. Approving or rejecting the permissions is a separate step that must be performed in order for the SharePoint Framework component to work.</a:t>
             </a:r>
           </a:p>
           <a:p>
@@ -1212,7 +1154,7 @@
           <a:p>
             <a:fld id="{D18B56EA-E28F-4F92-9F16-7A6F2501B303}" type="datetime8">
               <a:rPr lang="en-US" smtClean="0"/>
-              <a:t>3/6/20 7:13 AM</a:t>
+              <a:t>8/29/2020 2:44 PM</a:t>
             </a:fld>
             <a:endParaRPr lang="en-US" dirty="0"/>
           </a:p>
@@ -1245,7 +1187,7 @@
     </p:spTree>
     <p:extLst>
       <p:ext uri="{BB962C8B-B14F-4D97-AF65-F5344CB8AC3E}">
-        <p14:creationId xmlns:p14="http://schemas.microsoft.com/office/powerpoint/2010/main" val="2460019255"/>
+        <p14:creationId xmlns:p14="http://schemas.microsoft.com/office/powerpoint/2010/main" val="2904150330"/>
       </p:ext>
     </p:extLst>
   </p:cSld>
@@ -1301,16 +1243,7 @@
           <a:p>
             <a:r>
               <a:rPr lang="en-US" dirty="0"/>
-              <a:t>When an administrator deploys the SharePoint Framework component to the tenant App Catalog, they're presented with an additional message in the trust dialog prompt:</a:t>
-            </a:r>
-          </a:p>
-          <a:p>
-            <a:endParaRPr lang="en-US" dirty="0"/>
-          </a:p>
-          <a:p>
-            <a:r>
-              <a:rPr lang="en-US" dirty="0"/>
-              <a:t>This message instructs the administrator this solution contains permission requests that should be reviewed and approved or rejected. Recall that permissions are not tied to the SharePoint Framework package. Approving or rejecting the permissions is a separate step that must be performed in order for the SharePoint Framework component to work.</a:t>
+              <a:t>To approve or reject permission requests, navigate to the **API access** page in the **SharePoint Admin Center**. Here you'll find a list of permission requests pending approval or rejection.</a:t>
             </a:r>
           </a:p>
           <a:p>
@@ -1333,10 +1266,6 @@
           <a:bodyPr/>
           <a:lstStyle/>
           <a:p>
-            <a:r>
-              <a:rPr lang="en-US"/>
-              <a:t>SharePoint Framework</a:t>
-            </a:r>
             <a:endParaRPr lang="en-US" dirty="0"/>
           </a:p>
         </p:txBody>
@@ -1412,7 +1341,7 @@
           <a:p>
             <a:fld id="{D18B56EA-E28F-4F92-9F16-7A6F2501B303}" type="datetime8">
               <a:rPr lang="en-US" smtClean="0"/>
-              <a:t>3/6/20 7:17 AM</a:t>
+              <a:t>8/29/2020 2:44 PM</a:t>
             </a:fld>
             <a:endParaRPr lang="en-US" dirty="0"/>
           </a:p>
@@ -1445,7 +1374,7 @@
     </p:spTree>
     <p:extLst>
       <p:ext uri="{BB962C8B-B14F-4D97-AF65-F5344CB8AC3E}">
-        <p14:creationId xmlns:p14="http://schemas.microsoft.com/office/powerpoint/2010/main" val="2904150330"/>
+        <p14:creationId xmlns:p14="http://schemas.microsoft.com/office/powerpoint/2010/main" val="1784564579"/>
       </p:ext>
     </p:extLst>
   </p:cSld>
@@ -1501,16 +1430,7 @@
           <a:p>
             <a:r>
               <a:rPr lang="en-US" dirty="0"/>
-              <a:t>To approve or reject permission requests, navigate to the **API Management** page in the **SharePoint Admin Center**. Here you'll find a list of permission requests pending approval or rejection:</a:t>
-            </a:r>
-          </a:p>
-          <a:p>
-            <a:endParaRPr lang="en-US" dirty="0"/>
-          </a:p>
-          <a:p>
-            <a:r>
-              <a:rPr lang="en-US" dirty="0"/>
-              <a:t>Select the permission request to view it's details and use the buttons at the bottom of the panel to approve or reject the request:</a:t>
+              <a:t>Select the permission request to view its details and use the buttons at the bottom of the panel to approve or reject the request:</a:t>
             </a:r>
           </a:p>
           <a:p>
@@ -1608,7 +1528,7 @@
           <a:p>
             <a:fld id="{D18B56EA-E28F-4F92-9F16-7A6F2501B303}" type="datetime8">
               <a:rPr lang="en-US" smtClean="0"/>
-              <a:t>3/6/20 7:19 AM</a:t>
+              <a:t>8/29/2020 2:50 PM</a:t>
             </a:fld>
             <a:endParaRPr lang="en-US" dirty="0"/>
           </a:p>
@@ -1641,7 +1561,7 @@
     </p:spTree>
     <p:extLst>
       <p:ext uri="{BB962C8B-B14F-4D97-AF65-F5344CB8AC3E}">
-        <p14:creationId xmlns:p14="http://schemas.microsoft.com/office/powerpoint/2010/main" val="1784564579"/>
+        <p14:creationId xmlns:p14="http://schemas.microsoft.com/office/powerpoint/2010/main" val="3594181689"/>
       </p:ext>
     </p:extLst>
   </p:cSld>
@@ -1789,7 +1709,7 @@
           <a:p>
             <a:fld id="{D18B56EA-E28F-4F92-9F16-7A6F2501B303}" type="datetime8">
               <a:rPr lang="en-US" smtClean="0"/>
-              <a:t>3/5/20 3:00 PM</a:t>
+              <a:t>8/29/2020 2:44 PM</a:t>
             </a:fld>
             <a:endParaRPr lang="en-US" dirty="0"/>
           </a:p>
@@ -1970,7 +1890,7 @@
           <a:p>
             <a:fld id="{D18B56EA-E28F-4F92-9F16-7A6F2501B303}" type="datetime8">
               <a:rPr lang="en-US" smtClean="0"/>
-              <a:t>3/5/20 3:00 PM</a:t>
+              <a:t>8/29/2020 2:44 PM</a:t>
             </a:fld>
             <a:endParaRPr lang="en-US" dirty="0"/>
           </a:p>
@@ -2151,7 +2071,7 @@
           <a:p>
             <a:fld id="{D18B56EA-E28F-4F92-9F16-7A6F2501B303}" type="datetime8">
               <a:rPr lang="en-US" smtClean="0"/>
-              <a:t>3/5/20 3:00 PM</a:t>
+              <a:t>8/29/2020 2:44 PM</a:t>
             </a:fld>
             <a:endParaRPr lang="en-US" dirty="0"/>
           </a:p>
@@ -2335,7 +2255,7 @@
           <a:p>
             <a:fld id="{D18B56EA-E28F-4F92-9F16-7A6F2501B303}" type="datetime8">
               <a:rPr lang="en-US" smtClean="0"/>
-              <a:t>3/6/20 6:22 AM</a:t>
+              <a:t>8/29/2020 2:44 PM</a:t>
             </a:fld>
             <a:endParaRPr lang="en-US" dirty="0"/>
           </a:p>
@@ -2540,7 +2460,7 @@
           <a:p>
             <a:fld id="{D18B56EA-E28F-4F92-9F16-7A6F2501B303}" type="datetime8">
               <a:rPr lang="en-US" smtClean="0"/>
-              <a:t>3/6/20 6:29 AM</a:t>
+              <a:t>8/29/2020 2:44 PM</a:t>
             </a:fld>
             <a:endParaRPr lang="en-US" dirty="0"/>
           </a:p>
@@ -2628,9 +2548,76 @@
           <a:lstStyle/>
           <a:p>
             <a:r>
-              <a:rPr lang="en-US" dirty="0"/>
-              <a:t>A common approach to implementing a REST API is to use Azure Functions. Securing an Azure Function with Azure AD is simple. From the Azure Function app's **Platform features** page, select the **Authentication / Authorization** menu item:</a:t>
-            </a:r>
+              <a:rPr lang="en-US" b="0" dirty="0">
+                <a:solidFill>
+                  <a:srgbClr val="000000"/>
+                </a:solidFill>
+                <a:effectLst/>
+                <a:latin typeface="Consolas" panose="020B0609020204030204" pitchFamily="49" charset="0"/>
+              </a:rPr>
+              <a:t>A common approach to implementing a REST API is to use Azure Functions. Securing an Azure Function with Azure AD is simple. In the left-hand navigation, select the </a:t>
+            </a:r>
+            <a:r>
+              <a:rPr lang="en-US" b="1" dirty="0">
+                <a:solidFill>
+                  <a:srgbClr val="000080"/>
+                </a:solidFill>
+                <a:effectLst/>
+                <a:latin typeface="Consolas" panose="020B0609020204030204" pitchFamily="49" charset="0"/>
+              </a:rPr>
+              <a:t>**Authentication / Authorization**</a:t>
+            </a:r>
+            <a:r>
+              <a:rPr lang="en-US" b="0" dirty="0">
+                <a:solidFill>
+                  <a:srgbClr val="000000"/>
+                </a:solidFill>
+                <a:effectLst/>
+                <a:latin typeface="Consolas" panose="020B0609020204030204" pitchFamily="49" charset="0"/>
+              </a:rPr>
+              <a:t> menu item. The </a:t>
+            </a:r>
+            <a:r>
+              <a:rPr lang="en-US" b="1" dirty="0">
+                <a:solidFill>
+                  <a:srgbClr val="000080"/>
+                </a:solidFill>
+                <a:effectLst/>
+                <a:latin typeface="Consolas" panose="020B0609020204030204" pitchFamily="49" charset="0"/>
+              </a:rPr>
+              <a:t>**Authentication / Authorization**</a:t>
+            </a:r>
+            <a:r>
+              <a:rPr lang="en-US" b="0" dirty="0">
+                <a:solidFill>
+                  <a:srgbClr val="000000"/>
+                </a:solidFill>
+                <a:effectLst/>
+                <a:latin typeface="Consolas" panose="020B0609020204030204" pitchFamily="49" charset="0"/>
+              </a:rPr>
+              <a:t> blade supports authentication using different OAuth 2.0 providers, including Azure AD, Microsoft Accounts, Facebook, and Google.</a:t>
+            </a:r>
+          </a:p>
+          <a:p>
+            <a:endParaRPr lang="en-US" dirty="0"/>
+          </a:p>
+          <a:p>
+            <a:r>
+              <a:rPr lang="en-US" dirty="0"/>
+              <a:t>After enabling authentication and selecting **Azure AD**, you will then either create a new Azure AD app or associate the Azure Function app with an existing Azure AD app.</a:t>
+            </a:r>
+          </a:p>
+          <a:p>
+            <a:endParaRPr lang="en-US" dirty="0"/>
+          </a:p>
+          <a:p>
+            <a:r>
+              <a:rPr lang="en-US" dirty="0"/>
+              <a:t>By enabling Azure AD authentication and authentication on an Azure Function, Microsoft Azure will automatically check for a valid access token in the `authorization` HTTP request header in every request received. If the access token isn't present or not valid, the request is rejected. This verification check is done without you having to write any special code in your Azure Function.</a:t>
+            </a:r>
+          </a:p>
+          <a:p>
+            <a:endParaRPr lang="en-US" dirty="0"/>
           </a:p>
           <a:p>
             <a:endParaRPr lang="en-US" dirty="0"/>
@@ -2731,7 +2718,7 @@
           <a:p>
             <a:fld id="{D18B56EA-E28F-4F92-9F16-7A6F2501B303}" type="datetime8">
               <a:rPr lang="en-US" smtClean="0"/>
-              <a:t>3/6/20 6:32 AM</a:t>
+              <a:t>8/29/2020 2:44 PM</a:t>
             </a:fld>
             <a:endParaRPr lang="en-US" dirty="0"/>
           </a:p>
@@ -2820,7 +2807,7 @@
           <a:p>
             <a:r>
               <a:rPr lang="en-US" dirty="0"/>
-              <a:t>The **Authentication / Authorization** blade supports authentication using different OAuth 2.0 providers, including Azure AD, Microsoft Accounts, Facebook, and Google.</a:t>
+              <a:t>Let's look at how requests to Azure AD secured resources are handled by the SharePoint Framework. </a:t>
             </a:r>
           </a:p>
           <a:p>
@@ -2829,7 +2816,7 @@
           <a:p>
             <a:r>
               <a:rPr lang="en-US" dirty="0"/>
-              <a:t>After enabling authentication and selecting **Azure AD**, you will then either create a new Azure AD app or associate the Azure Function app with an existing Azure AD app.</a:t>
+              <a:t>Permission requests to REST APIs, also known as *resources*, are granted to a Azure AD app provisioned in every SharePoint Online tenant: **SharePoint Online Client Extensibility Web Application Principal**.</a:t>
             </a:r>
           </a:p>
           <a:p>
@@ -2838,7 +2825,7 @@
           <a:p>
             <a:r>
               <a:rPr lang="en-US" dirty="0"/>
-              <a:t>By enabling Azure AD authentication and authentication on an Azure Function, Microsoft Azure will automatically check for a valid access token in the `authorization` HTTP request header in every request received. If the access token isn't present or not valid, the request is rejected. This verification check is done without you having to write any special code in your Azure Function.</a:t>
+              <a:t>When you grant a permission request for a specific resource, such as Microsoft Graph, to the **SharePoint Online Client Extensibility Web Application Principal** app, you are granting that entire SharePoint Online tenant the permission. Its important to understand that this permission grant isn't unique to the site or to the SharePoint Framework component; the permission grant applies to the *entire SharePoint Online tenant*.</a:t>
             </a:r>
           </a:p>
           <a:p>
@@ -2861,6 +2848,10 @@
           <a:bodyPr/>
           <a:lstStyle/>
           <a:p>
+            <a:r>
+              <a:rPr lang="en-US"/>
+              <a:t>SharePoint Framework</a:t>
+            </a:r>
             <a:endParaRPr lang="en-US" dirty="0"/>
           </a:p>
         </p:txBody>
@@ -2936,7 +2927,7 @@
           <a:p>
             <a:fld id="{D18B56EA-E28F-4F92-9F16-7A6F2501B303}" type="datetime8">
               <a:rPr lang="en-US" smtClean="0"/>
-              <a:t>3/6/20 6:39 AM</a:t>
+              <a:t>8/29/2020 2:44 PM</a:t>
             </a:fld>
             <a:endParaRPr lang="en-US" dirty="0"/>
           </a:p>
@@ -2969,7 +2960,7 @@
     </p:spTree>
     <p:extLst>
       <p:ext uri="{BB962C8B-B14F-4D97-AF65-F5344CB8AC3E}">
-        <p14:creationId xmlns:p14="http://schemas.microsoft.com/office/powerpoint/2010/main" val="1227278982"/>
+        <p14:creationId xmlns:p14="http://schemas.microsoft.com/office/powerpoint/2010/main" val="557063046"/>
       </p:ext>
     </p:extLst>
   </p:cSld>
@@ -3025,7 +3016,7 @@
           <a:p>
             <a:r>
               <a:rPr lang="en-US" dirty="0"/>
-              <a:t>Let's look at how requests to Azure AD secured resources are handled by the SharePoint Framework. </a:t>
+              <a:t>There are three ways you can request and grant permissions to a SharePoint Online tenant:</a:t>
             </a:r>
           </a:p>
           <a:p>
@@ -3034,16 +3025,19 @@
           <a:p>
             <a:r>
               <a:rPr lang="en-US" dirty="0"/>
-              <a:t>Permission requests to REST APIs, also known as *resources*, are granted to a Azure AD app provisioned in every SharePoint Online tenant: **SharePoint Online Client Extensibility Web Application Principal**.</a:t>
-            </a:r>
-          </a:p>
-          <a:p>
-            <a:endParaRPr lang="en-US" dirty="0"/>
-          </a:p>
-          <a:p>
-            <a:r>
-              <a:rPr lang="en-US" dirty="0"/>
-              <a:t>When you grant a permission request for a specific resource, such as Microsoft Graph, to the **SharePoint Online Client Extensibility Web Application Principal** app, you are granting that entire SharePoint Online tenant the permission. Its important to understand that this permission grant isn't unique to the site or to the SharePoint Framework component; the permission grant applies to the *entire SharePoint Online tenant*.</a:t>
+              <a:t>- **Defined with the SharePoint Framework package solution manifest**: In this option, you'll define the permission requests for the resources that your solution needs in order to run. When the solution is deployed to the App Catalog site, the administrator is notified that they will need to approve or reject the permission request.</a:t>
+            </a:r>
+          </a:p>
+          <a:p>
+            <a:r>
+              <a:rPr lang="en-US" dirty="0"/>
+              <a:t>- **PowerShell**: PowerShell can be used to submit a permission request, and approve or reject permission requests. You can also use PowerShell to create the permission grant, bypassing the request process.</a:t>
+            </a:r>
+          </a:p>
+          <a:p>
+            <a:r>
+              <a:rPr lang="en-US" dirty="0"/>
+              <a:t>- **Office 365 CLI**: You can also use the cross-platform Office 365 CLI to request, approve, reject, grant and revoke permission requests the same way you can with PowerShell.</a:t>
             </a:r>
           </a:p>
           <a:p>
@@ -3145,7 +3139,7 @@
           <a:p>
             <a:fld id="{D18B56EA-E28F-4F92-9F16-7A6F2501B303}" type="datetime8">
               <a:rPr lang="en-US" smtClean="0"/>
-              <a:t>3/6/20 6:46 AM</a:t>
+              <a:t>8/29/2020 2:44 PM</a:t>
             </a:fld>
             <a:endParaRPr lang="en-US" dirty="0"/>
           </a:p>
@@ -3178,7 +3172,7 @@
     </p:spTree>
     <p:extLst>
       <p:ext uri="{BB962C8B-B14F-4D97-AF65-F5344CB8AC3E}">
-        <p14:creationId xmlns:p14="http://schemas.microsoft.com/office/powerpoint/2010/main" val="557063046"/>
+        <p14:creationId xmlns:p14="http://schemas.microsoft.com/office/powerpoint/2010/main" val="2267344709"/>
       </p:ext>
     </p:extLst>
   </p:cSld>
@@ -3234,7 +3228,23 @@
           <a:p>
             <a:r>
               <a:rPr lang="en-US" dirty="0"/>
-              <a:t>There are three ways you can request and grant permissions to a SharePoint Online tenant:</a:t>
+              <a:t>To request a permission when a SharePoint Framework package is deployed to the App Catalog, add it to the `</a:t>
+            </a:r>
+            <a:r>
+              <a:rPr lang="en-US" dirty="0" err="1"/>
+              <a:t>webApiPermissionRequests</a:t>
+            </a:r>
+            <a:r>
+              <a:rPr lang="en-US" dirty="0"/>
+              <a:t>` array in the **package-</a:t>
+            </a:r>
+            <a:r>
+              <a:rPr lang="en-US" dirty="0" err="1"/>
+              <a:t>solution.json</a:t>
+            </a:r>
+            <a:r>
+              <a:rPr lang="en-US" dirty="0"/>
+              <a:t>** configuration file in a project.</a:t>
             </a:r>
           </a:p>
           <a:p>
@@ -3243,19 +3253,7 @@
           <a:p>
             <a:r>
               <a:rPr lang="en-US" dirty="0"/>
-              <a:t>- **Defined with the SharePoint Framework package solution manifest**: In this option, you'll define the permission requests for the resources that your solution needs in order to run. When the solution is deployed to the App Catalog site, the administrator is notified that they will need to approve or reject the permission request.</a:t>
-            </a:r>
-          </a:p>
-          <a:p>
-            <a:r>
-              <a:rPr lang="en-US" dirty="0"/>
-              <a:t>- **PowerShell**: PowerShell can be used to submit a permission request, and approve or reject permission requests. You can also use PowerShell to create the permission grant, bypassing the request process.</a:t>
-            </a:r>
-          </a:p>
-          <a:p>
-            <a:r>
-              <a:rPr lang="en-US" dirty="0"/>
-              <a:t>- **Office 365 CLI**: You can also use the cross-platform Office 365 CLI to request, approve, reject, grant and revoke permission requests the same way you can with PowerShell.</a:t>
+              <a:t>Each request must include the name of the REST API (`resource`) and the permission (`scope`) requested:</a:t>
             </a:r>
           </a:p>
           <a:p>
@@ -3278,10 +3276,6 @@
           <a:bodyPr/>
           <a:lstStyle/>
           <a:p>
-            <a:r>
-              <a:rPr lang="en-US"/>
-              <a:t>SharePoint Framework</a:t>
-            </a:r>
             <a:endParaRPr lang="en-US" dirty="0"/>
           </a:p>
         </p:txBody>
@@ -3357,7 +3351,7 @@
           <a:p>
             <a:fld id="{D18B56EA-E28F-4F92-9F16-7A6F2501B303}" type="datetime8">
               <a:rPr lang="en-US" smtClean="0"/>
-              <a:t>3/6/20 6:52 AM</a:t>
+              <a:t>8/29/2020 2:44 PM</a:t>
             </a:fld>
             <a:endParaRPr lang="en-US" dirty="0"/>
           </a:p>
@@ -3390,7 +3384,7 @@
     </p:spTree>
     <p:extLst>
       <p:ext uri="{BB962C8B-B14F-4D97-AF65-F5344CB8AC3E}">
-        <p14:creationId xmlns:p14="http://schemas.microsoft.com/office/powerpoint/2010/main" val="2267344709"/>
+        <p14:creationId xmlns:p14="http://schemas.microsoft.com/office/powerpoint/2010/main" val="2636172898"/>
       </p:ext>
     </p:extLst>
   </p:cSld>
@@ -3446,23 +3440,7 @@
           <a:p>
             <a:r>
               <a:rPr lang="en-US" dirty="0"/>
-              <a:t>To request a permission when a SharePoint Framework package is deployed to the App Catalog, add it to the `</a:t>
-            </a:r>
-            <a:r>
-              <a:rPr lang="en-US" dirty="0" err="1"/>
-              <a:t>webApiPermissionRequests</a:t>
-            </a:r>
-            <a:r>
-              <a:rPr lang="en-US" dirty="0"/>
-              <a:t>` array in the **package-</a:t>
-            </a:r>
-            <a:r>
-              <a:rPr lang="en-US" dirty="0" err="1"/>
-              <a:t>solution.json</a:t>
-            </a:r>
-            <a:r>
-              <a:rPr lang="en-US" dirty="0"/>
-              <a:t>** configuration file in a project.</a:t>
+              <a:t>After SharePoint Framework package has been added to the App Catalog, let's look the process for granting permissions and how the SharePoint Framework ultimately submits requests to the Azure AD secured REST API.</a:t>
             </a:r>
           </a:p>
           <a:p>
@@ -3471,7 +3449,25 @@
           <a:p>
             <a:r>
               <a:rPr lang="en-US" dirty="0"/>
-              <a:t>Each request must include the name of the REST API (`resource`) and the permission (`scope`) requested:</a:t>
+              <a:t>At the bottom of the figure above, the tenant administrator grants the permissions (also known as *scopes*), to the SharePoint Online tenant. This is done from the API Management page in the SharePoint Admin Center.</a:t>
+            </a:r>
+          </a:p>
+          <a:p>
+            <a:endParaRPr lang="en-US" dirty="0"/>
+          </a:p>
+          <a:p>
+            <a:r>
+              <a:rPr lang="en-US" dirty="0"/>
+              <a:t>Once the permission request is granted, the SharePoint Framework component will ask SharePoint Online for an access token for the specified resource. The SharePoint Online, in conjunction with Azure AD, will validate the permission for the specified resource has been granted to that SharePoint Online tenant and return an access token. The SharePoint Framework will then submit a request to the REST API and include the access token in the `authorization` HTTP request header.</a:t>
+            </a:r>
+          </a:p>
+          <a:p>
+            <a:endParaRPr lang="en-US" dirty="0"/>
+          </a:p>
+          <a:p>
+            <a:r>
+              <a:rPr lang="en-US" dirty="0"/>
+              <a:t>The Azure AD secured resource will verify the `authorization` HTTP request header before passing to the REST API. From this point, the HTTP request continues like normal, processing the request and sending the response back to the SharePoint Framework component.</a:t>
             </a:r>
           </a:p>
           <a:p>
@@ -3494,6 +3490,10 @@
           <a:bodyPr/>
           <a:lstStyle/>
           <a:p>
+            <a:r>
+              <a:rPr lang="en-US"/>
+              <a:t>SharePoint Framework</a:t>
+            </a:r>
             <a:endParaRPr lang="en-US" dirty="0"/>
           </a:p>
         </p:txBody>
@@ -3569,7 +3569,7 @@
           <a:p>
             <a:fld id="{D18B56EA-E28F-4F92-9F16-7A6F2501B303}" type="datetime8">
               <a:rPr lang="en-US" smtClean="0"/>
-              <a:t>3/6/20 6:54 AM</a:t>
+              <a:t>8/29/2020 2:44 PM</a:t>
             </a:fld>
             <a:endParaRPr lang="en-US" dirty="0"/>
           </a:p>
@@ -3602,7 +3602,7 @@
     </p:spTree>
     <p:extLst>
       <p:ext uri="{BB962C8B-B14F-4D97-AF65-F5344CB8AC3E}">
-        <p14:creationId xmlns:p14="http://schemas.microsoft.com/office/powerpoint/2010/main" val="2636172898"/>
+        <p14:creationId xmlns:p14="http://schemas.microsoft.com/office/powerpoint/2010/main" val="1181696355"/>
       </p:ext>
     </p:extLst>
   </p:cSld>
@@ -3658,7 +3658,23 @@
           <a:p>
             <a:r>
               <a:rPr lang="en-US" dirty="0"/>
-              <a:t>After SharePoint Framework package has been added to the App Catalog, let's look the process for granting permissions and how the SharePoint Framework ultimately submits requests to the Azure AD secured REST API.</a:t>
+              <a:t>The SharePoint Framework API simplifies the access token acquisition from SharePoint Online and Azure AD. The API uses the token to configure a special instance of the `</a:t>
+            </a:r>
+            <a:r>
+              <a:rPr lang="en-US" dirty="0" err="1"/>
+              <a:t>HttpClient</a:t>
+            </a:r>
+            <a:r>
+              <a:rPr lang="en-US" dirty="0"/>
+              <a:t>`, known as the `</a:t>
+            </a:r>
+            <a:r>
+              <a:rPr lang="en-US" dirty="0" err="1"/>
+              <a:t>AadHttpClient</a:t>
+            </a:r>
+            <a:r>
+              <a:rPr lang="en-US" dirty="0"/>
+              <a:t>`, you'll use to submit the request.</a:t>
             </a:r>
           </a:p>
           <a:p>
@@ -3667,7 +3683,15 @@
           <a:p>
             <a:r>
               <a:rPr lang="en-US" dirty="0"/>
-              <a:t>At the bottom of the figure above, the tenant administrator grants the permissions (also known as *scopes*), to the SharePoint Online tenant. This is done from the API Management page in the SharePoint Admin Center.</a:t>
+              <a:t>To do this, start by importing the `</a:t>
+            </a:r>
+            <a:r>
+              <a:rPr lang="en-US" dirty="0" err="1"/>
+              <a:t>AadHttpClient</a:t>
+            </a:r>
+            <a:r>
+              <a:rPr lang="en-US" dirty="0"/>
+              <a:t>` object into your TypeScript file:</a:t>
             </a:r>
           </a:p>
           <a:p>
@@ -3676,7 +3700,15 @@
           <a:p>
             <a:r>
               <a:rPr lang="en-US" dirty="0"/>
-              <a:t>Once the permission request is granted, the SharePoint Framework component will ask SharePoint Online for an access token for the specified resource. The SharePoint Online, in conjunction with Azure AD, will validate the permission for the specified resource has been granted to that SharePoint Online tenant and return an access token. The SharePoint Framework will then submit a request to the REST API and include the access token in the `authorization` HTTP request header.</a:t>
+              <a:t>Next, use the `</a:t>
+            </a:r>
+            <a:r>
+              <a:rPr lang="en-US" dirty="0" err="1"/>
+              <a:t>aadhttpClientFactory</a:t>
+            </a:r>
+            <a:r>
+              <a:rPr lang="en-US" dirty="0"/>
+              <a:t>` to request an HTTP client configured with the access token for the specified resource:</a:t>
             </a:r>
           </a:p>
           <a:p>
@@ -3685,7 +3717,15 @@
           <a:p>
             <a:r>
               <a:rPr lang="en-US" dirty="0"/>
-              <a:t>The Azure AD secured resource will verify the `authorization` HTTP request header before passing to the REST API. From this point, the HTTP request continues like normal, processing the request and sending the response back to the SharePoint Framework component.</a:t>
+              <a:t>Finally, use the configured client to call the secured REST API the same way you can use the `</a:t>
+            </a:r>
+            <a:r>
+              <a:rPr lang="en-US" dirty="0" err="1"/>
+              <a:t>HttpClient</a:t>
+            </a:r>
+            <a:r>
+              <a:rPr lang="en-US" dirty="0"/>
+              <a:t>`:</a:t>
             </a:r>
           </a:p>
           <a:p>
@@ -3787,7 +3827,7 @@
           <a:p>
             <a:fld id="{D18B56EA-E28F-4F92-9F16-7A6F2501B303}" type="datetime8">
               <a:rPr lang="en-US" smtClean="0"/>
-              <a:t>3/6/20 7:04 AM</a:t>
+              <a:t>8/29/2020 2:44 PM</a:t>
             </a:fld>
             <a:endParaRPr lang="en-US" dirty="0"/>
           </a:p>
@@ -3820,7 +3860,7 @@
     </p:spTree>
     <p:extLst>
       <p:ext uri="{BB962C8B-B14F-4D97-AF65-F5344CB8AC3E}">
-        <p14:creationId xmlns:p14="http://schemas.microsoft.com/office/powerpoint/2010/main" val="1181696355"/>
+        <p14:creationId xmlns:p14="http://schemas.microsoft.com/office/powerpoint/2010/main" val="2460019255"/>
       </p:ext>
     </p:extLst>
   </p:cSld>
@@ -16590,360 +16630,6 @@
       </p:grpSpPr>
       <p:sp>
         <p:nvSpPr>
-          <p:cNvPr id="2" name="Title 1">
-            <a:extLst>
-              <a:ext uri="{FF2B5EF4-FFF2-40B4-BE49-F238E27FC236}">
-                <a16:creationId xmlns:a16="http://schemas.microsoft.com/office/drawing/2014/main" id="{489F8FFE-7DAD-CC4C-8050-37A5A24D161C}"/>
-              </a:ext>
-            </a:extLst>
-          </p:cNvPr>
-          <p:cNvSpPr>
-            <a:spLocks noGrp="1"/>
-          </p:cNvSpPr>
-          <p:nvPr>
-            <p:ph type="title"/>
-          </p:nvPr>
-        </p:nvSpPr>
-        <p:spPr/>
-        <p:txBody>
-          <a:bodyPr/>
-          <a:lstStyle/>
-          <a:p>
-            <a:r>
-              <a:rPr lang="en-US" dirty="0"/>
-              <a:t>Using the Azure AD HTTP Client</a:t>
-            </a:r>
-          </a:p>
-        </p:txBody>
-      </p:sp>
-      <p:sp>
-        <p:nvSpPr>
-          <p:cNvPr id="3" name="Text Placeholder 2">
-            <a:extLst>
-              <a:ext uri="{FF2B5EF4-FFF2-40B4-BE49-F238E27FC236}">
-                <a16:creationId xmlns:a16="http://schemas.microsoft.com/office/drawing/2014/main" id="{E25E72ED-2D61-824A-83DB-C372BD4A28B5}"/>
-              </a:ext>
-            </a:extLst>
-          </p:cNvPr>
-          <p:cNvSpPr>
-            <a:spLocks noGrp="1"/>
-          </p:cNvSpPr>
-          <p:nvPr>
-            <p:ph type="body" sz="quarter" idx="10"/>
-          </p:nvPr>
-        </p:nvSpPr>
-        <p:spPr>
-          <a:xfrm>
-            <a:off x="464400" y="1178952"/>
-            <a:ext cx="11575200" cy="5078313"/>
-          </a:xfrm>
-        </p:spPr>
-        <p:txBody>
-          <a:bodyPr/>
-          <a:lstStyle/>
-          <a:p>
-            <a:r>
-              <a:rPr lang="en-US" sz="2000" dirty="0"/>
-              <a:t>import { </a:t>
-            </a:r>
-            <a:r>
-              <a:rPr lang="en-US" sz="2000" dirty="0" err="1">
-                <a:solidFill>
-                  <a:schemeClr val="accent1"/>
-                </a:solidFill>
-              </a:rPr>
-              <a:t>AadHttpClient</a:t>
-            </a:r>
-            <a:r>
-              <a:rPr lang="en-US" sz="2000" dirty="0"/>
-              <a:t>, </a:t>
-            </a:r>
-            <a:r>
-              <a:rPr lang="en-US" sz="2000" dirty="0" err="1"/>
-              <a:t>HttpClientResponse</a:t>
-            </a:r>
-            <a:r>
-              <a:rPr lang="en-US" sz="2000" dirty="0"/>
-              <a:t> } from '@</a:t>
-            </a:r>
-            <a:r>
-              <a:rPr lang="en-US" sz="2000" dirty="0" err="1"/>
-              <a:t>microsoft</a:t>
-            </a:r>
-            <a:r>
-              <a:rPr lang="en-US" sz="2000" dirty="0"/>
-              <a:t>/</a:t>
-            </a:r>
-            <a:r>
-              <a:rPr lang="en-US" sz="2000" dirty="0" err="1"/>
-              <a:t>sp</a:t>
-            </a:r>
-            <a:r>
-              <a:rPr lang="en-US" sz="2000" dirty="0"/>
-              <a:t>-http';</a:t>
-            </a:r>
-          </a:p>
-          <a:p>
-            <a:endParaRPr lang="en-US" sz="2000" dirty="0"/>
-          </a:p>
-          <a:p>
-            <a:r>
-              <a:rPr lang="en-US" sz="2000" dirty="0" err="1"/>
-              <a:t>this.context.</a:t>
-            </a:r>
-            <a:r>
-              <a:rPr lang="en-US" sz="2000" dirty="0" err="1">
-                <a:solidFill>
-                  <a:schemeClr val="accent1"/>
-                </a:solidFill>
-              </a:rPr>
-              <a:t>aadHttpClientFactory</a:t>
-            </a:r>
-            <a:endParaRPr lang="en-US" sz="2000" dirty="0">
-              <a:solidFill>
-                <a:schemeClr val="accent1"/>
-              </a:solidFill>
-            </a:endParaRPr>
-          </a:p>
-          <a:p>
-            <a:r>
-              <a:rPr lang="en-US" sz="2000" dirty="0"/>
-              <a:t>  </a:t>
-            </a:r>
-            <a:r>
-              <a:rPr lang="en-US" sz="2000" dirty="0">
-                <a:solidFill>
-                  <a:schemeClr val="accent1"/>
-                </a:solidFill>
-              </a:rPr>
-              <a:t>.</a:t>
-            </a:r>
-            <a:r>
-              <a:rPr lang="en-US" sz="2000" dirty="0" err="1">
-                <a:solidFill>
-                  <a:schemeClr val="accent1"/>
-                </a:solidFill>
-              </a:rPr>
-              <a:t>getClient</a:t>
-            </a:r>
-            <a:r>
-              <a:rPr lang="en-US" sz="2000" dirty="0">
-                <a:solidFill>
-                  <a:schemeClr val="accent1"/>
-                </a:solidFill>
-              </a:rPr>
-              <a:t>(“https://your-endpoint-</a:t>
-            </a:r>
-            <a:r>
-              <a:rPr lang="en-US" sz="2000" dirty="0" err="1">
-                <a:solidFill>
-                  <a:schemeClr val="accent1"/>
-                </a:solidFill>
-              </a:rPr>
-              <a:t>uri</a:t>
-            </a:r>
-            <a:r>
-              <a:rPr lang="en-US" sz="2000" dirty="0">
-                <a:solidFill>
-                  <a:schemeClr val="accent1"/>
-                </a:solidFill>
-              </a:rPr>
-              <a:t>”)</a:t>
-            </a:r>
-          </a:p>
-          <a:p>
-            <a:r>
-              <a:rPr lang="en-US" sz="2000" dirty="0"/>
-              <a:t>  .then((</a:t>
-            </a:r>
-            <a:r>
-              <a:rPr lang="en-US" sz="2000" dirty="0" err="1">
-                <a:solidFill>
-                  <a:schemeClr val="accent1"/>
-                </a:solidFill>
-              </a:rPr>
-              <a:t>aadClient</a:t>
-            </a:r>
-            <a:r>
-              <a:rPr lang="en-US" sz="2000" dirty="0">
-                <a:solidFill>
-                  <a:schemeClr val="accent1"/>
-                </a:solidFill>
-              </a:rPr>
-              <a:t>: </a:t>
-            </a:r>
-            <a:r>
-              <a:rPr lang="en-US" sz="2000" dirty="0" err="1">
-                <a:solidFill>
-                  <a:schemeClr val="accent1"/>
-                </a:solidFill>
-              </a:rPr>
-              <a:t>AadHttpClient</a:t>
-            </a:r>
-            <a:r>
-              <a:rPr lang="en-US" sz="2000" dirty="0"/>
-              <a:t>) =&gt; {</a:t>
-            </a:r>
-          </a:p>
-          <a:p>
-            <a:r>
-              <a:rPr lang="en-US" sz="2000" dirty="0"/>
-              <a:t>    const endpoint: string = “https://your-endpoint-</a:t>
-            </a:r>
-            <a:r>
-              <a:rPr lang="en-US" sz="2000" dirty="0" err="1"/>
-              <a:t>uri</a:t>
-            </a:r>
-            <a:r>
-              <a:rPr lang="en-US" sz="2000" dirty="0"/>
-              <a:t>/</a:t>
-            </a:r>
-            <a:r>
-              <a:rPr lang="en-US" sz="2000" dirty="0" err="1"/>
-              <a:t>api</a:t>
-            </a:r>
-            <a:r>
-              <a:rPr lang="en-US" sz="2000" dirty="0"/>
-              <a:t>”;</a:t>
-            </a:r>
-          </a:p>
-          <a:p>
-            <a:r>
-              <a:rPr lang="en-US" sz="2000" dirty="0">
-                <a:solidFill>
-                  <a:schemeClr val="accent1"/>
-                </a:solidFill>
-              </a:rPr>
-              <a:t>    </a:t>
-            </a:r>
-            <a:r>
-              <a:rPr lang="en-US" sz="2000" dirty="0" err="1">
-                <a:solidFill>
-                  <a:schemeClr val="accent1"/>
-                </a:solidFill>
-              </a:rPr>
-              <a:t>aadClient.get</a:t>
-            </a:r>
-            <a:r>
-              <a:rPr lang="en-US" sz="2000" dirty="0">
-                <a:solidFill>
-                  <a:schemeClr val="accent1"/>
-                </a:solidFill>
-              </a:rPr>
-              <a:t>(endpoint, AadHttpClient.configurations.v1)</a:t>
-            </a:r>
-          </a:p>
-          <a:p>
-            <a:r>
-              <a:rPr lang="en-US" sz="2000" dirty="0"/>
-              <a:t>      .then((</a:t>
-            </a:r>
-            <a:r>
-              <a:rPr lang="en-US" sz="2000" dirty="0" err="1"/>
-              <a:t>rawResponse</a:t>
-            </a:r>
-            <a:r>
-              <a:rPr lang="en-US" sz="2000" dirty="0"/>
-              <a:t>: </a:t>
-            </a:r>
-            <a:r>
-              <a:rPr lang="en-US" sz="2000" dirty="0" err="1"/>
-              <a:t>HttpClientResponse</a:t>
-            </a:r>
-            <a:r>
-              <a:rPr lang="en-US" sz="2000" dirty="0"/>
-              <a:t>) =&gt; {</a:t>
-            </a:r>
-          </a:p>
-          <a:p>
-            <a:r>
-              <a:rPr lang="en-US" sz="2000" dirty="0"/>
-              <a:t>        return </a:t>
-            </a:r>
-            <a:r>
-              <a:rPr lang="en-US" sz="2000" dirty="0" err="1"/>
-              <a:t>rawResponse.json</a:t>
-            </a:r>
-            <a:r>
-              <a:rPr lang="en-US" sz="2000" dirty="0"/>
-              <a:t>();</a:t>
-            </a:r>
-          </a:p>
-          <a:p>
-            <a:r>
-              <a:rPr lang="en-US" sz="2000" dirty="0"/>
-              <a:t>      })</a:t>
-            </a:r>
-          </a:p>
-          <a:p>
-            <a:r>
-              <a:rPr lang="en-US" sz="2000" dirty="0"/>
-              <a:t>      .then((</a:t>
-            </a:r>
-            <a:r>
-              <a:rPr lang="en-US" sz="2000" dirty="0" err="1"/>
-              <a:t>jsonResponse</a:t>
-            </a:r>
-            <a:r>
-              <a:rPr lang="en-US" sz="2000" dirty="0"/>
-              <a:t>: any) =&gt; {</a:t>
-            </a:r>
-          </a:p>
-          <a:p>
-            <a:r>
-              <a:rPr lang="en-US" sz="2000" dirty="0"/>
-              <a:t>        // work with result</a:t>
-            </a:r>
-          </a:p>
-          <a:p>
-            <a:r>
-              <a:rPr lang="en-US" sz="2000" dirty="0"/>
-              <a:t>      });</a:t>
-            </a:r>
-          </a:p>
-          <a:p>
-            <a:r>
-              <a:rPr lang="en-US" sz="2000" dirty="0"/>
-              <a:t>  });</a:t>
-            </a:r>
-          </a:p>
-        </p:txBody>
-      </p:sp>
-    </p:spTree>
-    <p:extLst>
-      <p:ext uri="{BB962C8B-B14F-4D97-AF65-F5344CB8AC3E}">
-        <p14:creationId xmlns:p14="http://schemas.microsoft.com/office/powerpoint/2010/main" val="481016818"/>
-      </p:ext>
-    </p:extLst>
-  </p:cSld>
-  <p:clrMapOvr>
-    <a:masterClrMapping/>
-  </p:clrMapOvr>
-  <p:transition>
-    <p:fade/>
-  </p:transition>
-</p:sld>
-</file>
-
-<file path=ppt/slides/slide11.xml><?xml version="1.0" encoding="utf-8"?>
-<p:sld xmlns:a="http://schemas.openxmlformats.org/drawingml/2006/main" xmlns:r="http://schemas.openxmlformats.org/officeDocument/2006/relationships" xmlns:p="http://schemas.openxmlformats.org/presentationml/2006/main">
-  <p:cSld>
-    <p:spTree>
-      <p:nvGrpSpPr>
-        <p:cNvPr id="1" name=""/>
-        <p:cNvGrpSpPr/>
-        <p:nvPr/>
-      </p:nvGrpSpPr>
-      <p:grpSpPr>
-        <a:xfrm>
-          <a:off x="0" y="0"/>
-          <a:ext cx="0" cy="0"/>
-          <a:chOff x="0" y="0"/>
-          <a:chExt cx="0" cy="0"/>
-        </a:xfrm>
-      </p:grpSpPr>
-      <p:sp>
-        <p:nvSpPr>
           <p:cNvPr id="8" name="Text Placeholder 7">
             <a:extLst>
               <a:ext uri="{FF2B5EF4-FFF2-40B4-BE49-F238E27FC236}">
@@ -17089,6 +16775,97 @@
 </p:sld>
 </file>
 
+<file path=ppt/slides/slide11.xml><?xml version="1.0" encoding="utf-8"?>
+<p:sld xmlns:a="http://schemas.openxmlformats.org/drawingml/2006/main" xmlns:r="http://schemas.openxmlformats.org/officeDocument/2006/relationships" xmlns:p="http://schemas.openxmlformats.org/presentationml/2006/main">
+  <p:cSld>
+    <p:spTree>
+      <p:nvGrpSpPr>
+        <p:cNvPr id="1" name=""/>
+        <p:cNvGrpSpPr/>
+        <p:nvPr/>
+      </p:nvGrpSpPr>
+      <p:grpSpPr>
+        <a:xfrm>
+          <a:off x="0" y="0"/>
+          <a:ext cx="0" cy="0"/>
+          <a:chOff x="0" y="0"/>
+          <a:chExt cx="0" cy="0"/>
+        </a:xfrm>
+      </p:grpSpPr>
+      <p:sp>
+        <p:nvSpPr>
+          <p:cNvPr id="2" name="Title 1">
+            <a:extLst>
+              <a:ext uri="{FF2B5EF4-FFF2-40B4-BE49-F238E27FC236}">
+                <a16:creationId xmlns:a16="http://schemas.microsoft.com/office/drawing/2014/main" id="{57876908-7459-8A43-87E4-1BEE3948D542}"/>
+              </a:ext>
+            </a:extLst>
+          </p:cNvPr>
+          <p:cNvSpPr>
+            <a:spLocks noGrp="1"/>
+          </p:cNvSpPr>
+          <p:nvPr>
+            <p:ph type="title"/>
+          </p:nvPr>
+        </p:nvSpPr>
+        <p:spPr/>
+        <p:txBody>
+          <a:bodyPr/>
+          <a:lstStyle/>
+          <a:p>
+            <a:r>
+              <a:rPr lang="en-US" dirty="0"/>
+              <a:t>Approve / Reject with SharePoint Online API Management Page</a:t>
+            </a:r>
+          </a:p>
+        </p:txBody>
+      </p:sp>
+      <p:pic>
+        <p:nvPicPr>
+          <p:cNvPr id="4" name="Picture 3" descr="A screenshot of a social media post&#10;&#10;Description automatically generated">
+            <a:extLst>
+              <a:ext uri="{FF2B5EF4-FFF2-40B4-BE49-F238E27FC236}">
+                <a16:creationId xmlns:a16="http://schemas.microsoft.com/office/drawing/2014/main" id="{9905DC46-D4CC-44D5-8E06-1E968949A7D9}"/>
+              </a:ext>
+            </a:extLst>
+          </p:cNvPr>
+          <p:cNvPicPr>
+            <a:picLocks noChangeAspect="1"/>
+          </p:cNvPicPr>
+          <p:nvPr/>
+        </p:nvPicPr>
+        <p:blipFill>
+          <a:blip r:embed="rId3"/>
+          <a:stretch>
+            <a:fillRect/>
+          </a:stretch>
+        </p:blipFill>
+        <p:spPr>
+          <a:xfrm>
+            <a:off x="473166" y="1237687"/>
+            <a:ext cx="11541215" cy="4519150"/>
+          </a:xfrm>
+          <a:prstGeom prst="rect">
+            <a:avLst/>
+          </a:prstGeom>
+        </p:spPr>
+      </p:pic>
+    </p:spTree>
+    <p:extLst>
+      <p:ext uri="{BB962C8B-B14F-4D97-AF65-F5344CB8AC3E}">
+        <p14:creationId xmlns:p14="http://schemas.microsoft.com/office/powerpoint/2010/main" val="896392242"/>
+      </p:ext>
+    </p:extLst>
+  </p:cSld>
+  <p:clrMapOvr>
+    <a:masterClrMapping/>
+  </p:clrMapOvr>
+  <p:transition>
+    <p:fade/>
+  </p:transition>
+</p:sld>
+</file>
+
 <file path=ppt/slides/slide12.xml><?xml version="1.0" encoding="utf-8"?>
 <p:sld xmlns:a="http://schemas.openxmlformats.org/drawingml/2006/main" xmlns:r="http://schemas.openxmlformats.org/officeDocument/2006/relationships" xmlns:p="http://schemas.openxmlformats.org/presentationml/2006/main">
   <p:cSld>
@@ -17136,10 +16913,10 @@
       </p:sp>
       <p:pic>
         <p:nvPicPr>
-          <p:cNvPr id="6" name="Picture 5">
+          <p:cNvPr id="4" name="Picture 3" descr="A screenshot of a social media post&#10;&#10;Description automatically generated">
             <a:extLst>
               <a:ext uri="{FF2B5EF4-FFF2-40B4-BE49-F238E27FC236}">
-                <a16:creationId xmlns:a16="http://schemas.microsoft.com/office/drawing/2014/main" id="{FEC618F4-F928-47D0-91A1-5DA784271CCC}"/>
+                <a16:creationId xmlns:a16="http://schemas.microsoft.com/office/drawing/2014/main" id="{F4C7B664-4747-4201-B361-7F06E9973526}"/>
               </a:ext>
             </a:extLst>
           </p:cNvPr>
@@ -17156,58 +16933,18 @@
         </p:blipFill>
         <p:spPr>
           <a:xfrm>
-            <a:off x="465137" y="1385455"/>
-            <a:ext cx="8091527" cy="4976291"/>
+            <a:off x="3747670" y="1449661"/>
+            <a:ext cx="4968121" cy="5125445"/>
           </a:xfrm>
           <a:prstGeom prst="rect">
             <a:avLst/>
           </a:prstGeom>
-          <a:ln>
-            <a:solidFill>
-              <a:schemeClr val="accent1"/>
-            </a:solidFill>
-          </a:ln>
-        </p:spPr>
-      </p:pic>
-      <p:pic>
-        <p:nvPicPr>
-          <p:cNvPr id="10" name="Picture 9">
-            <a:extLst>
-              <a:ext uri="{FF2B5EF4-FFF2-40B4-BE49-F238E27FC236}">
-                <a16:creationId xmlns:a16="http://schemas.microsoft.com/office/drawing/2014/main" id="{ABDBA5D7-5614-4ECD-B230-FF067C9DB518}"/>
-              </a:ext>
-            </a:extLst>
-          </p:cNvPr>
-          <p:cNvPicPr>
-            <a:picLocks noChangeAspect="1"/>
-          </p:cNvPicPr>
-          <p:nvPr/>
-        </p:nvPicPr>
-        <p:blipFill>
-          <a:blip r:embed="rId4"/>
-          <a:stretch>
-            <a:fillRect/>
-          </a:stretch>
-        </p:blipFill>
-        <p:spPr>
-          <a:xfrm>
-            <a:off x="8956928" y="1385455"/>
-            <a:ext cx="2270957" cy="4976291"/>
-          </a:xfrm>
-          <a:prstGeom prst="rect">
-            <a:avLst/>
-          </a:prstGeom>
-          <a:ln>
-            <a:solidFill>
-              <a:schemeClr val="accent1"/>
-            </a:solidFill>
-          </a:ln>
         </p:spPr>
       </p:pic>
     </p:spTree>
     <p:extLst>
       <p:ext uri="{BB962C8B-B14F-4D97-AF65-F5344CB8AC3E}">
-        <p14:creationId xmlns:p14="http://schemas.microsoft.com/office/powerpoint/2010/main" val="896392242"/>
+        <p14:creationId xmlns:p14="http://schemas.microsoft.com/office/powerpoint/2010/main" val="1632912546"/>
       </p:ext>
     </p:extLst>
   </p:cSld>
@@ -18686,10 +18423,10 @@
       </p:sp>
       <p:pic>
         <p:nvPicPr>
-          <p:cNvPr id="6" name="Picture 5">
+          <p:cNvPr id="3" name="Picture 2" descr="A screenshot of a cell phone&#10;&#10;Description automatically generated">
             <a:extLst>
               <a:ext uri="{FF2B5EF4-FFF2-40B4-BE49-F238E27FC236}">
-                <a16:creationId xmlns:a16="http://schemas.microsoft.com/office/drawing/2014/main" id="{5F6EFC5C-9B01-4055-937D-B64FCCB6DB53}"/>
+                <a16:creationId xmlns:a16="http://schemas.microsoft.com/office/drawing/2014/main" id="{A6698D77-4765-47B9-B396-0269E0D6E60D}"/>
               </a:ext>
             </a:extLst>
           </p:cNvPr>
@@ -18706,19 +18443,42 @@
         </p:blipFill>
         <p:spPr>
           <a:xfrm>
-            <a:off x="678656" y="1203514"/>
-            <a:ext cx="11079162" cy="5158232"/>
+            <a:off x="465138" y="1357697"/>
+            <a:ext cx="6052535" cy="3775957"/>
           </a:xfrm>
           <a:prstGeom prst="rect">
             <a:avLst/>
           </a:prstGeom>
-          <a:ln>
-            <a:solidFill>
-              <a:schemeClr val="bg1">
-                <a:lumMod val="75000"/>
-              </a:schemeClr>
-            </a:solidFill>
-          </a:ln>
+        </p:spPr>
+      </p:pic>
+      <p:pic>
+        <p:nvPicPr>
+          <p:cNvPr id="7" name="Picture 6" descr="A screenshot of a social media post&#10;&#10;Description automatically generated">
+            <a:extLst>
+              <a:ext uri="{FF2B5EF4-FFF2-40B4-BE49-F238E27FC236}">
+                <a16:creationId xmlns:a16="http://schemas.microsoft.com/office/drawing/2014/main" id="{C55A090F-603D-4E17-9597-CFA4E0D9A825}"/>
+              </a:ext>
+            </a:extLst>
+          </p:cNvPr>
+          <p:cNvPicPr>
+            <a:picLocks noChangeAspect="1"/>
+          </p:cNvPicPr>
+          <p:nvPr/>
+        </p:nvPicPr>
+        <p:blipFill>
+          <a:blip r:embed="rId4"/>
+          <a:stretch>
+            <a:fillRect/>
+          </a:stretch>
+        </p:blipFill>
+        <p:spPr>
+          <a:xfrm>
+            <a:off x="7068026" y="1357697"/>
+            <a:ext cx="4903311" cy="3775957"/>
+          </a:xfrm>
+          <a:prstGeom prst="rect">
+            <a:avLst/>
+          </a:prstGeom>
         </p:spPr>
       </p:pic>
     </p:spTree>
@@ -18756,10 +18516,10 @@
       </p:grpSpPr>
       <p:sp>
         <p:nvSpPr>
-          <p:cNvPr id="2" name="Title 1">
+          <p:cNvPr id="4" name="Text Placeholder 3">
             <a:extLst>
               <a:ext uri="{FF2B5EF4-FFF2-40B4-BE49-F238E27FC236}">
-                <a16:creationId xmlns:a16="http://schemas.microsoft.com/office/drawing/2014/main" id="{FEED1D49-9517-214A-8890-30DD67A9BC9C}"/>
+                <a16:creationId xmlns:a16="http://schemas.microsoft.com/office/drawing/2014/main" id="{700309C0-ABA8-6141-8AF3-F1EA8C83B997}"/>
               </a:ext>
             </a:extLst>
           </p:cNvPr>
@@ -18767,99 +18527,122 @@
             <a:spLocks noGrp="1"/>
           </p:cNvSpPr>
           <p:nvPr>
-            <p:ph type="title"/>
-          </p:nvPr>
-        </p:nvSpPr>
-        <p:spPr/>
+            <p:ph type="body" sz="quarter" idx="10"/>
+          </p:nvPr>
+        </p:nvSpPr>
+        <p:spPr>
+          <a:xfrm>
+            <a:off x="464400" y="1212850"/>
+            <a:ext cx="11574000" cy="3490186"/>
+          </a:xfrm>
+        </p:spPr>
         <p:txBody>
           <a:bodyPr/>
           <a:lstStyle/>
           <a:p>
             <a:r>
               <a:rPr lang="en-US" dirty="0"/>
-              <a:t>Securing Azure Functions</a:t>
-            </a:r>
-          </a:p>
-        </p:txBody>
-      </p:sp>
-      <p:pic>
-        <p:nvPicPr>
-          <p:cNvPr id="6" name="Picture 5">
+              <a:t>Permission requests to resources are granted to special SharePoint app by tenant admin</a:t>
+            </a:r>
+          </a:p>
+          <a:p>
+            <a:pPr lvl="1"/>
+            <a:r>
+              <a:rPr lang="en-US" b="1" dirty="0"/>
+              <a:t>SharePoint Online Client Extensibility Web Application Principal</a:t>
+            </a:r>
+          </a:p>
+          <a:p>
+            <a:pPr lvl="1"/>
+            <a:r>
+              <a:rPr lang="en-US" dirty="0"/>
+              <a:t>Present in each SharePoint Online tenant</a:t>
+            </a:r>
+          </a:p>
+          <a:p>
+            <a:endParaRPr lang="en-US" dirty="0"/>
+          </a:p>
+          <a:p>
+            <a:r>
+              <a:rPr lang="en-US" dirty="0"/>
+              <a:t>Permissions are unique to the tenant, not the </a:t>
+            </a:r>
+            <a:r>
+              <a:rPr lang="en-US" dirty="0" err="1"/>
+              <a:t>SPFx</a:t>
+            </a:r>
+            <a:r>
+              <a:rPr lang="en-US" dirty="0"/>
+              <a:t> solution</a:t>
+            </a:r>
+          </a:p>
+          <a:p>
+            <a:pPr lvl="1"/>
+            <a:r>
+              <a:rPr lang="en-US" dirty="0"/>
+              <a:t>Once a permission is granted, all solutions can leverage the grant</a:t>
+            </a:r>
+          </a:p>
+          <a:p>
+            <a:pPr lvl="1"/>
+            <a:r>
+              <a:rPr lang="en-US" dirty="0"/>
+              <a:t>Permission grant is valid until revoked</a:t>
+            </a:r>
+          </a:p>
+          <a:p>
+            <a:pPr lvl="1"/>
+            <a:r>
+              <a:rPr lang="en-US" dirty="0"/>
+              <a:t>Permission grant not directly linked to the solution that requested it</a:t>
+            </a:r>
+          </a:p>
+          <a:p>
+            <a:pPr lvl="1"/>
+            <a:r>
+              <a:rPr lang="en-US" dirty="0"/>
+              <a:t>Solution installation not linked to permission grant approval / rejection</a:t>
+            </a:r>
+          </a:p>
+        </p:txBody>
+      </p:sp>
+      <p:sp>
+        <p:nvSpPr>
+          <p:cNvPr id="3" name="Title 2">
             <a:extLst>
               <a:ext uri="{FF2B5EF4-FFF2-40B4-BE49-F238E27FC236}">
-                <a16:creationId xmlns:a16="http://schemas.microsoft.com/office/drawing/2014/main" id="{6F0F4026-AFCB-41D5-8E3D-53502AD81EA4}"/>
+                <a16:creationId xmlns:a16="http://schemas.microsoft.com/office/drawing/2014/main" id="{60F9604C-273C-DE43-A6FA-EFCAAA5AE0F3}"/>
               </a:ext>
             </a:extLst>
           </p:cNvPr>
-          <p:cNvPicPr>
-            <a:picLocks noChangeAspect="1"/>
-          </p:cNvPicPr>
-          <p:nvPr/>
-        </p:nvPicPr>
-        <p:blipFill>
-          <a:blip r:embed="rId3"/>
-          <a:stretch>
-            <a:fillRect/>
-          </a:stretch>
-        </p:blipFill>
-        <p:spPr>
-          <a:xfrm>
-            <a:off x="465138" y="1226049"/>
-            <a:ext cx="5173662" cy="5342675"/>
-          </a:xfrm>
-          <a:prstGeom prst="rect">
-            <a:avLst/>
-          </a:prstGeom>
-          <a:ln>
-            <a:solidFill>
-              <a:schemeClr val="bg1">
-                <a:lumMod val="75000"/>
-              </a:schemeClr>
-            </a:solidFill>
-          </a:ln>
-        </p:spPr>
-      </p:pic>
-      <p:pic>
-        <p:nvPicPr>
-          <p:cNvPr id="8" name="Picture 7">
-            <a:extLst>
-              <a:ext uri="{FF2B5EF4-FFF2-40B4-BE49-F238E27FC236}">
-                <a16:creationId xmlns:a16="http://schemas.microsoft.com/office/drawing/2014/main" id="{631C5CCD-5A2D-410D-9814-7A3A89150C3D}"/>
-              </a:ext>
-            </a:extLst>
-          </p:cNvPr>
-          <p:cNvPicPr>
-            <a:picLocks noChangeAspect="1"/>
-          </p:cNvPicPr>
-          <p:nvPr/>
-        </p:nvPicPr>
-        <p:blipFill>
-          <a:blip r:embed="rId4"/>
-          <a:stretch>
-            <a:fillRect/>
-          </a:stretch>
-        </p:blipFill>
-        <p:spPr>
-          <a:xfrm>
-            <a:off x="6218237" y="1226049"/>
-            <a:ext cx="4879924" cy="5342675"/>
-          </a:xfrm>
-          <a:prstGeom prst="rect">
-            <a:avLst/>
-          </a:prstGeom>
-          <a:ln>
-            <a:solidFill>
-              <a:schemeClr val="bg1">
-                <a:lumMod val="75000"/>
-              </a:schemeClr>
-            </a:solidFill>
-          </a:ln>
-        </p:spPr>
-      </p:pic>
+          <p:cNvSpPr>
+            <a:spLocks noGrp="1"/>
+          </p:cNvSpPr>
+          <p:nvPr>
+            <p:ph type="title"/>
+          </p:nvPr>
+        </p:nvSpPr>
+        <p:spPr/>
+        <p:txBody>
+          <a:bodyPr/>
+          <a:lstStyle/>
+          <a:p>
+            <a:r>
+              <a:rPr lang="en-US" dirty="0"/>
+              <a:t>Calling Azure AD Secured Resources from </a:t>
+            </a:r>
+            <a:r>
+              <a:rPr lang="en-US" dirty="0" err="1"/>
+              <a:t>SPFx</a:t>
+            </a:r>
+            <a:endParaRPr lang="en-US" dirty="0"/>
+          </a:p>
+        </p:txBody>
+      </p:sp>
     </p:spTree>
     <p:extLst>
       <p:ext uri="{BB962C8B-B14F-4D97-AF65-F5344CB8AC3E}">
-        <p14:creationId xmlns:p14="http://schemas.microsoft.com/office/powerpoint/2010/main" val="2512682315"/>
+        <p14:creationId xmlns:p14="http://schemas.microsoft.com/office/powerpoint/2010/main" val="109342457"/>
       </p:ext>
     </p:extLst>
   </p:cSld>
@@ -18891,10 +18674,10 @@
       </p:grpSpPr>
       <p:sp>
         <p:nvSpPr>
-          <p:cNvPr id="4" name="Text Placeholder 3">
+          <p:cNvPr id="2" name="Text Placeholder 1">
             <a:extLst>
               <a:ext uri="{FF2B5EF4-FFF2-40B4-BE49-F238E27FC236}">
-                <a16:creationId xmlns:a16="http://schemas.microsoft.com/office/drawing/2014/main" id="{700309C0-ABA8-6141-8AF3-F1EA8C83B997}"/>
+                <a16:creationId xmlns:a16="http://schemas.microsoft.com/office/drawing/2014/main" id="{ED66878A-F13B-0A43-AA8B-3BB29B462411}"/>
               </a:ext>
             </a:extLst>
           </p:cNvPr>
@@ -18908,7 +18691,7 @@
         <p:spPr>
           <a:xfrm>
             <a:off x="464400" y="1212850"/>
-            <a:ext cx="11574000" cy="3490186"/>
+            <a:ext cx="11574000" cy="3619452"/>
           </a:xfrm>
         </p:spPr>
         <p:txBody>
@@ -18917,66 +18700,59 @@
           <a:p>
             <a:r>
               <a:rPr lang="en-US" dirty="0"/>
-              <a:t>Permission requests to resources are granted to special SharePoint app by tenant admin</a:t>
-            </a:r>
-          </a:p>
-          <a:p>
-            <a:pPr lvl="1"/>
-            <a:r>
-              <a:rPr lang="en-US" b="1" dirty="0"/>
-              <a:t>SharePoint Online Client Extensibility Web Application Principal</a:t>
-            </a:r>
-          </a:p>
-          <a:p>
-            <a:pPr lvl="1"/>
-            <a:r>
-              <a:rPr lang="en-US" dirty="0"/>
-              <a:t>Present in each SharePoint Online tenant</a:t>
+              <a:t>Special SharePoint Online Azure AD app can be granted permissions to resources in multiple ways:</a:t>
             </a:r>
           </a:p>
           <a:p>
             <a:endParaRPr lang="en-US" dirty="0"/>
           </a:p>
           <a:p>
-            <a:r>
-              <a:rPr lang="en-US" dirty="0"/>
-              <a:t>Permissions are unique to the tenant, not the </a:t>
-            </a:r>
-            <a:r>
-              <a:rPr lang="en-US" dirty="0" err="1"/>
-              <a:t>SPFx</a:t>
-            </a:r>
-            <a:r>
-              <a:rPr lang="en-US" dirty="0"/>
-              <a:t> solution</a:t>
-            </a:r>
-          </a:p>
-          <a:p>
-            <a:pPr lvl="1"/>
-            <a:r>
-              <a:rPr lang="en-US" dirty="0"/>
-              <a:t>Once a permission is granted, all solutions can leverage the grant</a:t>
-            </a:r>
-          </a:p>
-          <a:p>
-            <a:pPr lvl="1"/>
-            <a:r>
-              <a:rPr lang="en-US" dirty="0"/>
-              <a:t>Permission grant is valid until revoked</a:t>
-            </a:r>
-          </a:p>
-          <a:p>
-            <a:pPr lvl="1"/>
-            <a:r>
-              <a:rPr lang="en-US" dirty="0"/>
-              <a:t>Permission grant not directly linked to the solution that requested it</a:t>
-            </a:r>
-          </a:p>
-          <a:p>
-            <a:pPr lvl="1"/>
-            <a:r>
-              <a:rPr lang="en-US" dirty="0"/>
-              <a:t>Solution installation not linked to permission grant approval / rejection</a:t>
+            <a:pPr marL="457200" indent="-457200">
+              <a:buFont typeface="+mj-lt"/>
+              <a:buAutoNum type="arabicPeriod"/>
+            </a:pPr>
+            <a:r>
+              <a:rPr lang="en-US" dirty="0"/>
+              <a:t>Defined within solution manifest – admin notified upon deployment to approve/reject</a:t>
+            </a:r>
+          </a:p>
+          <a:p>
+            <a:pPr marL="457200" indent="-457200">
+              <a:buFont typeface="+mj-lt"/>
+              <a:buAutoNum type="arabicPeriod"/>
+            </a:pPr>
+            <a:r>
+              <a:rPr lang="en-US" dirty="0"/>
+              <a:t>PowerShell</a:t>
+            </a:r>
+          </a:p>
+          <a:p>
+            <a:pPr marL="457200" indent="-457200">
+              <a:buFont typeface="+mj-lt"/>
+              <a:buAutoNum type="arabicPeriod"/>
+            </a:pPr>
+            <a:r>
+              <a:rPr lang="en-US" dirty="0"/>
+              <a:t>Office 365 CLI</a:t>
+            </a:r>
+          </a:p>
+          <a:p>
+            <a:endParaRPr lang="en-US" dirty="0"/>
+          </a:p>
+          <a:p>
+            <a:r>
+              <a:rPr lang="en-US" dirty="0"/>
+              <a:t>Ref: </a:t>
+            </a:r>
+            <a:r>
+              <a:rPr lang="en-US" dirty="0">
+                <a:hlinkClick r:id="rId3"/>
+              </a:rPr>
+              <a:t>https://docs.microsoft.com/sharepoint/dev/spfx/use-aadhttpclient</a:t>
+            </a:r>
+            <a:r>
+              <a:rPr lang="en-US" dirty="0"/>
+              <a:t> </a:t>
             </a:r>
           </a:p>
         </p:txBody>
@@ -18986,7 +18762,7 @@
           <p:cNvPr id="3" name="Title 2">
             <a:extLst>
               <a:ext uri="{FF2B5EF4-FFF2-40B4-BE49-F238E27FC236}">
-                <a16:creationId xmlns:a16="http://schemas.microsoft.com/office/drawing/2014/main" id="{60F9604C-273C-DE43-A6FA-EFCAAA5AE0F3}"/>
+                <a16:creationId xmlns:a16="http://schemas.microsoft.com/office/drawing/2014/main" id="{C60C27B9-6B39-6443-AF49-F5C6B2BF71BE}"/>
               </a:ext>
             </a:extLst>
           </p:cNvPr>
@@ -19004,20 +18780,15 @@
           <a:p>
             <a:r>
               <a:rPr lang="en-US" dirty="0"/>
-              <a:t>Calling Azure AD Secured Resources from </a:t>
-            </a:r>
-            <a:r>
-              <a:rPr lang="en-US" dirty="0" err="1"/>
-              <a:t>SPFx</a:t>
-            </a:r>
-            <a:endParaRPr lang="en-US" dirty="0"/>
+              <a:t>Granting Permissions to SharePoint Online</a:t>
+            </a:r>
           </a:p>
         </p:txBody>
       </p:sp>
     </p:spTree>
     <p:extLst>
       <p:ext uri="{BB962C8B-B14F-4D97-AF65-F5344CB8AC3E}">
-        <p14:creationId xmlns:p14="http://schemas.microsoft.com/office/powerpoint/2010/main" val="109342457"/>
+        <p14:creationId xmlns:p14="http://schemas.microsoft.com/office/powerpoint/2010/main" val="986270101"/>
       </p:ext>
     </p:extLst>
   </p:cSld>
@@ -19049,152 +18820,6 @@
       </p:grpSpPr>
       <p:sp>
         <p:nvSpPr>
-          <p:cNvPr id="2" name="Text Placeholder 1">
-            <a:extLst>
-              <a:ext uri="{FF2B5EF4-FFF2-40B4-BE49-F238E27FC236}">
-                <a16:creationId xmlns:a16="http://schemas.microsoft.com/office/drawing/2014/main" id="{ED66878A-F13B-0A43-AA8B-3BB29B462411}"/>
-              </a:ext>
-            </a:extLst>
-          </p:cNvPr>
-          <p:cNvSpPr>
-            <a:spLocks noGrp="1"/>
-          </p:cNvSpPr>
-          <p:nvPr>
-            <p:ph type="body" sz="quarter" idx="10"/>
-          </p:nvPr>
-        </p:nvSpPr>
-        <p:spPr>
-          <a:xfrm>
-            <a:off x="464400" y="1212850"/>
-            <a:ext cx="11574000" cy="3619452"/>
-          </a:xfrm>
-        </p:spPr>
-        <p:txBody>
-          <a:bodyPr/>
-          <a:lstStyle/>
-          <a:p>
-            <a:r>
-              <a:rPr lang="en-US" dirty="0"/>
-              <a:t>Special SharePoint Online Azure AD app can be granted permissions to resources in multiple ways:</a:t>
-            </a:r>
-          </a:p>
-          <a:p>
-            <a:endParaRPr lang="en-US" dirty="0"/>
-          </a:p>
-          <a:p>
-            <a:pPr marL="457200" indent="-457200">
-              <a:buFont typeface="+mj-lt"/>
-              <a:buAutoNum type="arabicPeriod"/>
-            </a:pPr>
-            <a:r>
-              <a:rPr lang="en-US" dirty="0"/>
-              <a:t>Defined within solution manifest – admin notified upon deployment to approve/reject</a:t>
-            </a:r>
-          </a:p>
-          <a:p>
-            <a:pPr marL="457200" indent="-457200">
-              <a:buFont typeface="+mj-lt"/>
-              <a:buAutoNum type="arabicPeriod"/>
-            </a:pPr>
-            <a:r>
-              <a:rPr lang="en-US" dirty="0"/>
-              <a:t>PowerShell</a:t>
-            </a:r>
-          </a:p>
-          <a:p>
-            <a:pPr marL="457200" indent="-457200">
-              <a:buFont typeface="+mj-lt"/>
-              <a:buAutoNum type="arabicPeriod"/>
-            </a:pPr>
-            <a:r>
-              <a:rPr lang="en-US" dirty="0"/>
-              <a:t>Office 365 CLI</a:t>
-            </a:r>
-          </a:p>
-          <a:p>
-            <a:endParaRPr lang="en-US" dirty="0"/>
-          </a:p>
-          <a:p>
-            <a:r>
-              <a:rPr lang="en-US" dirty="0"/>
-              <a:t>Ref: </a:t>
-            </a:r>
-            <a:r>
-              <a:rPr lang="en-US" dirty="0">
-                <a:hlinkClick r:id="rId3"/>
-              </a:rPr>
-              <a:t>https://docs.microsoft.com/sharepoint/dev/spfx/use-aadhttpclient</a:t>
-            </a:r>
-            <a:r>
-              <a:rPr lang="en-US" dirty="0"/>
-              <a:t> </a:t>
-            </a:r>
-          </a:p>
-        </p:txBody>
-      </p:sp>
-      <p:sp>
-        <p:nvSpPr>
-          <p:cNvPr id="3" name="Title 2">
-            <a:extLst>
-              <a:ext uri="{FF2B5EF4-FFF2-40B4-BE49-F238E27FC236}">
-                <a16:creationId xmlns:a16="http://schemas.microsoft.com/office/drawing/2014/main" id="{C60C27B9-6B39-6443-AF49-F5C6B2BF71BE}"/>
-              </a:ext>
-            </a:extLst>
-          </p:cNvPr>
-          <p:cNvSpPr>
-            <a:spLocks noGrp="1"/>
-          </p:cNvSpPr>
-          <p:nvPr>
-            <p:ph type="title"/>
-          </p:nvPr>
-        </p:nvSpPr>
-        <p:spPr/>
-        <p:txBody>
-          <a:bodyPr/>
-          <a:lstStyle/>
-          <a:p>
-            <a:r>
-              <a:rPr lang="en-US" dirty="0"/>
-              <a:t>Granting Permissions to SharePoint Online</a:t>
-            </a:r>
-          </a:p>
-        </p:txBody>
-      </p:sp>
-    </p:spTree>
-    <p:extLst>
-      <p:ext uri="{BB962C8B-B14F-4D97-AF65-F5344CB8AC3E}">
-        <p14:creationId xmlns:p14="http://schemas.microsoft.com/office/powerpoint/2010/main" val="986270101"/>
-      </p:ext>
-    </p:extLst>
-  </p:cSld>
-  <p:clrMapOvr>
-    <a:masterClrMapping/>
-  </p:clrMapOvr>
-  <p:transition>
-    <p:fade/>
-  </p:transition>
-</p:sld>
-</file>
-
-<file path=ppt/slides/slide8.xml><?xml version="1.0" encoding="utf-8"?>
-<p:sld xmlns:a="http://schemas.openxmlformats.org/drawingml/2006/main" xmlns:r="http://schemas.openxmlformats.org/officeDocument/2006/relationships" xmlns:p="http://schemas.openxmlformats.org/presentationml/2006/main">
-  <p:cSld>
-    <p:spTree>
-      <p:nvGrpSpPr>
-        <p:cNvPr id="1" name=""/>
-        <p:cNvGrpSpPr/>
-        <p:nvPr/>
-      </p:nvGrpSpPr>
-      <p:grpSpPr>
-        <a:xfrm>
-          <a:off x="0" y="0"/>
-          <a:ext cx="0" cy="0"/>
-          <a:chOff x="0" y="0"/>
-          <a:chExt cx="0" cy="0"/>
-        </a:xfrm>
-      </p:grpSpPr>
-      <p:sp>
-        <p:nvSpPr>
           <p:cNvPr id="3" name="Title 2">
             <a:extLst>
               <a:ext uri="{FF2B5EF4-FFF2-40B4-BE49-F238E27FC236}">
@@ -19507,7 +19132,7 @@
 </p:sld>
 </file>
 
-<file path=ppt/slides/slide9.xml><?xml version="1.0" encoding="utf-8"?>
+<file path=ppt/slides/slide8.xml><?xml version="1.0" encoding="utf-8"?>
 <p:sld xmlns:a="http://schemas.openxmlformats.org/drawingml/2006/main" xmlns:r="http://schemas.openxmlformats.org/officeDocument/2006/relationships" xmlns:p="http://schemas.openxmlformats.org/presentationml/2006/main">
   <p:cSld>
     <p:spTree>
@@ -19591,6 +19216,360 @@
     <p:extLst>
       <p:ext uri="{BB962C8B-B14F-4D97-AF65-F5344CB8AC3E}">
         <p14:creationId xmlns:p14="http://schemas.microsoft.com/office/powerpoint/2010/main" val="941083096"/>
+      </p:ext>
+    </p:extLst>
+  </p:cSld>
+  <p:clrMapOvr>
+    <a:masterClrMapping/>
+  </p:clrMapOvr>
+  <p:transition>
+    <p:fade/>
+  </p:transition>
+</p:sld>
+</file>
+
+<file path=ppt/slides/slide9.xml><?xml version="1.0" encoding="utf-8"?>
+<p:sld xmlns:a="http://schemas.openxmlformats.org/drawingml/2006/main" xmlns:r="http://schemas.openxmlformats.org/officeDocument/2006/relationships" xmlns:p="http://schemas.openxmlformats.org/presentationml/2006/main">
+  <p:cSld>
+    <p:spTree>
+      <p:nvGrpSpPr>
+        <p:cNvPr id="1" name=""/>
+        <p:cNvGrpSpPr/>
+        <p:nvPr/>
+      </p:nvGrpSpPr>
+      <p:grpSpPr>
+        <a:xfrm>
+          <a:off x="0" y="0"/>
+          <a:ext cx="0" cy="0"/>
+          <a:chOff x="0" y="0"/>
+          <a:chExt cx="0" cy="0"/>
+        </a:xfrm>
+      </p:grpSpPr>
+      <p:sp>
+        <p:nvSpPr>
+          <p:cNvPr id="2" name="Title 1">
+            <a:extLst>
+              <a:ext uri="{FF2B5EF4-FFF2-40B4-BE49-F238E27FC236}">
+                <a16:creationId xmlns:a16="http://schemas.microsoft.com/office/drawing/2014/main" id="{489F8FFE-7DAD-CC4C-8050-37A5A24D161C}"/>
+              </a:ext>
+            </a:extLst>
+          </p:cNvPr>
+          <p:cNvSpPr>
+            <a:spLocks noGrp="1"/>
+          </p:cNvSpPr>
+          <p:nvPr>
+            <p:ph type="title"/>
+          </p:nvPr>
+        </p:nvSpPr>
+        <p:spPr/>
+        <p:txBody>
+          <a:bodyPr/>
+          <a:lstStyle/>
+          <a:p>
+            <a:r>
+              <a:rPr lang="en-US" dirty="0"/>
+              <a:t>Using the Azure AD HTTP Client</a:t>
+            </a:r>
+          </a:p>
+        </p:txBody>
+      </p:sp>
+      <p:sp>
+        <p:nvSpPr>
+          <p:cNvPr id="3" name="Text Placeholder 2">
+            <a:extLst>
+              <a:ext uri="{FF2B5EF4-FFF2-40B4-BE49-F238E27FC236}">
+                <a16:creationId xmlns:a16="http://schemas.microsoft.com/office/drawing/2014/main" id="{E25E72ED-2D61-824A-83DB-C372BD4A28B5}"/>
+              </a:ext>
+            </a:extLst>
+          </p:cNvPr>
+          <p:cNvSpPr>
+            <a:spLocks noGrp="1"/>
+          </p:cNvSpPr>
+          <p:nvPr>
+            <p:ph type="body" sz="quarter" idx="10"/>
+          </p:nvPr>
+        </p:nvSpPr>
+        <p:spPr>
+          <a:xfrm>
+            <a:off x="464400" y="1178952"/>
+            <a:ext cx="11575200" cy="5078313"/>
+          </a:xfrm>
+        </p:spPr>
+        <p:txBody>
+          <a:bodyPr/>
+          <a:lstStyle/>
+          <a:p>
+            <a:r>
+              <a:rPr lang="en-US" sz="2000" dirty="0"/>
+              <a:t>import { </a:t>
+            </a:r>
+            <a:r>
+              <a:rPr lang="en-US" sz="2000" dirty="0" err="1">
+                <a:solidFill>
+                  <a:schemeClr val="accent1"/>
+                </a:solidFill>
+              </a:rPr>
+              <a:t>AadHttpClient</a:t>
+            </a:r>
+            <a:r>
+              <a:rPr lang="en-US" sz="2000" dirty="0"/>
+              <a:t>, </a:t>
+            </a:r>
+            <a:r>
+              <a:rPr lang="en-US" sz="2000" dirty="0" err="1"/>
+              <a:t>HttpClientResponse</a:t>
+            </a:r>
+            <a:r>
+              <a:rPr lang="en-US" sz="2000" dirty="0"/>
+              <a:t> } from '@</a:t>
+            </a:r>
+            <a:r>
+              <a:rPr lang="en-US" sz="2000" dirty="0" err="1"/>
+              <a:t>microsoft</a:t>
+            </a:r>
+            <a:r>
+              <a:rPr lang="en-US" sz="2000" dirty="0"/>
+              <a:t>/</a:t>
+            </a:r>
+            <a:r>
+              <a:rPr lang="en-US" sz="2000" dirty="0" err="1"/>
+              <a:t>sp</a:t>
+            </a:r>
+            <a:r>
+              <a:rPr lang="en-US" sz="2000" dirty="0"/>
+              <a:t>-http';</a:t>
+            </a:r>
+          </a:p>
+          <a:p>
+            <a:endParaRPr lang="en-US" sz="2000" dirty="0"/>
+          </a:p>
+          <a:p>
+            <a:r>
+              <a:rPr lang="en-US" sz="2000" dirty="0" err="1"/>
+              <a:t>this.context.</a:t>
+            </a:r>
+            <a:r>
+              <a:rPr lang="en-US" sz="2000" dirty="0" err="1">
+                <a:solidFill>
+                  <a:schemeClr val="accent1"/>
+                </a:solidFill>
+              </a:rPr>
+              <a:t>aadHttpClientFactory</a:t>
+            </a:r>
+            <a:endParaRPr lang="en-US" sz="2000" dirty="0">
+              <a:solidFill>
+                <a:schemeClr val="accent1"/>
+              </a:solidFill>
+            </a:endParaRPr>
+          </a:p>
+          <a:p>
+            <a:r>
+              <a:rPr lang="en-US" sz="2000" dirty="0"/>
+              <a:t>  </a:t>
+            </a:r>
+            <a:r>
+              <a:rPr lang="en-US" sz="2000" dirty="0">
+                <a:solidFill>
+                  <a:schemeClr val="accent1"/>
+                </a:solidFill>
+              </a:rPr>
+              <a:t>.</a:t>
+            </a:r>
+            <a:r>
+              <a:rPr lang="en-US" sz="2000" dirty="0" err="1">
+                <a:solidFill>
+                  <a:schemeClr val="accent1"/>
+                </a:solidFill>
+              </a:rPr>
+              <a:t>getClient</a:t>
+            </a:r>
+            <a:r>
+              <a:rPr lang="en-US" sz="2000" dirty="0">
+                <a:solidFill>
+                  <a:schemeClr val="accent1"/>
+                </a:solidFill>
+              </a:rPr>
+              <a:t>(“https://your-endpoint-</a:t>
+            </a:r>
+            <a:r>
+              <a:rPr lang="en-US" sz="2000" dirty="0" err="1">
+                <a:solidFill>
+                  <a:schemeClr val="accent1"/>
+                </a:solidFill>
+              </a:rPr>
+              <a:t>uri</a:t>
+            </a:r>
+            <a:r>
+              <a:rPr lang="en-US" sz="2000" dirty="0">
+                <a:solidFill>
+                  <a:schemeClr val="accent1"/>
+                </a:solidFill>
+              </a:rPr>
+              <a:t>”)</a:t>
+            </a:r>
+          </a:p>
+          <a:p>
+            <a:r>
+              <a:rPr lang="en-US" sz="2000" dirty="0"/>
+              <a:t>  .then((</a:t>
+            </a:r>
+            <a:r>
+              <a:rPr lang="en-US" sz="2000" dirty="0" err="1">
+                <a:solidFill>
+                  <a:schemeClr val="accent1"/>
+                </a:solidFill>
+              </a:rPr>
+              <a:t>aadClient</a:t>
+            </a:r>
+            <a:r>
+              <a:rPr lang="en-US" sz="2000" dirty="0">
+                <a:solidFill>
+                  <a:schemeClr val="accent1"/>
+                </a:solidFill>
+              </a:rPr>
+              <a:t>: </a:t>
+            </a:r>
+            <a:r>
+              <a:rPr lang="en-US" sz="2000" dirty="0" err="1">
+                <a:solidFill>
+                  <a:schemeClr val="accent1"/>
+                </a:solidFill>
+              </a:rPr>
+              <a:t>AadHttpClient</a:t>
+            </a:r>
+            <a:r>
+              <a:rPr lang="en-US" sz="2000" dirty="0"/>
+              <a:t>) =&gt; {</a:t>
+            </a:r>
+          </a:p>
+          <a:p>
+            <a:r>
+              <a:rPr lang="en-US" sz="2000" dirty="0"/>
+              <a:t>    const endpoint: string = “https://your-endpoint-</a:t>
+            </a:r>
+            <a:r>
+              <a:rPr lang="en-US" sz="2000" dirty="0" err="1"/>
+              <a:t>uri</a:t>
+            </a:r>
+            <a:r>
+              <a:rPr lang="en-US" sz="2000" dirty="0"/>
+              <a:t>/</a:t>
+            </a:r>
+            <a:r>
+              <a:rPr lang="en-US" sz="2000" dirty="0" err="1"/>
+              <a:t>api</a:t>
+            </a:r>
+            <a:r>
+              <a:rPr lang="en-US" sz="2000" dirty="0"/>
+              <a:t>”;</a:t>
+            </a:r>
+          </a:p>
+          <a:p>
+            <a:r>
+              <a:rPr lang="en-US" sz="2000" dirty="0">
+                <a:solidFill>
+                  <a:schemeClr val="accent1"/>
+                </a:solidFill>
+              </a:rPr>
+              <a:t>    </a:t>
+            </a:r>
+            <a:r>
+              <a:rPr lang="en-US" sz="2000" dirty="0" err="1">
+                <a:solidFill>
+                  <a:schemeClr val="accent1"/>
+                </a:solidFill>
+              </a:rPr>
+              <a:t>aadClient.get</a:t>
+            </a:r>
+            <a:r>
+              <a:rPr lang="en-US" sz="2000" dirty="0">
+                <a:solidFill>
+                  <a:schemeClr val="accent1"/>
+                </a:solidFill>
+              </a:rPr>
+              <a:t>(endpoint, AadHttpClient.configurations.v1)</a:t>
+            </a:r>
+          </a:p>
+          <a:p>
+            <a:r>
+              <a:rPr lang="en-US" sz="2000" dirty="0"/>
+              <a:t>      .then((</a:t>
+            </a:r>
+            <a:r>
+              <a:rPr lang="en-US" sz="2000" dirty="0" err="1"/>
+              <a:t>rawResponse</a:t>
+            </a:r>
+            <a:r>
+              <a:rPr lang="en-US" sz="2000" dirty="0"/>
+              <a:t>: </a:t>
+            </a:r>
+            <a:r>
+              <a:rPr lang="en-US" sz="2000" dirty="0" err="1"/>
+              <a:t>HttpClientResponse</a:t>
+            </a:r>
+            <a:r>
+              <a:rPr lang="en-US" sz="2000" dirty="0"/>
+              <a:t>) =&gt; {</a:t>
+            </a:r>
+          </a:p>
+          <a:p>
+            <a:r>
+              <a:rPr lang="en-US" sz="2000" dirty="0"/>
+              <a:t>        return </a:t>
+            </a:r>
+            <a:r>
+              <a:rPr lang="en-US" sz="2000" dirty="0" err="1"/>
+              <a:t>rawResponse.json</a:t>
+            </a:r>
+            <a:r>
+              <a:rPr lang="en-US" sz="2000" dirty="0"/>
+              <a:t>();</a:t>
+            </a:r>
+          </a:p>
+          <a:p>
+            <a:r>
+              <a:rPr lang="en-US" sz="2000" dirty="0"/>
+              <a:t>      })</a:t>
+            </a:r>
+          </a:p>
+          <a:p>
+            <a:r>
+              <a:rPr lang="en-US" sz="2000" dirty="0"/>
+              <a:t>      .then((</a:t>
+            </a:r>
+            <a:r>
+              <a:rPr lang="en-US" sz="2000" dirty="0" err="1"/>
+              <a:t>jsonResponse</a:t>
+            </a:r>
+            <a:r>
+              <a:rPr lang="en-US" sz="2000" dirty="0"/>
+              <a:t>: any) =&gt; {</a:t>
+            </a:r>
+          </a:p>
+          <a:p>
+            <a:r>
+              <a:rPr lang="en-US" sz="2000" dirty="0"/>
+              <a:t>        // work with result</a:t>
+            </a:r>
+          </a:p>
+          <a:p>
+            <a:r>
+              <a:rPr lang="en-US" sz="2000" dirty="0"/>
+              <a:t>      });</a:t>
+            </a:r>
+          </a:p>
+          <a:p>
+            <a:r>
+              <a:rPr lang="en-US" sz="2000" dirty="0"/>
+              <a:t>  });</a:t>
+            </a:r>
+          </a:p>
+        </p:txBody>
+      </p:sp>
+    </p:spTree>
+    <p:extLst>
+      <p:ext uri="{BB962C8B-B14F-4D97-AF65-F5344CB8AC3E}">
+        <p14:creationId xmlns:p14="http://schemas.microsoft.com/office/powerpoint/2010/main" val="481016818"/>
       </p:ext>
     </p:extLst>
   </p:cSld>

--- a/02 aadhttpclient.pptx
+++ b/02 aadhttpclient.pptx
@@ -274,7 +274,7 @@
               <a:rPr lang="en-US" smtClean="0">
                 <a:latin typeface="Segoe UI" pitchFamily="34" charset="0"/>
               </a:rPr>
-              <a:t>8/29/2020 2:44 PM</a:t>
+              <a:t>5/24/2021 8:03 AM</a:t>
             </a:fld>
             <a:endParaRPr lang="en-US" dirty="0">
               <a:latin typeface="Segoe UI" pitchFamily="34" charset="0"/>
@@ -571,7 +571,7 @@
           <a:p>
             <a:fld id="{D18B56EA-E28F-4F92-9F16-7A6F2501B303}" type="datetime8">
               <a:rPr lang="en-US" smtClean="0"/>
-              <a:t>8/29/2020 2:44 PM</a:t>
+              <a:t>5/24/2021 8:03 AM</a:t>
             </a:fld>
             <a:endParaRPr lang="en-US" dirty="0"/>
           </a:p>
@@ -954,7 +954,7 @@
           <a:p>
             <a:fld id="{D18B56EA-E28F-4F92-9F16-7A6F2501B303}" type="datetime8">
               <a:rPr lang="en-US" smtClean="0"/>
-              <a:t>8/29/2020 2:44 PM</a:t>
+              <a:t>5/24/2021 8:03 AM</a:t>
             </a:fld>
             <a:endParaRPr lang="en-US" dirty="0"/>
           </a:p>
@@ -1154,7 +1154,7 @@
           <a:p>
             <a:fld id="{D18B56EA-E28F-4F92-9F16-7A6F2501B303}" type="datetime8">
               <a:rPr lang="en-US" smtClean="0"/>
-              <a:t>8/29/2020 2:44 PM</a:t>
+              <a:t>5/24/2021 8:03 AM</a:t>
             </a:fld>
             <a:endParaRPr lang="en-US" dirty="0"/>
           </a:p>
@@ -1341,7 +1341,7 @@
           <a:p>
             <a:fld id="{D18B56EA-E28F-4F92-9F16-7A6F2501B303}" type="datetime8">
               <a:rPr lang="en-US" smtClean="0"/>
-              <a:t>8/29/2020 2:44 PM</a:t>
+              <a:t>5/24/2021 8:03 AM</a:t>
             </a:fld>
             <a:endParaRPr lang="en-US" dirty="0"/>
           </a:p>
@@ -1528,7 +1528,7 @@
           <a:p>
             <a:fld id="{D18B56EA-E28F-4F92-9F16-7A6F2501B303}" type="datetime8">
               <a:rPr lang="en-US" smtClean="0"/>
-              <a:t>8/29/2020 2:50 PM</a:t>
+              <a:t>5/24/2021 8:03 AM</a:t>
             </a:fld>
             <a:endParaRPr lang="en-US" dirty="0"/>
           </a:p>
@@ -1709,7 +1709,7 @@
           <a:p>
             <a:fld id="{D18B56EA-E28F-4F92-9F16-7A6F2501B303}" type="datetime8">
               <a:rPr lang="en-US" smtClean="0"/>
-              <a:t>8/29/2020 2:44 PM</a:t>
+              <a:t>5/24/2021 8:03 AM</a:t>
             </a:fld>
             <a:endParaRPr lang="en-US" dirty="0"/>
           </a:p>
@@ -1890,7 +1890,7 @@
           <a:p>
             <a:fld id="{D18B56EA-E28F-4F92-9F16-7A6F2501B303}" type="datetime8">
               <a:rPr lang="en-US" smtClean="0"/>
-              <a:t>8/29/2020 2:44 PM</a:t>
+              <a:t>5/24/2021 8:03 AM</a:t>
             </a:fld>
             <a:endParaRPr lang="en-US" dirty="0"/>
           </a:p>
@@ -2071,7 +2071,7 @@
           <a:p>
             <a:fld id="{D18B56EA-E28F-4F92-9F16-7A6F2501B303}" type="datetime8">
               <a:rPr lang="en-US" smtClean="0"/>
-              <a:t>8/29/2020 2:44 PM</a:t>
+              <a:t>5/24/2021 8:03 AM</a:t>
             </a:fld>
             <a:endParaRPr lang="en-US" dirty="0"/>
           </a:p>
@@ -2255,7 +2255,7 @@
           <a:p>
             <a:fld id="{D18B56EA-E28F-4F92-9F16-7A6F2501B303}" type="datetime8">
               <a:rPr lang="en-US" smtClean="0"/>
-              <a:t>8/29/2020 2:44 PM</a:t>
+              <a:t>5/24/2021 8:03 AM</a:t>
             </a:fld>
             <a:endParaRPr lang="en-US" dirty="0"/>
           </a:p>
@@ -2460,7 +2460,7 @@
           <a:p>
             <a:fld id="{D18B56EA-E28F-4F92-9F16-7A6F2501B303}" type="datetime8">
               <a:rPr lang="en-US" smtClean="0"/>
-              <a:t>8/29/2020 2:44 PM</a:t>
+              <a:t>5/24/2021 8:03 AM</a:t>
             </a:fld>
             <a:endParaRPr lang="en-US" dirty="0"/>
           </a:p>
@@ -2555,18 +2555,19 @@
                 <a:effectLst/>
                 <a:latin typeface="Consolas" panose="020B0609020204030204" pitchFamily="49" charset="0"/>
               </a:rPr>
-              <a:t>A common approach to implementing a REST API is to use Azure Functions. Securing an Azure Function with Azure AD is simple. In the left-hand navigation, select the </a:t>
-            </a:r>
-            <a:r>
-              <a:rPr lang="en-US" b="1" dirty="0">
-                <a:solidFill>
-                  <a:srgbClr val="000080"/>
-                </a:solidFill>
-                <a:effectLst/>
-                <a:latin typeface="Consolas" panose="020B0609020204030204" pitchFamily="49" charset="0"/>
-              </a:rPr>
-              <a:t>**Authentication / Authorization**</a:t>
-            </a:r>
+              <a:t>A common approach to implementing a REST API is to use Azure Functions. Securing an Azure Function with Azure AD is simple. In the left-hand navigation, select the **Authentication** menu item. </a:t>
+            </a:r>
+          </a:p>
+          <a:p>
+            <a:endParaRPr lang="en-US" b="0" dirty="0">
+              <a:solidFill>
+                <a:srgbClr val="000000"/>
+              </a:solidFill>
+              <a:effectLst/>
+              <a:latin typeface="Consolas" panose="020B0609020204030204" pitchFamily="49" charset="0"/>
+            </a:endParaRPr>
+          </a:p>
+          <a:p>
             <a:r>
               <a:rPr lang="en-US" b="0" dirty="0">
                 <a:solidFill>
@@ -2575,18 +2576,19 @@
                 <a:effectLst/>
                 <a:latin typeface="Consolas" panose="020B0609020204030204" pitchFamily="49" charset="0"/>
               </a:rPr>
-              <a:t> menu item. The </a:t>
-            </a:r>
-            <a:r>
-              <a:rPr lang="en-US" b="1" dirty="0">
-                <a:solidFill>
-                  <a:srgbClr val="000080"/>
-                </a:solidFill>
-                <a:effectLst/>
-                <a:latin typeface="Consolas" panose="020B0609020204030204" pitchFamily="49" charset="0"/>
-              </a:rPr>
-              <a:t>**Authentication / Authorization**</a:t>
-            </a:r>
+              <a:t>The **Authentication** blade supports authentication using different OAuth 2.0 providers, including Microsoft, Facebook, Google, and Twitter. After selecting **Microsoft**, you'll then either create a new Azure AD app or associate the Azure Function app with an existing Azure AD app.</a:t>
+            </a:r>
+          </a:p>
+          <a:p>
+            <a:endParaRPr lang="en-US" b="0" dirty="0">
+              <a:solidFill>
+                <a:srgbClr val="000000"/>
+              </a:solidFill>
+              <a:effectLst/>
+              <a:latin typeface="Consolas" panose="020B0609020204030204" pitchFamily="49" charset="0"/>
+            </a:endParaRPr>
+          </a:p>
+          <a:p>
             <a:r>
               <a:rPr lang="en-US" b="0" dirty="0">
                 <a:solidFill>
@@ -2595,28 +2597,8 @@
                 <a:effectLst/>
                 <a:latin typeface="Consolas" panose="020B0609020204030204" pitchFamily="49" charset="0"/>
               </a:rPr>
-              <a:t> blade supports authentication using different OAuth 2.0 providers, including Azure AD, Microsoft Accounts, Facebook, and Google.</a:t>
-            </a:r>
-          </a:p>
-          <a:p>
-            <a:endParaRPr lang="en-US" dirty="0"/>
-          </a:p>
-          <a:p>
-            <a:r>
-              <a:rPr lang="en-US" dirty="0"/>
-              <a:t>After enabling authentication and selecting **Azure AD**, you will then either create a new Azure AD app or associate the Azure Function app with an existing Azure AD app.</a:t>
-            </a:r>
-          </a:p>
-          <a:p>
-            <a:endParaRPr lang="en-US" dirty="0"/>
-          </a:p>
-          <a:p>
-            <a:r>
-              <a:rPr lang="en-US" dirty="0"/>
-              <a:t>By enabling Azure AD authentication and authentication on an Azure Function, Microsoft Azure will automatically check for a valid access token in the `authorization` HTTP request header in every request received. If the access token isn't present or not valid, the request is rejected. This verification check is done without you having to write any special code in your Azure Function.</a:t>
-            </a:r>
-          </a:p>
-          <a:p>
+              <a:t>By enabling Azure AD authentication on an Azure Function, Microsoft Azure will automatically check for a valid access token in the `authorization` HTTP request header in every request received. If the access token isn't present or not valid, the request is rejected. This verification check is done without you having to write any special code in your Azure Function.</a:t>
+            </a:r>
             <a:endParaRPr lang="en-US" dirty="0"/>
           </a:p>
           <a:p>
@@ -2718,7 +2700,7 @@
           <a:p>
             <a:fld id="{D18B56EA-E28F-4F92-9F16-7A6F2501B303}" type="datetime8">
               <a:rPr lang="en-US" smtClean="0"/>
-              <a:t>8/29/2020 2:44 PM</a:t>
+              <a:t>5/24/2021 8:03 AM</a:t>
             </a:fld>
             <a:endParaRPr lang="en-US" dirty="0"/>
           </a:p>
@@ -2927,7 +2909,7 @@
           <a:p>
             <a:fld id="{D18B56EA-E28F-4F92-9F16-7A6F2501B303}" type="datetime8">
               <a:rPr lang="en-US" smtClean="0"/>
-              <a:t>8/29/2020 2:44 PM</a:t>
+              <a:t>5/24/2021 8:03 AM</a:t>
             </a:fld>
             <a:endParaRPr lang="en-US" dirty="0"/>
           </a:p>
@@ -3139,7 +3121,7 @@
           <a:p>
             <a:fld id="{D18B56EA-E28F-4F92-9F16-7A6F2501B303}" type="datetime8">
               <a:rPr lang="en-US" smtClean="0"/>
-              <a:t>8/29/2020 2:44 PM</a:t>
+              <a:t>5/24/2021 8:03 AM</a:t>
             </a:fld>
             <a:endParaRPr lang="en-US" dirty="0"/>
           </a:p>
@@ -3351,7 +3333,7 @@
           <a:p>
             <a:fld id="{D18B56EA-E28F-4F92-9F16-7A6F2501B303}" type="datetime8">
               <a:rPr lang="en-US" smtClean="0"/>
-              <a:t>8/29/2020 2:44 PM</a:t>
+              <a:t>5/24/2021 8:03 AM</a:t>
             </a:fld>
             <a:endParaRPr lang="en-US" dirty="0"/>
           </a:p>
@@ -3569,7 +3551,7 @@
           <a:p>
             <a:fld id="{D18B56EA-E28F-4F92-9F16-7A6F2501B303}" type="datetime8">
               <a:rPr lang="en-US" smtClean="0"/>
-              <a:t>8/29/2020 2:44 PM</a:t>
+              <a:t>5/24/2021 8:03 AM</a:t>
             </a:fld>
             <a:endParaRPr lang="en-US" dirty="0"/>
           </a:p>
@@ -3827,7 +3809,7 @@
           <a:p>
             <a:fld id="{D18B56EA-E28F-4F92-9F16-7A6F2501B303}" type="datetime8">
               <a:rPr lang="en-US" smtClean="0"/>
-              <a:t>8/29/2020 2:44 PM</a:t>
+              <a:t>5/24/2021 8:03 AM</a:t>
             </a:fld>
             <a:endParaRPr lang="en-US" dirty="0"/>
           </a:p>
@@ -18393,40 +18375,12 @@
           <a:chExt cx="0" cy="0"/>
         </a:xfrm>
       </p:grpSpPr>
-      <p:sp>
-        <p:nvSpPr>
-          <p:cNvPr id="4" name="Title 3">
+      <p:pic>
+        <p:nvPicPr>
+          <p:cNvPr id="8" name="Picture 7" descr="Graphical user interface, text, application, email&#10;&#10;Description automatically generated">
             <a:extLst>
               <a:ext uri="{FF2B5EF4-FFF2-40B4-BE49-F238E27FC236}">
-                <a16:creationId xmlns:a16="http://schemas.microsoft.com/office/drawing/2014/main" id="{817463F5-31E8-6F4C-A6CC-F2B19B4BC6A6}"/>
-              </a:ext>
-            </a:extLst>
-          </p:cNvPr>
-          <p:cNvSpPr>
-            <a:spLocks noGrp="1"/>
-          </p:cNvSpPr>
-          <p:nvPr>
-            <p:ph type="title"/>
-          </p:nvPr>
-        </p:nvSpPr>
-        <p:spPr/>
-        <p:txBody>
-          <a:bodyPr/>
-          <a:lstStyle/>
-          <a:p>
-            <a:r>
-              <a:rPr lang="en-US" dirty="0"/>
-              <a:t>Securing Azure Functions</a:t>
-            </a:r>
-          </a:p>
-        </p:txBody>
-      </p:sp>
-      <p:pic>
-        <p:nvPicPr>
-          <p:cNvPr id="3" name="Picture 2" descr="A screenshot of a cell phone&#10;&#10;Description automatically generated">
-            <a:extLst>
-              <a:ext uri="{FF2B5EF4-FFF2-40B4-BE49-F238E27FC236}">
-                <a16:creationId xmlns:a16="http://schemas.microsoft.com/office/drawing/2014/main" id="{A6698D77-4765-47B9-B396-0269E0D6E60D}"/>
+                <a16:creationId xmlns:a16="http://schemas.microsoft.com/office/drawing/2014/main" id="{286D9D7C-195D-4A25-A0B5-6746649D5E8E}"/>
               </a:ext>
             </a:extLst>
           </p:cNvPr>
@@ -18443,20 +18397,48 @@
         </p:blipFill>
         <p:spPr>
           <a:xfrm>
-            <a:off x="465138" y="1357697"/>
-            <a:ext cx="6052535" cy="3775957"/>
+            <a:off x="7319566" y="413242"/>
+            <a:ext cx="4651771" cy="5948504"/>
           </a:xfrm>
           <a:prstGeom prst="rect">
             <a:avLst/>
           </a:prstGeom>
         </p:spPr>
       </p:pic>
+      <p:sp>
+        <p:nvSpPr>
+          <p:cNvPr id="4" name="Title 3">
+            <a:extLst>
+              <a:ext uri="{FF2B5EF4-FFF2-40B4-BE49-F238E27FC236}">
+                <a16:creationId xmlns:a16="http://schemas.microsoft.com/office/drawing/2014/main" id="{817463F5-31E8-6F4C-A6CC-F2B19B4BC6A6}"/>
+              </a:ext>
+            </a:extLst>
+          </p:cNvPr>
+          <p:cNvSpPr>
+            <a:spLocks noGrp="1"/>
+          </p:cNvSpPr>
+          <p:nvPr>
+            <p:ph type="title"/>
+          </p:nvPr>
+        </p:nvSpPr>
+        <p:spPr/>
+        <p:txBody>
+          <a:bodyPr/>
+          <a:lstStyle/>
+          <a:p>
+            <a:r>
+              <a:rPr lang="en-US" dirty="0"/>
+              <a:t>Securing Azure Functions</a:t>
+            </a:r>
+          </a:p>
+        </p:txBody>
+      </p:sp>
       <p:pic>
         <p:nvPicPr>
-          <p:cNvPr id="7" name="Picture 6" descr="A screenshot of a social media post&#10;&#10;Description automatically generated">
+          <p:cNvPr id="5" name="Picture 4" descr="Graphical user interface, text, application, email&#10;&#10;Description automatically generated">
             <a:extLst>
               <a:ext uri="{FF2B5EF4-FFF2-40B4-BE49-F238E27FC236}">
-                <a16:creationId xmlns:a16="http://schemas.microsoft.com/office/drawing/2014/main" id="{C55A090F-603D-4E17-9597-CFA4E0D9A825}"/>
+                <a16:creationId xmlns:a16="http://schemas.microsoft.com/office/drawing/2014/main" id="{3C44441E-C52B-4C27-8C61-A5F89D2F5F57}"/>
               </a:ext>
             </a:extLst>
           </p:cNvPr>
@@ -18473,8 +18455,8 @@
         </p:blipFill>
         <p:spPr>
           <a:xfrm>
-            <a:off x="7068026" y="1357697"/>
-            <a:ext cx="4903311" cy="3775957"/>
+            <a:off x="465138" y="1865556"/>
+            <a:ext cx="5898391" cy="4496190"/>
           </a:xfrm>
           <a:prstGeom prst="rect">
             <a:avLst/>

--- a/02 aadhttpclient.pptx
+++ b/02 aadhttpclient.pptx
@@ -274,7 +274,7 @@
               <a:rPr lang="en-US" smtClean="0">
                 <a:latin typeface="Segoe UI" pitchFamily="34" charset="0"/>
               </a:rPr>
-              <a:t>5/24/2021 8:03 AM</a:t>
+              <a:t>4/19/2022 10:36 AM</a:t>
             </a:fld>
             <a:endParaRPr lang="en-US" dirty="0">
               <a:latin typeface="Segoe UI" pitchFamily="34" charset="0"/>
@@ -571,7 +571,7 @@
           <a:p>
             <a:fld id="{D18B56EA-E28F-4F92-9F16-7A6F2501B303}" type="datetime8">
               <a:rPr lang="en-US" smtClean="0"/>
-              <a:t>5/24/2021 8:03 AM</a:t>
+              <a:t>4/19/2022 10:36 AM</a:t>
             </a:fld>
             <a:endParaRPr lang="en-US" dirty="0"/>
           </a:p>
@@ -954,7 +954,7 @@
           <a:p>
             <a:fld id="{D18B56EA-E28F-4F92-9F16-7A6F2501B303}" type="datetime8">
               <a:rPr lang="en-US" smtClean="0"/>
-              <a:t>5/24/2021 8:03 AM</a:t>
+              <a:t>4/19/2022 10:36 AM</a:t>
             </a:fld>
             <a:endParaRPr lang="en-US" dirty="0"/>
           </a:p>
@@ -1043,7 +1043,7 @@
           <a:p>
             <a:r>
               <a:rPr lang="en-US" dirty="0"/>
-              <a:t>When an administrator deploys the SharePoint Framework component to the tenant App Catalog, they're presented with an additional message in the trust dialog prompt:</a:t>
+              <a:t>When an administrator deploys the SharePoint Framework component to the tenant App Catalog, they're presented with information about API access requests in the Enable app panel:</a:t>
             </a:r>
           </a:p>
           <a:p>
@@ -1052,11 +1052,8 @@
           <a:p>
             <a:r>
               <a:rPr lang="en-US" dirty="0"/>
-              <a:t>This message instructs the administrator this solution contains permission requests that should be reviewed and approved or rejected. Recall that permissions are not tied to the SharePoint Framework package. Approving or rejecting the permissions is a separate step that must be performed in order for the SharePoint Framework component to work.</a:t>
-            </a:r>
-          </a:p>
-          <a:p>
-            <a:endParaRPr lang="en-US" dirty="0"/>
+              <a:t>This section of the panel lists the API access requests that should be reviewed and approved or rejected. Recall that API access requests aren't tied to the SharePoint Framework package. Approving or rejecting the API access requests is a separate step that must be done in order for the SharePoint Framework component to work.</a:t>
+            </a:r>
           </a:p>
         </p:txBody>
       </p:sp>
@@ -1154,7 +1151,7 @@
           <a:p>
             <a:fld id="{D18B56EA-E28F-4F92-9F16-7A6F2501B303}" type="datetime8">
               <a:rPr lang="en-US" smtClean="0"/>
-              <a:t>5/24/2021 8:03 AM</a:t>
+              <a:t>4/19/2022 10:36 AM</a:t>
             </a:fld>
             <a:endParaRPr lang="en-US" dirty="0"/>
           </a:p>
@@ -1243,11 +1240,8 @@
           <a:p>
             <a:r>
               <a:rPr lang="en-US" dirty="0"/>
-              <a:t>To approve or reject permission requests, navigate to the **API access** page in the **SharePoint Admin Center**. Here you'll find a list of permission requests pending approval or rejection.</a:t>
-            </a:r>
-          </a:p>
-          <a:p>
-            <a:endParaRPr lang="en-US" dirty="0"/>
+              <a:t>To approve or reject API access requests, navigate to the API access page in the SharePoint Admin Center. Here you'll find a list of API access requests pending approval or rejection:</a:t>
+            </a:r>
           </a:p>
         </p:txBody>
       </p:sp>
@@ -1341,7 +1335,7 @@
           <a:p>
             <a:fld id="{D18B56EA-E28F-4F92-9F16-7A6F2501B303}" type="datetime8">
               <a:rPr lang="en-US" smtClean="0"/>
-              <a:t>5/24/2021 8:03 AM</a:t>
+              <a:t>4/19/2022 10:36 AM</a:t>
             </a:fld>
             <a:endParaRPr lang="en-US" dirty="0"/>
           </a:p>
@@ -1430,11 +1424,8 @@
           <a:p>
             <a:r>
               <a:rPr lang="en-US" dirty="0"/>
-              <a:t>Select the permission request to view its details and use the buttons at the bottom of the panel to approve or reject the request:</a:t>
-            </a:r>
-          </a:p>
-          <a:p>
-            <a:endParaRPr lang="en-US" dirty="0"/>
+              <a:t>Select the API access request to view its details and use the buttons at the bottom of the panel to approve or reject the request:</a:t>
+            </a:r>
           </a:p>
         </p:txBody>
       </p:sp>
@@ -1528,7 +1519,7 @@
           <a:p>
             <a:fld id="{D18B56EA-E28F-4F92-9F16-7A6F2501B303}" type="datetime8">
               <a:rPr lang="en-US" smtClean="0"/>
-              <a:t>5/24/2021 8:03 AM</a:t>
+              <a:t>4/19/2022 10:36 AM</a:t>
             </a:fld>
             <a:endParaRPr lang="en-US" dirty="0"/>
           </a:p>
@@ -1709,7 +1700,7 @@
           <a:p>
             <a:fld id="{D18B56EA-E28F-4F92-9F16-7A6F2501B303}" type="datetime8">
               <a:rPr lang="en-US" smtClean="0"/>
-              <a:t>5/24/2021 8:03 AM</a:t>
+              <a:t>4/19/2022 10:36 AM</a:t>
             </a:fld>
             <a:endParaRPr lang="en-US" dirty="0"/>
           </a:p>
@@ -1890,7 +1881,7 @@
           <a:p>
             <a:fld id="{D18B56EA-E28F-4F92-9F16-7A6F2501B303}" type="datetime8">
               <a:rPr lang="en-US" smtClean="0"/>
-              <a:t>5/24/2021 8:03 AM</a:t>
+              <a:t>4/19/2022 10:36 AM</a:t>
             </a:fld>
             <a:endParaRPr lang="en-US" dirty="0"/>
           </a:p>
@@ -2071,7 +2062,7 @@
           <a:p>
             <a:fld id="{D18B56EA-E28F-4F92-9F16-7A6F2501B303}" type="datetime8">
               <a:rPr lang="en-US" smtClean="0"/>
-              <a:t>5/24/2021 8:03 AM</a:t>
+              <a:t>4/19/2022 10:36 AM</a:t>
             </a:fld>
             <a:endParaRPr lang="en-US" dirty="0"/>
           </a:p>
@@ -2255,7 +2246,7 @@
           <a:p>
             <a:fld id="{D18B56EA-E28F-4F92-9F16-7A6F2501B303}" type="datetime8">
               <a:rPr lang="en-US" smtClean="0"/>
-              <a:t>5/24/2021 8:03 AM</a:t>
+              <a:t>4/19/2022 10:36 AM</a:t>
             </a:fld>
             <a:endParaRPr lang="en-US" dirty="0"/>
           </a:p>
@@ -2460,7 +2451,7 @@
           <a:p>
             <a:fld id="{D18B56EA-E28F-4F92-9F16-7A6F2501B303}" type="datetime8">
               <a:rPr lang="en-US" smtClean="0"/>
-              <a:t>5/24/2021 8:03 AM</a:t>
+              <a:t>4/19/2022 10:36 AM</a:t>
             </a:fld>
             <a:endParaRPr lang="en-US" dirty="0"/>
           </a:p>
@@ -2700,7 +2691,7 @@
           <a:p>
             <a:fld id="{D18B56EA-E28F-4F92-9F16-7A6F2501B303}" type="datetime8">
               <a:rPr lang="en-US" smtClean="0"/>
-              <a:t>5/24/2021 8:03 AM</a:t>
+              <a:t>4/19/2022 10:36 AM</a:t>
             </a:fld>
             <a:endParaRPr lang="en-US" dirty="0"/>
           </a:p>
@@ -2909,7 +2900,7 @@
           <a:p>
             <a:fld id="{D18B56EA-E28F-4F92-9F16-7A6F2501B303}" type="datetime8">
               <a:rPr lang="en-US" smtClean="0"/>
-              <a:t>5/24/2021 8:03 AM</a:t>
+              <a:t>4/19/2022 10:36 AM</a:t>
             </a:fld>
             <a:endParaRPr lang="en-US" dirty="0"/>
           </a:p>
@@ -3121,7 +3112,7 @@
           <a:p>
             <a:fld id="{D18B56EA-E28F-4F92-9F16-7A6F2501B303}" type="datetime8">
               <a:rPr lang="en-US" smtClean="0"/>
-              <a:t>5/24/2021 8:03 AM</a:t>
+              <a:t>4/19/2022 10:36 AM</a:t>
             </a:fld>
             <a:endParaRPr lang="en-US" dirty="0"/>
           </a:p>
@@ -3333,7 +3324,7 @@
           <a:p>
             <a:fld id="{D18B56EA-E28F-4F92-9F16-7A6F2501B303}" type="datetime8">
               <a:rPr lang="en-US" smtClean="0"/>
-              <a:t>5/24/2021 8:03 AM</a:t>
+              <a:t>4/19/2022 10:36 AM</a:t>
             </a:fld>
             <a:endParaRPr lang="en-US" dirty="0"/>
           </a:p>
@@ -3551,7 +3542,7 @@
           <a:p>
             <a:fld id="{D18B56EA-E28F-4F92-9F16-7A6F2501B303}" type="datetime8">
               <a:rPr lang="en-US" smtClean="0"/>
-              <a:t>5/24/2021 8:03 AM</a:t>
+              <a:t>4/19/2022 10:36 AM</a:t>
             </a:fld>
             <a:endParaRPr lang="en-US" dirty="0"/>
           </a:p>
@@ -3809,7 +3800,7 @@
           <a:p>
             <a:fld id="{D18B56EA-E28F-4F92-9F16-7A6F2501B303}" type="datetime8">
               <a:rPr lang="en-US" smtClean="0"/>
-              <a:t>5/24/2021 8:03 AM</a:t>
+              <a:t>4/19/2022 10:36 AM</a:t>
             </a:fld>
             <a:endParaRPr lang="en-US" dirty="0"/>
           </a:p>
@@ -16626,7 +16617,12 @@
             <p:ph type="body" sz="quarter" idx="10"/>
           </p:nvPr>
         </p:nvSpPr>
-        <p:spPr/>
+        <p:spPr>
+          <a:xfrm>
+            <a:off x="464400" y="1212850"/>
+            <a:ext cx="7244938" cy="2280624"/>
+          </a:xfrm>
+        </p:spPr>
         <p:txBody>
           <a:bodyPr/>
           <a:lstStyle/>
@@ -16643,35 +16639,21 @@
             <a:pPr lvl="1"/>
             <a:r>
               <a:rPr lang="en-US" dirty="0"/>
-              <a:t>Extra note in dialog notifies of additional step required</a:t>
+              <a:t>Enable app panel contains information about API access (permission) requests</a:t>
             </a:r>
           </a:p>
           <a:p>
             <a:pPr lvl="1"/>
             <a:r>
               <a:rPr lang="en-US" dirty="0"/>
-              <a:t>While application can be installed </a:t>
+              <a:t>While application can be installed in SharePoint sites, it does not </a:t>
             </a:r>
             <a:br>
               <a:rPr lang="en-US" dirty="0"/>
             </a:br>
             <a:r>
               <a:rPr lang="en-US" dirty="0"/>
-              <a:t>in SharePoint sites, it does not </a:t>
-            </a:r>
-            <a:br>
-              <a:rPr lang="en-US" dirty="0"/>
-            </a:br>
-            <a:r>
-              <a:rPr lang="en-US" dirty="0"/>
-              <a:t>have the permissions granted </a:t>
-            </a:r>
-            <a:br>
-              <a:rPr lang="en-US" dirty="0"/>
-            </a:br>
-            <a:r>
-              <a:rPr lang="en-US" dirty="0"/>
-              <a:t>that it needs to access Azure AD </a:t>
+              <a:t>have the permissions granted that it needs to access Azure AD </a:t>
             </a:r>
             <a:br>
               <a:rPr lang="en-US" dirty="0"/>
@@ -16713,10 +16695,10 @@
       </p:sp>
       <p:pic>
         <p:nvPicPr>
-          <p:cNvPr id="3" name="Picture 2" descr="A screenshot of a cell phone&#10;&#10;Description automatically generated">
+          <p:cNvPr id="4" name="Picture 3" descr="Graphical user interface, text, application&#10;&#10;Description automatically generated">
             <a:extLst>
               <a:ext uri="{FF2B5EF4-FFF2-40B4-BE49-F238E27FC236}">
-                <a16:creationId xmlns:a16="http://schemas.microsoft.com/office/drawing/2014/main" id="{41055624-2E08-0241-8C6F-661E07F80B76}"/>
+                <a16:creationId xmlns:a16="http://schemas.microsoft.com/office/drawing/2014/main" id="{41424B69-F85B-4828-992E-987A95423CDA}"/>
               </a:ext>
             </a:extLst>
           </p:cNvPr>
@@ -16733,8 +16715,8 @@
         </p:blipFill>
         <p:spPr>
           <a:xfrm>
-            <a:off x="5081047" y="2711885"/>
-            <a:ext cx="5930720" cy="3798224"/>
+            <a:off x="8008913" y="1212850"/>
+            <a:ext cx="3963162" cy="5029394"/>
           </a:xfrm>
           <a:prstGeom prst="rect">
             <a:avLst/>

--- a/02 aadhttpclient.pptx
+++ b/02 aadhttpclient.pptx
@@ -5,10 +5,10 @@
     <p:sldMasterId id="2147484229" r:id="rId2"/>
   </p:sldMasterIdLst>
   <p:notesMasterIdLst>
-    <p:notesMasterId r:id="rId19"/>
+    <p:notesMasterId r:id="rId20"/>
   </p:notesMasterIdLst>
   <p:handoutMasterIdLst>
-    <p:handoutMasterId r:id="rId20"/>
+    <p:handoutMasterId r:id="rId21"/>
   </p:handoutMasterIdLst>
   <p:sldIdLst>
     <p:sldId id="1575" r:id="rId3"/>
@@ -20,13 +20,14 @@
     <p:sldId id="1702" r:id="rId9"/>
     <p:sldId id="1711" r:id="rId10"/>
     <p:sldId id="1706" r:id="rId11"/>
-    <p:sldId id="1703" r:id="rId12"/>
-    <p:sldId id="1704" r:id="rId13"/>
-    <p:sldId id="1717" r:id="rId14"/>
-    <p:sldId id="1713" r:id="rId15"/>
-    <p:sldId id="1714" r:id="rId16"/>
-    <p:sldId id="1715" r:id="rId17"/>
-    <p:sldId id="1716" r:id="rId18"/>
+    <p:sldId id="1718" r:id="rId12"/>
+    <p:sldId id="1703" r:id="rId13"/>
+    <p:sldId id="1704" r:id="rId14"/>
+    <p:sldId id="1717" r:id="rId15"/>
+    <p:sldId id="1713" r:id="rId16"/>
+    <p:sldId id="1714" r:id="rId17"/>
+    <p:sldId id="1715" r:id="rId18"/>
+    <p:sldId id="1716" r:id="rId19"/>
   </p:sldIdLst>
   <p:sldSz cx="12436475" cy="6994525"/>
   <p:notesSz cx="6858000" cy="9144000"/>
@@ -143,6 +144,7 @@
             <p14:sldId id="1702"/>
             <p14:sldId id="1711"/>
             <p14:sldId id="1706"/>
+            <p14:sldId id="1718"/>
             <p14:sldId id="1703"/>
             <p14:sldId id="1704"/>
             <p14:sldId id="1717"/>
@@ -274,7 +276,7 @@
               <a:rPr lang="en-US" smtClean="0">
                 <a:latin typeface="Segoe UI" pitchFamily="34" charset="0"/>
               </a:rPr>
-              <a:t>4/19/2022 10:36 AM</a:t>
+              <a:t>8/25/2022 9:01 PM</a:t>
             </a:fld>
             <a:endParaRPr lang="en-US" dirty="0">
               <a:latin typeface="Segoe UI" pitchFamily="34" charset="0"/>
@@ -571,7 +573,7 @@
           <a:p>
             <a:fld id="{D18B56EA-E28F-4F92-9F16-7A6F2501B303}" type="datetime8">
               <a:rPr lang="en-US" smtClean="0"/>
-              <a:t>4/19/2022 10:36 AM</a:t>
+              <a:t>8/25/2022 9:01 PM</a:t>
             </a:fld>
             <a:endParaRPr lang="en-US" dirty="0"/>
           </a:p>
@@ -954,7 +956,7 @@
           <a:p>
             <a:fld id="{D18B56EA-E28F-4F92-9F16-7A6F2501B303}" type="datetime8">
               <a:rPr lang="en-US" smtClean="0"/>
-              <a:t>4/19/2022 10:36 AM</a:t>
+              <a:t>8/25/2022 9:01 PM</a:t>
             </a:fld>
             <a:endParaRPr lang="en-US" dirty="0"/>
           </a:p>
@@ -1041,19 +1043,7 @@
           <a:bodyPr/>
           <a:lstStyle/>
           <a:p>
-            <a:r>
-              <a:rPr lang="en-US" dirty="0"/>
-              <a:t>When an administrator deploys the SharePoint Framework component to the tenant App Catalog, they're presented with information about API access requests in the Enable app panel:</a:t>
-            </a:r>
-          </a:p>
-          <a:p>
             <a:endParaRPr lang="en-US" dirty="0"/>
-          </a:p>
-          <a:p>
-            <a:r>
-              <a:rPr lang="en-US" dirty="0"/>
-              <a:t>This section of the panel lists the API access requests that should be reviewed and approved or rejected. Recall that API access requests aren't tied to the SharePoint Framework package. Approving or rejecting the API access requests is a separate step that must be done in order for the SharePoint Framework component to work.</a:t>
-            </a:r>
           </a:p>
         </p:txBody>
       </p:sp>
@@ -1151,7 +1141,7 @@
           <a:p>
             <a:fld id="{D18B56EA-E28F-4F92-9F16-7A6F2501B303}" type="datetime8">
               <a:rPr lang="en-US" smtClean="0"/>
-              <a:t>4/19/2022 10:36 AM</a:t>
+              <a:t>8/25/2022 9:03 PM</a:t>
             </a:fld>
             <a:endParaRPr lang="en-US" dirty="0"/>
           </a:p>
@@ -1184,7 +1174,7 @@
     </p:spTree>
     <p:extLst>
       <p:ext uri="{BB962C8B-B14F-4D97-AF65-F5344CB8AC3E}">
-        <p14:creationId xmlns:p14="http://schemas.microsoft.com/office/powerpoint/2010/main" val="2904150330"/>
+        <p14:creationId xmlns:p14="http://schemas.microsoft.com/office/powerpoint/2010/main" val="3942650315"/>
       </p:ext>
     </p:extLst>
   </p:cSld>
@@ -1240,7 +1230,16 @@
           <a:p>
             <a:r>
               <a:rPr lang="en-US" dirty="0"/>
-              <a:t>To approve or reject API access requests, navigate to the API access page in the SharePoint Admin Center. Here you'll find a list of API access requests pending approval or rejection:</a:t>
+              <a:t>When an administrator deploys the SharePoint Framework component to the tenant App Catalog, they're presented with information about API access requests in the Enable app panel:</a:t>
+            </a:r>
+          </a:p>
+          <a:p>
+            <a:endParaRPr lang="en-US" dirty="0"/>
+          </a:p>
+          <a:p>
+            <a:r>
+              <a:rPr lang="en-US" dirty="0"/>
+              <a:t>This section of the panel lists the API access requests that should be reviewed and approved or rejected. Recall that API access requests aren't tied to the SharePoint Framework package. Approving or rejecting the API access requests is a separate step that must be done in order for the SharePoint Framework component to work.</a:t>
             </a:r>
           </a:p>
         </p:txBody>
@@ -1260,6 +1259,10 @@
           <a:bodyPr/>
           <a:lstStyle/>
           <a:p>
+            <a:r>
+              <a:rPr lang="en-US"/>
+              <a:t>SharePoint Framework</a:t>
+            </a:r>
             <a:endParaRPr lang="en-US" dirty="0"/>
           </a:p>
         </p:txBody>
@@ -1335,7 +1338,7 @@
           <a:p>
             <a:fld id="{D18B56EA-E28F-4F92-9F16-7A6F2501B303}" type="datetime8">
               <a:rPr lang="en-US" smtClean="0"/>
-              <a:t>4/19/2022 10:36 AM</a:t>
+              <a:t>8/25/2022 9:01 PM</a:t>
             </a:fld>
             <a:endParaRPr lang="en-US" dirty="0"/>
           </a:p>
@@ -1368,7 +1371,7 @@
     </p:spTree>
     <p:extLst>
       <p:ext uri="{BB962C8B-B14F-4D97-AF65-F5344CB8AC3E}">
-        <p14:creationId xmlns:p14="http://schemas.microsoft.com/office/powerpoint/2010/main" val="1784564579"/>
+        <p14:creationId xmlns:p14="http://schemas.microsoft.com/office/powerpoint/2010/main" val="2904150330"/>
       </p:ext>
     </p:extLst>
   </p:cSld>
@@ -1424,7 +1427,7 @@
           <a:p>
             <a:r>
               <a:rPr lang="en-US" dirty="0"/>
-              <a:t>Select the API access request to view its details and use the buttons at the bottom of the panel to approve or reject the request:</a:t>
+              <a:t>To approve or reject API access requests, navigate to the API access page in the SharePoint Admin Center. Here you'll find a list of API access requests pending approval or rejection:</a:t>
             </a:r>
           </a:p>
         </p:txBody>
@@ -1519,7 +1522,7 @@
           <a:p>
             <a:fld id="{D18B56EA-E28F-4F92-9F16-7A6F2501B303}" type="datetime8">
               <a:rPr lang="en-US" smtClean="0"/>
-              <a:t>4/19/2022 10:36 AM</a:t>
+              <a:t>8/25/2022 9:01 PM</a:t>
             </a:fld>
             <a:endParaRPr lang="en-US" dirty="0"/>
           </a:p>
@@ -1552,7 +1555,7 @@
     </p:spTree>
     <p:extLst>
       <p:ext uri="{BB962C8B-B14F-4D97-AF65-F5344CB8AC3E}">
-        <p14:creationId xmlns:p14="http://schemas.microsoft.com/office/powerpoint/2010/main" val="3594181689"/>
+        <p14:creationId xmlns:p14="http://schemas.microsoft.com/office/powerpoint/2010/main" val="1784564579"/>
       </p:ext>
     </p:extLst>
   </p:cSld>
@@ -1606,7 +1609,10 @@
           <a:bodyPr/>
           <a:lstStyle/>
           <a:p>
-            <a:endParaRPr lang="en-US" dirty="0"/>
+            <a:r>
+              <a:rPr lang="en-US" dirty="0"/>
+              <a:t>Select the API access request to view its details and use the buttons at the bottom of the panel to approve or reject the request:</a:t>
+            </a:r>
           </a:p>
         </p:txBody>
       </p:sp>
@@ -1617,7 +1623,7 @@
             <a:spLocks noGrp="1"/>
           </p:cNvSpPr>
           <p:nvPr>
-            <p:ph type="hdr" sz="quarter" idx="10"/>
+            <p:ph type="hdr" sz="quarter"/>
           </p:nvPr>
         </p:nvSpPr>
         <p:spPr/>
@@ -1636,7 +1642,7 @@
             <a:spLocks noGrp="1"/>
           </p:cNvSpPr>
           <p:nvPr>
-            <p:ph type="ftr" sz="quarter" idx="11"/>
+            <p:ph type="ftr" sz="quarter" idx="4"/>
           </p:nvPr>
         </p:nvSpPr>
         <p:spPr/>
@@ -1690,7 +1696,7 @@
             <a:spLocks noGrp="1"/>
           </p:cNvSpPr>
           <p:nvPr>
-            <p:ph type="dt" idx="12"/>
+            <p:ph type="dt" idx="1"/>
           </p:nvPr>
         </p:nvSpPr>
         <p:spPr/>
@@ -1700,7 +1706,7 @@
           <a:p>
             <a:fld id="{D18B56EA-E28F-4F92-9F16-7A6F2501B303}" type="datetime8">
               <a:rPr lang="en-US" smtClean="0"/>
-              <a:t>4/19/2022 10:36 AM</a:t>
+              <a:t>8/25/2022 9:01 PM</a:t>
             </a:fld>
             <a:endParaRPr lang="en-US" dirty="0"/>
           </a:p>
@@ -1713,7 +1719,7 @@
             <a:spLocks noGrp="1"/>
           </p:cNvSpPr>
           <p:nvPr>
-            <p:ph type="sldNum" sz="quarter" idx="13"/>
+            <p:ph type="sldNum" sz="quarter" idx="5"/>
           </p:nvPr>
         </p:nvSpPr>
         <p:spPr/>
@@ -1733,7 +1739,7 @@
     </p:spTree>
     <p:extLst>
       <p:ext uri="{BB962C8B-B14F-4D97-AF65-F5344CB8AC3E}">
-        <p14:creationId xmlns:p14="http://schemas.microsoft.com/office/powerpoint/2010/main" val="1390539867"/>
+        <p14:creationId xmlns:p14="http://schemas.microsoft.com/office/powerpoint/2010/main" val="3594181689"/>
       </p:ext>
     </p:extLst>
   </p:cSld>
@@ -1881,7 +1887,7 @@
           <a:p>
             <a:fld id="{D18B56EA-E28F-4F92-9F16-7A6F2501B303}" type="datetime8">
               <a:rPr lang="en-US" smtClean="0"/>
-              <a:t>4/19/2022 10:36 AM</a:t>
+              <a:t>8/25/2022 9:01 PM</a:t>
             </a:fld>
             <a:endParaRPr lang="en-US" dirty="0"/>
           </a:p>
@@ -1905,7 +1911,7 @@
             <a:fld id="{B4008EB6-D09E-4580-8CD6-DDB14511944F}" type="slidenum">
               <a:rPr lang="en-US" smtClean="0"/>
               <a:pPr/>
-              <a:t>15</a:t>
+              <a:t>14</a:t>
             </a:fld>
             <a:endParaRPr lang="en-US" dirty="0"/>
           </a:p>
@@ -1914,7 +1920,7 @@
     </p:spTree>
     <p:extLst>
       <p:ext uri="{BB962C8B-B14F-4D97-AF65-F5344CB8AC3E}">
-        <p14:creationId xmlns:p14="http://schemas.microsoft.com/office/powerpoint/2010/main" val="3282806226"/>
+        <p14:creationId xmlns:p14="http://schemas.microsoft.com/office/powerpoint/2010/main" val="1390539867"/>
       </p:ext>
     </p:extLst>
   </p:cSld>
@@ -1968,7 +1974,7 @@
           <a:bodyPr/>
           <a:lstStyle/>
           <a:p>
-            <a:endParaRPr lang="en-US"/>
+            <a:endParaRPr lang="en-US" dirty="0"/>
           </a:p>
         </p:txBody>
       </p:sp>
@@ -2062,7 +2068,7 @@
           <a:p>
             <a:fld id="{D18B56EA-E28F-4F92-9F16-7A6F2501B303}" type="datetime8">
               <a:rPr lang="en-US" smtClean="0"/>
-              <a:t>4/19/2022 10:36 AM</a:t>
+              <a:t>8/25/2022 9:01 PM</a:t>
             </a:fld>
             <a:endParaRPr lang="en-US" dirty="0"/>
           </a:p>
@@ -2087,6 +2093,187 @@
               <a:rPr lang="en-US" smtClean="0"/>
               <a:pPr/>
               <a:t>16</a:t>
+            </a:fld>
+            <a:endParaRPr lang="en-US" dirty="0"/>
+          </a:p>
+        </p:txBody>
+      </p:sp>
+    </p:spTree>
+    <p:extLst>
+      <p:ext uri="{BB962C8B-B14F-4D97-AF65-F5344CB8AC3E}">
+        <p14:creationId xmlns:p14="http://schemas.microsoft.com/office/powerpoint/2010/main" val="3282806226"/>
+      </p:ext>
+    </p:extLst>
+  </p:cSld>
+  <p:clrMapOvr>
+    <a:masterClrMapping/>
+  </p:clrMapOvr>
+</p:notes>
+</file>
+
+<file path=ppt/notesSlides/notesSlide16.xml><?xml version="1.0" encoding="utf-8"?>
+<p:notes xmlns:a="http://schemas.openxmlformats.org/drawingml/2006/main" xmlns:r="http://schemas.openxmlformats.org/officeDocument/2006/relationships" xmlns:p="http://schemas.openxmlformats.org/presentationml/2006/main">
+  <p:cSld>
+    <p:spTree>
+      <p:nvGrpSpPr>
+        <p:cNvPr id="1" name=""/>
+        <p:cNvGrpSpPr/>
+        <p:nvPr/>
+      </p:nvGrpSpPr>
+      <p:grpSpPr>
+        <a:xfrm>
+          <a:off x="0" y="0"/>
+          <a:ext cx="0" cy="0"/>
+          <a:chOff x="0" y="0"/>
+          <a:chExt cx="0" cy="0"/>
+        </a:xfrm>
+      </p:grpSpPr>
+      <p:sp>
+        <p:nvSpPr>
+          <p:cNvPr id="2" name="Slide Image Placeholder 1"/>
+          <p:cNvSpPr>
+            <a:spLocks noGrp="1" noRot="1" noChangeAspect="1"/>
+          </p:cNvSpPr>
+          <p:nvPr>
+            <p:ph type="sldImg"/>
+          </p:nvPr>
+        </p:nvSpPr>
+        <p:spPr/>
+      </p:sp>
+      <p:sp>
+        <p:nvSpPr>
+          <p:cNvPr id="3" name="Notes Placeholder 2"/>
+          <p:cNvSpPr>
+            <a:spLocks noGrp="1"/>
+          </p:cNvSpPr>
+          <p:nvPr>
+            <p:ph type="body" idx="1"/>
+          </p:nvPr>
+        </p:nvSpPr>
+        <p:spPr/>
+        <p:txBody>
+          <a:bodyPr/>
+          <a:lstStyle/>
+          <a:p>
+            <a:endParaRPr lang="en-US"/>
+          </a:p>
+        </p:txBody>
+      </p:sp>
+      <p:sp>
+        <p:nvSpPr>
+          <p:cNvPr id="4" name="Header Placeholder 3"/>
+          <p:cNvSpPr>
+            <a:spLocks noGrp="1"/>
+          </p:cNvSpPr>
+          <p:nvPr>
+            <p:ph type="hdr" sz="quarter" idx="10"/>
+          </p:nvPr>
+        </p:nvSpPr>
+        <p:spPr/>
+        <p:txBody>
+          <a:bodyPr/>
+          <a:lstStyle/>
+          <a:p>
+            <a:endParaRPr lang="en-US" dirty="0"/>
+          </a:p>
+        </p:txBody>
+      </p:sp>
+      <p:sp>
+        <p:nvSpPr>
+          <p:cNvPr id="5" name="Footer Placeholder 4"/>
+          <p:cNvSpPr>
+            <a:spLocks noGrp="1"/>
+          </p:cNvSpPr>
+          <p:nvPr>
+            <p:ph type="ftr" sz="quarter" idx="11"/>
+          </p:nvPr>
+        </p:nvSpPr>
+        <p:spPr/>
+        <p:txBody>
+          <a:bodyPr/>
+          <a:lstStyle/>
+          <a:p>
+            <a:pPr defTabSz="914099" eaLnBrk="0" hangingPunct="0"/>
+            <a:r>
+              <a:rPr lang="en-US" sz="400">
+                <a:gradFill>
+                  <a:gsLst>
+                    <a:gs pos="0">
+                      <a:prstClr val="black"/>
+                    </a:gs>
+                    <a:gs pos="100000">
+                      <a:prstClr val="black"/>
+                    </a:gs>
+                  </a:gsLst>
+                  <a:lin ang="5400000" scaled="0"/>
+                </a:gradFill>
+                <a:latin typeface="Segoe UI" pitchFamily="34" charset="0"/>
+                <a:ea typeface="Segoe UI" pitchFamily="34" charset="0"/>
+                <a:cs typeface="Segoe UI" pitchFamily="34" charset="0"/>
+              </a:rPr>
+              <a:t>© Microsoft Corporation. All rights reserved. MICROSOFT MAKES NO WARRANTIES, EXPRESS, IMPLIED OR STATUTORY, AS TO THE INFORMATION IN THIS PRESENTATION.</a:t>
+            </a:r>
+            <a:endParaRPr lang="en-US" sz="400" dirty="0">
+              <a:gradFill>
+                <a:gsLst>
+                  <a:gs pos="0">
+                    <a:prstClr val="black"/>
+                  </a:gs>
+                  <a:gs pos="100000">
+                    <a:prstClr val="black"/>
+                  </a:gs>
+                </a:gsLst>
+                <a:lin ang="5400000" scaled="0"/>
+              </a:gradFill>
+              <a:latin typeface="Segoe UI" pitchFamily="34" charset="0"/>
+              <a:ea typeface="Segoe UI" pitchFamily="34" charset="0"/>
+              <a:cs typeface="Segoe UI" pitchFamily="34" charset="0"/>
+            </a:endParaRPr>
+          </a:p>
+        </p:txBody>
+      </p:sp>
+      <p:sp>
+        <p:nvSpPr>
+          <p:cNvPr id="6" name="Date Placeholder 5"/>
+          <p:cNvSpPr>
+            <a:spLocks noGrp="1"/>
+          </p:cNvSpPr>
+          <p:nvPr>
+            <p:ph type="dt" idx="12"/>
+          </p:nvPr>
+        </p:nvSpPr>
+        <p:spPr/>
+        <p:txBody>
+          <a:bodyPr/>
+          <a:lstStyle/>
+          <a:p>
+            <a:fld id="{D18B56EA-E28F-4F92-9F16-7A6F2501B303}" type="datetime8">
+              <a:rPr lang="en-US" smtClean="0"/>
+              <a:t>8/25/2022 9:01 PM</a:t>
+            </a:fld>
+            <a:endParaRPr lang="en-US" dirty="0"/>
+          </a:p>
+        </p:txBody>
+      </p:sp>
+      <p:sp>
+        <p:nvSpPr>
+          <p:cNvPr id="7" name="Slide Number Placeholder 6"/>
+          <p:cNvSpPr>
+            <a:spLocks noGrp="1"/>
+          </p:cNvSpPr>
+          <p:nvPr>
+            <p:ph type="sldNum" sz="quarter" idx="13"/>
+          </p:nvPr>
+        </p:nvSpPr>
+        <p:spPr/>
+        <p:txBody>
+          <a:bodyPr/>
+          <a:lstStyle/>
+          <a:p>
+            <a:fld id="{B4008EB6-D09E-4580-8CD6-DDB14511944F}" type="slidenum">
+              <a:rPr lang="en-US" smtClean="0"/>
+              <a:pPr/>
+              <a:t>17</a:t>
             </a:fld>
             <a:endParaRPr lang="en-US" dirty="0"/>
           </a:p>
@@ -2246,7 +2433,7 @@
           <a:p>
             <a:fld id="{D18B56EA-E28F-4F92-9F16-7A6F2501B303}" type="datetime8">
               <a:rPr lang="en-US" smtClean="0"/>
-              <a:t>4/19/2022 10:36 AM</a:t>
+              <a:t>8/25/2022 9:01 PM</a:t>
             </a:fld>
             <a:endParaRPr lang="en-US" dirty="0"/>
           </a:p>
@@ -2451,7 +2638,7 @@
           <a:p>
             <a:fld id="{D18B56EA-E28F-4F92-9F16-7A6F2501B303}" type="datetime8">
               <a:rPr lang="en-US" smtClean="0"/>
-              <a:t>4/19/2022 10:36 AM</a:t>
+              <a:t>8/25/2022 9:01 PM</a:t>
             </a:fld>
             <a:endParaRPr lang="en-US" dirty="0"/>
           </a:p>
@@ -2691,7 +2878,7 @@
           <a:p>
             <a:fld id="{D18B56EA-E28F-4F92-9F16-7A6F2501B303}" type="datetime8">
               <a:rPr lang="en-US" smtClean="0"/>
-              <a:t>4/19/2022 10:36 AM</a:t>
+              <a:t>8/25/2022 9:01 PM</a:t>
             </a:fld>
             <a:endParaRPr lang="en-US" dirty="0"/>
           </a:p>
@@ -2900,7 +3087,7 @@
           <a:p>
             <a:fld id="{D18B56EA-E28F-4F92-9F16-7A6F2501B303}" type="datetime8">
               <a:rPr lang="en-US" smtClean="0"/>
-              <a:t>4/19/2022 10:36 AM</a:t>
+              <a:t>8/25/2022 9:01 PM</a:t>
             </a:fld>
             <a:endParaRPr lang="en-US" dirty="0"/>
           </a:p>
@@ -3112,7 +3299,7 @@
           <a:p>
             <a:fld id="{D18B56EA-E28F-4F92-9F16-7A6F2501B303}" type="datetime8">
               <a:rPr lang="en-US" smtClean="0"/>
-              <a:t>4/19/2022 10:36 AM</a:t>
+              <a:t>8/25/2022 9:01 PM</a:t>
             </a:fld>
             <a:endParaRPr lang="en-US" dirty="0"/>
           </a:p>
@@ -3324,7 +3511,7 @@
           <a:p>
             <a:fld id="{D18B56EA-E28F-4F92-9F16-7A6F2501B303}" type="datetime8">
               <a:rPr lang="en-US" smtClean="0"/>
-              <a:t>4/19/2022 10:36 AM</a:t>
+              <a:t>8/25/2022 9:01 PM</a:t>
             </a:fld>
             <a:endParaRPr lang="en-US" dirty="0"/>
           </a:p>
@@ -3542,7 +3729,7 @@
           <a:p>
             <a:fld id="{D18B56EA-E28F-4F92-9F16-7A6F2501B303}" type="datetime8">
               <a:rPr lang="en-US" smtClean="0"/>
-              <a:t>4/19/2022 10:36 AM</a:t>
+              <a:t>8/25/2022 9:01 PM</a:t>
             </a:fld>
             <a:endParaRPr lang="en-US" dirty="0"/>
           </a:p>
@@ -3800,7 +3987,7 @@
           <a:p>
             <a:fld id="{D18B56EA-E28F-4F92-9F16-7A6F2501B303}" type="datetime8">
               <a:rPr lang="en-US" smtClean="0"/>
-              <a:t>4/19/2022 10:36 AM</a:t>
+              <a:t>8/25/2022 9:01 PM</a:t>
             </a:fld>
             <a:endParaRPr lang="en-US" dirty="0"/>
           </a:p>
@@ -16603,6 +16790,319 @@
       </p:grpSpPr>
       <p:sp>
         <p:nvSpPr>
+          <p:cNvPr id="2" name="Title 1">
+            <a:extLst>
+              <a:ext uri="{FF2B5EF4-FFF2-40B4-BE49-F238E27FC236}">
+                <a16:creationId xmlns:a16="http://schemas.microsoft.com/office/drawing/2014/main" id="{489F8FFE-7DAD-CC4C-8050-37A5A24D161C}"/>
+              </a:ext>
+            </a:extLst>
+          </p:cNvPr>
+          <p:cNvSpPr>
+            <a:spLocks noGrp="1"/>
+          </p:cNvSpPr>
+          <p:nvPr>
+            <p:ph type="title"/>
+          </p:nvPr>
+        </p:nvSpPr>
+        <p:spPr>
+          <a:xfrm>
+            <a:off x="464400" y="633600"/>
+            <a:ext cx="11575200" cy="387798"/>
+          </a:xfrm>
+        </p:spPr>
+        <p:txBody>
+          <a:bodyPr/>
+          <a:lstStyle/>
+          <a:p>
+            <a:r>
+              <a:rPr lang="en-US" dirty="0"/>
+              <a:t>Using the Azure AD HTTP Client with Async/await</a:t>
+            </a:r>
+          </a:p>
+        </p:txBody>
+      </p:sp>
+      <p:sp>
+        <p:nvSpPr>
+          <p:cNvPr id="3" name="Text Placeholder 2">
+            <a:extLst>
+              <a:ext uri="{FF2B5EF4-FFF2-40B4-BE49-F238E27FC236}">
+                <a16:creationId xmlns:a16="http://schemas.microsoft.com/office/drawing/2014/main" id="{E25E72ED-2D61-824A-83DB-C372BD4A28B5}"/>
+              </a:ext>
+            </a:extLst>
+          </p:cNvPr>
+          <p:cNvSpPr>
+            <a:spLocks noGrp="1"/>
+          </p:cNvSpPr>
+          <p:nvPr>
+            <p:ph type="body" sz="quarter" idx="10"/>
+          </p:nvPr>
+        </p:nvSpPr>
+        <p:spPr>
+          <a:xfrm>
+            <a:off x="464400" y="1178952"/>
+            <a:ext cx="11575200" cy="3954929"/>
+          </a:xfrm>
+        </p:spPr>
+        <p:txBody>
+          <a:bodyPr/>
+          <a:lstStyle/>
+          <a:p>
+            <a:r>
+              <a:rPr lang="en-US" sz="2000" dirty="0"/>
+              <a:t>import { </a:t>
+            </a:r>
+            <a:r>
+              <a:rPr lang="en-US" sz="2000" dirty="0" err="1">
+                <a:solidFill>
+                  <a:schemeClr val="accent1"/>
+                </a:solidFill>
+              </a:rPr>
+              <a:t>AadHttpClient</a:t>
+            </a:r>
+            <a:r>
+              <a:rPr lang="en-US" sz="2000" dirty="0"/>
+              <a:t>, </a:t>
+            </a:r>
+            <a:r>
+              <a:rPr lang="en-US" sz="2000" dirty="0" err="1"/>
+              <a:t>HttpClientResponse</a:t>
+            </a:r>
+            <a:r>
+              <a:rPr lang="en-US" sz="2000" dirty="0"/>
+              <a:t> } from '@</a:t>
+            </a:r>
+            <a:r>
+              <a:rPr lang="en-US" sz="2000" dirty="0" err="1"/>
+              <a:t>microsoft</a:t>
+            </a:r>
+            <a:r>
+              <a:rPr lang="en-US" sz="2000" dirty="0"/>
+              <a:t>/</a:t>
+            </a:r>
+            <a:r>
+              <a:rPr lang="en-US" sz="2000" dirty="0" err="1"/>
+              <a:t>sp</a:t>
+            </a:r>
+            <a:r>
+              <a:rPr lang="en-US" sz="2000" dirty="0"/>
+              <a:t>-http’;</a:t>
+            </a:r>
+          </a:p>
+          <a:p>
+            <a:endParaRPr lang="en-US" sz="2000" dirty="0"/>
+          </a:p>
+          <a:p>
+            <a:r>
+              <a:rPr lang="en-US" sz="2000" dirty="0"/>
+              <a:t>const </a:t>
+            </a:r>
+            <a:r>
+              <a:rPr lang="en-US" sz="2000" dirty="0" err="1"/>
+              <a:t>aadClient</a:t>
+            </a:r>
+            <a:r>
+              <a:rPr lang="en-US" sz="2000" dirty="0"/>
+              <a:t>: </a:t>
+            </a:r>
+            <a:r>
+              <a:rPr lang="en-US" sz="2000" dirty="0" err="1">
+                <a:solidFill>
+                  <a:srgbClr val="FF0000"/>
+                </a:solidFill>
+              </a:rPr>
+              <a:t>AadHttpClient</a:t>
+            </a:r>
+            <a:r>
+              <a:rPr lang="en-US" sz="2000" dirty="0"/>
+              <a:t> = await </a:t>
+            </a:r>
+            <a:r>
+              <a:rPr lang="en-US" sz="2000" dirty="0" err="1"/>
+              <a:t>this.context.</a:t>
+            </a:r>
+            <a:r>
+              <a:rPr lang="en-US" sz="2000" dirty="0" err="1">
+                <a:solidFill>
+                  <a:srgbClr val="FF0000"/>
+                </a:solidFill>
+              </a:rPr>
+              <a:t>aadHttpClientFactory</a:t>
+            </a:r>
+            <a:endParaRPr lang="en-US" sz="2000" dirty="0">
+              <a:solidFill>
+                <a:srgbClr val="FF0000"/>
+              </a:solidFill>
+            </a:endParaRPr>
+          </a:p>
+          <a:p>
+            <a:r>
+              <a:rPr lang="en-US" sz="2000" dirty="0">
+                <a:solidFill>
+                  <a:srgbClr val="FF0000"/>
+                </a:solidFill>
+              </a:rPr>
+              <a:t>  .</a:t>
+            </a:r>
+            <a:r>
+              <a:rPr lang="en-US" sz="2000" dirty="0" err="1">
+                <a:solidFill>
+                  <a:srgbClr val="FF0000"/>
+                </a:solidFill>
+              </a:rPr>
+              <a:t>getClient</a:t>
+            </a:r>
+            <a:r>
+              <a:rPr lang="en-US" sz="2000" dirty="0"/>
+              <a:t>('https://your-endpoint-</a:t>
+            </a:r>
+            <a:r>
+              <a:rPr lang="en-US" sz="2000" dirty="0" err="1"/>
+              <a:t>uri</a:t>
+            </a:r>
+            <a:r>
+              <a:rPr lang="en-US" sz="2000" dirty="0"/>
+              <a:t>’);</a:t>
+            </a:r>
+          </a:p>
+          <a:p>
+            <a:endParaRPr lang="en-US" sz="2000" dirty="0"/>
+          </a:p>
+          <a:p>
+            <a:r>
+              <a:rPr lang="en-US" sz="2000" dirty="0"/>
+              <a:t>const endpoint: string = 'https://your-endpoint-</a:t>
+            </a:r>
+            <a:r>
+              <a:rPr lang="en-US" sz="2000" dirty="0" err="1"/>
+              <a:t>uri</a:t>
+            </a:r>
+            <a:r>
+              <a:rPr lang="en-US" sz="2000" dirty="0"/>
+              <a:t>/</a:t>
+            </a:r>
+            <a:r>
+              <a:rPr lang="en-US" sz="2000" dirty="0" err="1"/>
+              <a:t>api</a:t>
+            </a:r>
+            <a:r>
+              <a:rPr lang="en-US" sz="2000" dirty="0"/>
+              <a:t>';</a:t>
+            </a:r>
+          </a:p>
+          <a:p>
+            <a:r>
+              <a:rPr lang="en-US" sz="2000" dirty="0"/>
+              <a:t>const </a:t>
+            </a:r>
+            <a:r>
+              <a:rPr lang="en-US" sz="2000" dirty="0" err="1"/>
+              <a:t>rawResponse</a:t>
+            </a:r>
+            <a:r>
+              <a:rPr lang="en-US" sz="2000" dirty="0"/>
+              <a:t>: </a:t>
+            </a:r>
+            <a:r>
+              <a:rPr lang="en-US" sz="2000" dirty="0" err="1"/>
+              <a:t>HttpClientResponse</a:t>
+            </a:r>
+            <a:r>
+              <a:rPr lang="en-US" sz="2000" dirty="0"/>
+              <a:t> = await </a:t>
+            </a:r>
+            <a:r>
+              <a:rPr lang="en-US" sz="2000" dirty="0" err="1">
+                <a:solidFill>
+                  <a:srgbClr val="FF0000"/>
+                </a:solidFill>
+              </a:rPr>
+              <a:t>aadClient.get</a:t>
+            </a:r>
+            <a:r>
+              <a:rPr lang="en-US" sz="2000" dirty="0">
+                <a:solidFill>
+                  <a:srgbClr val="FF0000"/>
+                </a:solidFill>
+              </a:rPr>
+              <a:t>(endpoint, AadHttpClient.configurations.v1);</a:t>
+            </a:r>
+          </a:p>
+          <a:p>
+            <a:endParaRPr lang="en-US" sz="2000" dirty="0"/>
+          </a:p>
+          <a:p>
+            <a:r>
+              <a:rPr lang="en-US" sz="2000" dirty="0"/>
+              <a:t>const </a:t>
+            </a:r>
+            <a:r>
+              <a:rPr lang="en-US" sz="2000" dirty="0" err="1"/>
+              <a:t>responseJson</a:t>
+            </a:r>
+            <a:r>
+              <a:rPr lang="en-US" sz="2000" dirty="0"/>
+              <a:t> = await </a:t>
+            </a:r>
+            <a:r>
+              <a:rPr lang="en-US" sz="2000" dirty="0" err="1"/>
+              <a:t>rawResponse.json</a:t>
+            </a:r>
+            <a:r>
+              <a:rPr lang="en-US" sz="2000" dirty="0"/>
+              <a:t>();</a:t>
+            </a:r>
+          </a:p>
+          <a:p>
+            <a:r>
+              <a:rPr lang="en-US" sz="2000" dirty="0"/>
+              <a:t>return </a:t>
+            </a:r>
+            <a:r>
+              <a:rPr lang="en-US" sz="2000" dirty="0" err="1"/>
+              <a:t>responseJson</a:t>
+            </a:r>
+            <a:r>
+              <a:rPr lang="en-US" sz="2000" dirty="0"/>
+              <a:t> as any;</a:t>
+            </a:r>
+          </a:p>
+        </p:txBody>
+      </p:sp>
+    </p:spTree>
+    <p:extLst>
+      <p:ext uri="{BB962C8B-B14F-4D97-AF65-F5344CB8AC3E}">
+        <p14:creationId xmlns:p14="http://schemas.microsoft.com/office/powerpoint/2010/main" val="4216306117"/>
+      </p:ext>
+    </p:extLst>
+  </p:cSld>
+  <p:clrMapOvr>
+    <a:masterClrMapping/>
+  </p:clrMapOvr>
+  <p:transition>
+    <p:fade/>
+  </p:transition>
+</p:sld>
+</file>
+
+<file path=ppt/slides/slide11.xml><?xml version="1.0" encoding="utf-8"?>
+<p:sld xmlns:a="http://schemas.openxmlformats.org/drawingml/2006/main" xmlns:r="http://schemas.openxmlformats.org/officeDocument/2006/relationships" xmlns:p="http://schemas.openxmlformats.org/presentationml/2006/main">
+  <p:cSld>
+    <p:spTree>
+      <p:nvGrpSpPr>
+        <p:cNvPr id="1" name=""/>
+        <p:cNvGrpSpPr/>
+        <p:nvPr/>
+      </p:nvGrpSpPr>
+      <p:grpSpPr>
+        <a:xfrm>
+          <a:off x="0" y="0"/>
+          <a:ext cx="0" cy="0"/>
+          <a:chOff x="0" y="0"/>
+          <a:chExt cx="0" cy="0"/>
+        </a:xfrm>
+      </p:grpSpPr>
+      <p:sp>
+        <p:nvSpPr>
           <p:cNvPr id="8" name="Text Placeholder 7">
             <a:extLst>
               <a:ext uri="{FF2B5EF4-FFF2-40B4-BE49-F238E27FC236}">
@@ -16739,7 +17239,7 @@
 </p:sld>
 </file>
 
-<file path=ppt/slides/slide11.xml><?xml version="1.0" encoding="utf-8"?>
+<file path=ppt/slides/slide12.xml><?xml version="1.0" encoding="utf-8"?>
 <p:sld xmlns:a="http://schemas.openxmlformats.org/drawingml/2006/main" xmlns:r="http://schemas.openxmlformats.org/officeDocument/2006/relationships" xmlns:p="http://schemas.openxmlformats.org/presentationml/2006/main">
   <p:cSld>
     <p:spTree>
@@ -16830,7 +17330,7 @@
 </p:sld>
 </file>
 
-<file path=ppt/slides/slide12.xml><?xml version="1.0" encoding="utf-8"?>
+<file path=ppt/slides/slide13.xml><?xml version="1.0" encoding="utf-8"?>
 <p:sld xmlns:a="http://schemas.openxmlformats.org/drawingml/2006/main" xmlns:r="http://schemas.openxmlformats.org/officeDocument/2006/relationships" xmlns:p="http://schemas.openxmlformats.org/presentationml/2006/main">
   <p:cSld>
     <p:spTree>
@@ -16921,7 +17421,7 @@
 </p:sld>
 </file>
 
-<file path=ppt/slides/slide13.xml><?xml version="1.0" encoding="utf-8"?>
+<file path=ppt/slides/slide14.xml><?xml version="1.0" encoding="utf-8"?>
 <p:sld xmlns:a="http://schemas.openxmlformats.org/drawingml/2006/main" xmlns:r="http://schemas.openxmlformats.org/officeDocument/2006/relationships" xmlns:p="http://schemas.openxmlformats.org/presentationml/2006/main">
   <p:cSld>
     <p:spTree>
@@ -16984,7 +17484,7 @@
 </p:sld>
 </file>
 
-<file path=ppt/slides/slide14.xml><?xml version="1.0" encoding="utf-8"?>
+<file path=ppt/slides/slide15.xml><?xml version="1.0" encoding="utf-8"?>
 <p:sld xmlns:a="http://schemas.openxmlformats.org/drawingml/2006/main" xmlns:r="http://schemas.openxmlformats.org/officeDocument/2006/relationships" xmlns:p="http://schemas.openxmlformats.org/presentationml/2006/main">
   <p:cSld>
     <p:spTree>
@@ -17517,7 +18017,7 @@
 </p:sld>
 </file>
 
-<file path=ppt/slides/slide15.xml><?xml version="1.0" encoding="utf-8"?>
+<file path=ppt/slides/slide16.xml><?xml version="1.0" encoding="utf-8"?>
 <p:sld xmlns:a="http://schemas.openxmlformats.org/drawingml/2006/main" xmlns:r="http://schemas.openxmlformats.org/officeDocument/2006/relationships" xmlns:p="http://schemas.openxmlformats.org/presentationml/2006/main">
   <p:cSld>
     <p:spTree>
@@ -17847,7 +18347,7 @@
 </p:sld>
 </file>
 
-<file path=ppt/slides/slide16.xml><?xml version="1.0" encoding="utf-8"?>
+<file path=ppt/slides/slide17.xml><?xml version="1.0" encoding="utf-8"?>
 <p:sld xmlns:a="http://schemas.openxmlformats.org/drawingml/2006/main" xmlns:r="http://schemas.openxmlformats.org/officeDocument/2006/relationships" xmlns:p="http://schemas.openxmlformats.org/presentationml/2006/main">
   <p:cSld>
     <p:spTree>
@@ -18379,7 +18879,7 @@
         </p:blipFill>
         <p:spPr>
           <a:xfrm>
-            <a:off x="7319566" y="413242"/>
+            <a:off x="7107294" y="413242"/>
             <a:ext cx="4651771" cy="5948504"/>
           </a:xfrm>
           <a:prstGeom prst="rect">
@@ -18417,10 +18917,10 @@
       </p:sp>
       <p:pic>
         <p:nvPicPr>
-          <p:cNvPr id="5" name="Picture 4" descr="Graphical user interface, text, application, email&#10;&#10;Description automatically generated">
+          <p:cNvPr id="3" name="Picture 2" descr="Graphical user interface, application&#10;&#10;Description automatically generated">
             <a:extLst>
               <a:ext uri="{FF2B5EF4-FFF2-40B4-BE49-F238E27FC236}">
-                <a16:creationId xmlns:a16="http://schemas.microsoft.com/office/drawing/2014/main" id="{3C44441E-C52B-4C27-8C61-A5F89D2F5F57}"/>
+                <a16:creationId xmlns:a16="http://schemas.microsoft.com/office/drawing/2014/main" id="{5535AF17-C9B0-E7B3-6C87-FB28E681E1EE}"/>
               </a:ext>
             </a:extLst>
           </p:cNvPr>
@@ -18437,8 +18937,8 @@
         </p:blipFill>
         <p:spPr>
           <a:xfrm>
-            <a:off x="465138" y="1865556"/>
-            <a:ext cx="5898391" cy="4496190"/>
+            <a:off x="808038" y="1424823"/>
+            <a:ext cx="5440136" cy="4936923"/>
           </a:xfrm>
           <a:prstGeom prst="rect">
             <a:avLst/>
@@ -19225,14 +19725,19 @@
             <p:ph type="title"/>
           </p:nvPr>
         </p:nvSpPr>
-        <p:spPr/>
+        <p:spPr>
+          <a:xfrm>
+            <a:off x="464400" y="633600"/>
+            <a:ext cx="11575200" cy="387798"/>
+          </a:xfrm>
+        </p:spPr>
         <p:txBody>
           <a:bodyPr/>
           <a:lstStyle/>
           <a:p>
             <a:r>
               <a:rPr lang="en-US" dirty="0"/>
-              <a:t>Using the Azure AD HTTP Client</a:t>
+              <a:t>Using the Azure AD HTTP Client with Promises</a:t>
             </a:r>
           </a:p>
         </p:txBody>

--- a/02 aadhttpclient.pptx
+++ b/02 aadhttpclient.pptx
@@ -276,7 +276,7 @@
               <a:rPr lang="en-US" smtClean="0">
                 <a:latin typeface="Segoe UI" pitchFamily="34" charset="0"/>
               </a:rPr>
-              <a:t>8/25/2022 9:01 PM</a:t>
+              <a:t>11/19/2022 8:53 AM</a:t>
             </a:fld>
             <a:endParaRPr lang="en-US" dirty="0">
               <a:latin typeface="Segoe UI" pitchFamily="34" charset="0"/>
@@ -573,7 +573,7 @@
           <a:p>
             <a:fld id="{D18B56EA-E28F-4F92-9F16-7A6F2501B303}" type="datetime8">
               <a:rPr lang="en-US" smtClean="0"/>
-              <a:t>8/25/2022 9:01 PM</a:t>
+              <a:t>11/19/2022 8:53 AM</a:t>
             </a:fld>
             <a:endParaRPr lang="en-US" dirty="0"/>
           </a:p>
@@ -956,7 +956,7 @@
           <a:p>
             <a:fld id="{D18B56EA-E28F-4F92-9F16-7A6F2501B303}" type="datetime8">
               <a:rPr lang="en-US" smtClean="0"/>
-              <a:t>8/25/2022 9:01 PM</a:t>
+              <a:t>11/19/2022 8:53 AM</a:t>
             </a:fld>
             <a:endParaRPr lang="en-US" dirty="0"/>
           </a:p>
@@ -1141,7 +1141,7 @@
           <a:p>
             <a:fld id="{D18B56EA-E28F-4F92-9F16-7A6F2501B303}" type="datetime8">
               <a:rPr lang="en-US" smtClean="0"/>
-              <a:t>8/25/2022 9:03 PM</a:t>
+              <a:t>11/19/2022 8:53 AM</a:t>
             </a:fld>
             <a:endParaRPr lang="en-US" dirty="0"/>
           </a:p>
@@ -1338,7 +1338,7 @@
           <a:p>
             <a:fld id="{D18B56EA-E28F-4F92-9F16-7A6F2501B303}" type="datetime8">
               <a:rPr lang="en-US" smtClean="0"/>
-              <a:t>8/25/2022 9:01 PM</a:t>
+              <a:t>11/19/2022 8:53 AM</a:t>
             </a:fld>
             <a:endParaRPr lang="en-US" dirty="0"/>
           </a:p>
@@ -1522,7 +1522,7 @@
           <a:p>
             <a:fld id="{D18B56EA-E28F-4F92-9F16-7A6F2501B303}" type="datetime8">
               <a:rPr lang="en-US" smtClean="0"/>
-              <a:t>8/25/2022 9:01 PM</a:t>
+              <a:t>11/19/2022 8:53 AM</a:t>
             </a:fld>
             <a:endParaRPr lang="en-US" dirty="0"/>
           </a:p>
@@ -1706,7 +1706,7 @@
           <a:p>
             <a:fld id="{D18B56EA-E28F-4F92-9F16-7A6F2501B303}" type="datetime8">
               <a:rPr lang="en-US" smtClean="0"/>
-              <a:t>8/25/2022 9:01 PM</a:t>
+              <a:t>11/19/2022 8:53 AM</a:t>
             </a:fld>
             <a:endParaRPr lang="en-US" dirty="0"/>
           </a:p>
@@ -1887,7 +1887,7 @@
           <a:p>
             <a:fld id="{D18B56EA-E28F-4F92-9F16-7A6F2501B303}" type="datetime8">
               <a:rPr lang="en-US" smtClean="0"/>
-              <a:t>8/25/2022 9:01 PM</a:t>
+              <a:t>11/19/2022 8:53 AM</a:t>
             </a:fld>
             <a:endParaRPr lang="en-US" dirty="0"/>
           </a:p>
@@ -2068,7 +2068,7 @@
           <a:p>
             <a:fld id="{D18B56EA-E28F-4F92-9F16-7A6F2501B303}" type="datetime8">
               <a:rPr lang="en-US" smtClean="0"/>
-              <a:t>8/25/2022 9:01 PM</a:t>
+              <a:t>11/19/2022 8:53 AM</a:t>
             </a:fld>
             <a:endParaRPr lang="en-US" dirty="0"/>
           </a:p>
@@ -2249,7 +2249,7 @@
           <a:p>
             <a:fld id="{D18B56EA-E28F-4F92-9F16-7A6F2501B303}" type="datetime8">
               <a:rPr lang="en-US" smtClean="0"/>
-              <a:t>8/25/2022 9:01 PM</a:t>
+              <a:t>11/19/2022 8:53 AM</a:t>
             </a:fld>
             <a:endParaRPr lang="en-US" dirty="0"/>
           </a:p>
@@ -2433,7 +2433,7 @@
           <a:p>
             <a:fld id="{D18B56EA-E28F-4F92-9F16-7A6F2501B303}" type="datetime8">
               <a:rPr lang="en-US" smtClean="0"/>
-              <a:t>8/25/2022 9:01 PM</a:t>
+              <a:t>11/19/2022 8:53 AM</a:t>
             </a:fld>
             <a:endParaRPr lang="en-US" dirty="0"/>
           </a:p>
@@ -2638,7 +2638,7 @@
           <a:p>
             <a:fld id="{D18B56EA-E28F-4F92-9F16-7A6F2501B303}" type="datetime8">
               <a:rPr lang="en-US" smtClean="0"/>
-              <a:t>8/25/2022 9:01 PM</a:t>
+              <a:t>11/19/2022 8:53 AM</a:t>
             </a:fld>
             <a:endParaRPr lang="en-US" dirty="0"/>
           </a:p>
@@ -2878,7 +2878,7 @@
           <a:p>
             <a:fld id="{D18B56EA-E28F-4F92-9F16-7A6F2501B303}" type="datetime8">
               <a:rPr lang="en-US" smtClean="0"/>
-              <a:t>8/25/2022 9:01 PM</a:t>
+              <a:t>11/19/2022 8:53 AM</a:t>
             </a:fld>
             <a:endParaRPr lang="en-US" dirty="0"/>
           </a:p>
@@ -3087,7 +3087,7 @@
           <a:p>
             <a:fld id="{D18B56EA-E28F-4F92-9F16-7A6F2501B303}" type="datetime8">
               <a:rPr lang="en-US" smtClean="0"/>
-              <a:t>8/25/2022 9:01 PM</a:t>
+              <a:t>11/19/2022 8:53 AM</a:t>
             </a:fld>
             <a:endParaRPr lang="en-US" dirty="0"/>
           </a:p>
@@ -3299,7 +3299,7 @@
           <a:p>
             <a:fld id="{D18B56EA-E28F-4F92-9F16-7A6F2501B303}" type="datetime8">
               <a:rPr lang="en-US" smtClean="0"/>
-              <a:t>8/25/2022 9:01 PM</a:t>
+              <a:t>11/19/2022 8:53 AM</a:t>
             </a:fld>
             <a:endParaRPr lang="en-US" dirty="0"/>
           </a:p>
@@ -3511,7 +3511,7 @@
           <a:p>
             <a:fld id="{D18B56EA-E28F-4F92-9F16-7A6F2501B303}" type="datetime8">
               <a:rPr lang="en-US" smtClean="0"/>
-              <a:t>8/25/2022 9:01 PM</a:t>
+              <a:t>11/19/2022 8:53 AM</a:t>
             </a:fld>
             <a:endParaRPr lang="en-US" dirty="0"/>
           </a:p>
@@ -3729,7 +3729,7 @@
           <a:p>
             <a:fld id="{D18B56EA-E28F-4F92-9F16-7A6F2501B303}" type="datetime8">
               <a:rPr lang="en-US" smtClean="0"/>
-              <a:t>8/25/2022 9:01 PM</a:t>
+              <a:t>11/19/2022 8:53 AM</a:t>
             </a:fld>
             <a:endParaRPr lang="en-US" dirty="0"/>
           </a:p>
@@ -3987,7 +3987,7 @@
           <a:p>
             <a:fld id="{D18B56EA-E28F-4F92-9F16-7A6F2501B303}" type="datetime8">
               <a:rPr lang="en-US" smtClean="0"/>
-              <a:t>8/25/2022 9:01 PM</a:t>
+              <a:t>11/19/2022 8:53 AM</a:t>
             </a:fld>
             <a:endParaRPr lang="en-US" dirty="0"/>
           </a:p>
@@ -18153,7 +18153,7 @@
         <p:spPr>
           <a:xfrm>
             <a:off x="465138" y="1930734"/>
-            <a:ext cx="11533187" cy="2754600"/>
+            <a:ext cx="11533187" cy="1692771"/>
           </a:xfrm>
         </p:spPr>
         <p:txBody>
@@ -18200,7 +18200,7 @@
                 <a:latin typeface="+mj-lt"/>
                 <a:hlinkClick r:id="rId3"/>
               </a:rPr>
-              <a:t>https://docs.microsoft.com/sharepoint/dev/spfx/sharepoint-framework-overview</a:t>
+              <a:t>https://learn.microsoft.com/sharepoint/dev/spfx/sharepoint-framework-overview</a:t>
             </a:r>
             <a:endParaRPr lang="en-US" sz="1800" dirty="0">
               <a:latin typeface="+mj-lt"/>
@@ -18222,31 +18222,6 @@
             </a:endParaRPr>
           </a:p>
           <a:p>
-            <a:pPr marL="342900" marR="0" lvl="0" indent="-342900" defTabSz="914400" eaLnBrk="1" fontAlgn="auto" latinLnBrk="0" hangingPunct="1">
-              <a:lnSpc>
-                <a:spcPct val="100000"/>
-              </a:lnSpc>
-              <a:spcBef>
-                <a:spcPts val="600"/>
-              </a:spcBef>
-              <a:spcAft>
-                <a:spcPts val="0"/>
-              </a:spcAft>
-              <a:buClrTx/>
-              <a:buSzTx/>
-              <a:buFont typeface="Arial" charset="0"/>
-              <a:buNone/>
-              <a:tabLst/>
-              <a:defRPr/>
-            </a:pPr>
-            <a:r>
-              <a:rPr lang="en-US" sz="1800" dirty="0">
-                <a:latin typeface="+mj-lt"/>
-              </a:rPr>
-              <a:t>Connect to API Secured with Azure Active Directory</a:t>
-            </a:r>
-          </a:p>
-          <a:p>
             <a:pPr marL="342900" lvl="0" indent="-342900" defTabSz="914400">
               <a:lnSpc>
                 <a:spcPct val="100000"/>
@@ -18260,15 +18235,8 @@
             <a:r>
               <a:rPr lang="en-US" sz="1800" dirty="0">
                 <a:latin typeface="+mj-lt"/>
-                <a:hlinkClick r:id="rId4"/>
               </a:rPr>
-              <a:t>https://docs.microsoft.com/sharepoint/dev/spfx/web-parts/guidance/connect-to-api-secured-with-aad</a:t>
-            </a:r>
-            <a:r>
-              <a:rPr lang="en-US" sz="1800" dirty="0">
-                <a:latin typeface="+mj-lt"/>
-              </a:rPr>
-              <a:t> </a:t>
+              <a:t>Connect to Azure AD-secured APIs in SharePoint Framework Solutions</a:t>
             </a:r>
           </a:p>
           <a:p>
@@ -18282,45 +18250,12 @@
               <a:buSzTx/>
               <a:defRPr/>
             </a:pPr>
-            <a:endParaRPr lang="en-US" sz="1800" dirty="0">
-              <a:latin typeface="+mj-lt"/>
-            </a:endParaRPr>
-          </a:p>
-          <a:p>
-            <a:pPr marL="342900" lvl="0" indent="-342900" defTabSz="914400">
-              <a:lnSpc>
-                <a:spcPct val="100000"/>
-              </a:lnSpc>
-              <a:spcBef>
-                <a:spcPts val="600"/>
-              </a:spcBef>
-              <a:buSzTx/>
-              <a:defRPr/>
-            </a:pPr>
             <a:r>
               <a:rPr lang="en-US" sz="1800" dirty="0">
                 <a:latin typeface="+mj-lt"/>
+                <a:hlinkClick r:id="rId4"/>
               </a:rPr>
-              <a:t>Connect to Azure AD-secured APIs in SharePoint Framework Solutions</a:t>
-            </a:r>
-          </a:p>
-          <a:p>
-            <a:pPr marL="342900" lvl="0" indent="-342900" defTabSz="914400">
-              <a:lnSpc>
-                <a:spcPct val="100000"/>
-              </a:lnSpc>
-              <a:spcBef>
-                <a:spcPts val="600"/>
-              </a:spcBef>
-              <a:buSzTx/>
-              <a:defRPr/>
-            </a:pPr>
-            <a:r>
-              <a:rPr lang="en-US" sz="1800" dirty="0">
-                <a:latin typeface="+mj-lt"/>
-                <a:hlinkClick r:id="rId5"/>
-              </a:rPr>
-              <a:t>https://docs.microsoft.com/sharepoint/dev/spfx/use-aadhttpclient</a:t>
+              <a:t>https://learn.microsoft.com/sharepoint/dev/spfx/use-aadhttpclient</a:t>
             </a:r>
             <a:r>
               <a:rPr lang="en-US" sz="1800" dirty="0">
@@ -19212,7 +19147,7 @@
               <a:rPr lang="en-US" dirty="0">
                 <a:hlinkClick r:id="rId3"/>
               </a:rPr>
-              <a:t>https://docs.microsoft.com/sharepoint/dev/spfx/use-aadhttpclient</a:t>
+              <a:t>https://learn.microsoft.com/sharepoint/dev/spfx/use-aadhttpclient</a:t>
             </a:r>
             <a:r>
               <a:rPr lang="en-US" dirty="0"/>
